--- a/images/charts.pptx
+++ b/images/charts.pptx
@@ -14,6 +14,11 @@
     <p:sldId id="267" r:id="rId8"/>
     <p:sldId id="269" r:id="rId9"/>
     <p:sldId id="268" r:id="rId10"/>
+    <p:sldId id="270" r:id="rId11"/>
+    <p:sldId id="271" r:id="rId12"/>
+    <p:sldId id="272" r:id="rId13"/>
+    <p:sldId id="273" r:id="rId14"/>
+    <p:sldId id="274" r:id="rId15"/>
   </p:sldIdLst>
   <p:sldSz cx="12192000" cy="6858000"/>
   <p:notesSz cx="6858000" cy="9144000"/>
@@ -267,7 +272,7 @@
           <a:p>
             <a:fld id="{0D79BBE2-0B2D-48EC-ABEC-0FA514BE10AA}" type="datetimeFigureOut">
               <a:rPr kumimoji="1" lang="ja-JP" altLang="en-US" smtClean="0"/>
-              <a:t>2022/2/7</a:t>
+              <a:t>2022/2/24</a:t>
             </a:fld>
             <a:endParaRPr kumimoji="1" lang="ja-JP" altLang="en-US"/>
           </a:p>
@@ -497,7 +502,7 @@
           <a:p>
             <a:fld id="{0D79BBE2-0B2D-48EC-ABEC-0FA514BE10AA}" type="datetimeFigureOut">
               <a:rPr kumimoji="1" lang="ja-JP" altLang="en-US" smtClean="0"/>
-              <a:t>2022/2/7</a:t>
+              <a:t>2022/2/24</a:t>
             </a:fld>
             <a:endParaRPr kumimoji="1" lang="ja-JP" altLang="en-US"/>
           </a:p>
@@ -737,7 +742,7 @@
           <a:p>
             <a:fld id="{0D79BBE2-0B2D-48EC-ABEC-0FA514BE10AA}" type="datetimeFigureOut">
               <a:rPr kumimoji="1" lang="ja-JP" altLang="en-US" smtClean="0"/>
-              <a:t>2022/2/7</a:t>
+              <a:t>2022/2/24</a:t>
             </a:fld>
             <a:endParaRPr kumimoji="1" lang="ja-JP" altLang="en-US"/>
           </a:p>
@@ -967,7 +972,7 @@
           <a:p>
             <a:fld id="{0D79BBE2-0B2D-48EC-ABEC-0FA514BE10AA}" type="datetimeFigureOut">
               <a:rPr kumimoji="1" lang="ja-JP" altLang="en-US" smtClean="0"/>
-              <a:t>2022/2/7</a:t>
+              <a:t>2022/2/24</a:t>
             </a:fld>
             <a:endParaRPr kumimoji="1" lang="ja-JP" altLang="en-US"/>
           </a:p>
@@ -1242,7 +1247,7 @@
           <a:p>
             <a:fld id="{0D79BBE2-0B2D-48EC-ABEC-0FA514BE10AA}" type="datetimeFigureOut">
               <a:rPr kumimoji="1" lang="ja-JP" altLang="en-US" smtClean="0"/>
-              <a:t>2022/2/7</a:t>
+              <a:t>2022/2/24</a:t>
             </a:fld>
             <a:endParaRPr kumimoji="1" lang="ja-JP" altLang="en-US"/>
           </a:p>
@@ -1571,7 +1576,7 @@
           <a:p>
             <a:fld id="{0D79BBE2-0B2D-48EC-ABEC-0FA514BE10AA}" type="datetimeFigureOut">
               <a:rPr kumimoji="1" lang="ja-JP" altLang="en-US" smtClean="0"/>
-              <a:t>2022/2/7</a:t>
+              <a:t>2022/2/24</a:t>
             </a:fld>
             <a:endParaRPr kumimoji="1" lang="ja-JP" altLang="en-US"/>
           </a:p>
@@ -2047,7 +2052,7 @@
           <a:p>
             <a:fld id="{0D79BBE2-0B2D-48EC-ABEC-0FA514BE10AA}" type="datetimeFigureOut">
               <a:rPr kumimoji="1" lang="ja-JP" altLang="en-US" smtClean="0"/>
-              <a:t>2022/2/7</a:t>
+              <a:t>2022/2/24</a:t>
             </a:fld>
             <a:endParaRPr kumimoji="1" lang="ja-JP" altLang="en-US"/>
           </a:p>
@@ -2188,7 +2193,7 @@
           <a:p>
             <a:fld id="{0D79BBE2-0B2D-48EC-ABEC-0FA514BE10AA}" type="datetimeFigureOut">
               <a:rPr kumimoji="1" lang="ja-JP" altLang="en-US" smtClean="0"/>
-              <a:t>2022/2/7</a:t>
+              <a:t>2022/2/24</a:t>
             </a:fld>
             <a:endParaRPr kumimoji="1" lang="ja-JP" altLang="en-US"/>
           </a:p>
@@ -2301,7 +2306,7 @@
           <a:p>
             <a:fld id="{0D79BBE2-0B2D-48EC-ABEC-0FA514BE10AA}" type="datetimeFigureOut">
               <a:rPr kumimoji="1" lang="ja-JP" altLang="en-US" smtClean="0"/>
-              <a:t>2022/2/7</a:t>
+              <a:t>2022/2/24</a:t>
             </a:fld>
             <a:endParaRPr kumimoji="1" lang="ja-JP" altLang="en-US"/>
           </a:p>
@@ -2644,7 +2649,7 @@
           <a:p>
             <a:fld id="{0D79BBE2-0B2D-48EC-ABEC-0FA514BE10AA}" type="datetimeFigureOut">
               <a:rPr kumimoji="1" lang="ja-JP" altLang="en-US" smtClean="0"/>
-              <a:t>2022/2/7</a:t>
+              <a:t>2022/2/24</a:t>
             </a:fld>
             <a:endParaRPr kumimoji="1" lang="ja-JP" altLang="en-US"/>
           </a:p>
@@ -2932,7 +2937,7 @@
           <a:p>
             <a:fld id="{0D79BBE2-0B2D-48EC-ABEC-0FA514BE10AA}" type="datetimeFigureOut">
               <a:rPr kumimoji="1" lang="ja-JP" altLang="en-US" smtClean="0"/>
-              <a:t>2022/2/7</a:t>
+              <a:t>2022/2/24</a:t>
             </a:fld>
             <a:endParaRPr kumimoji="1" lang="ja-JP" altLang="en-US"/>
           </a:p>
@@ -3205,7 +3210,7 @@
           <a:p>
             <a:fld id="{0D79BBE2-0B2D-48EC-ABEC-0FA514BE10AA}" type="datetimeFigureOut">
               <a:rPr kumimoji="1" lang="ja-JP" altLang="en-US" smtClean="0"/>
-              <a:t>2022/2/7</a:t>
+              <a:t>2022/2/24</a:t>
             </a:fld>
             <a:endParaRPr kumimoji="1" lang="ja-JP" altLang="en-US"/>
           </a:p>
@@ -4849,6 +4854,3024 @@
 </p:sld>
 </file>
 
+<file path=ppt/slides/slide10.xml><?xml version="1.0" encoding="utf-8"?>
+<p:sld xmlns:a="http://schemas.openxmlformats.org/drawingml/2006/main" xmlns:r="http://schemas.openxmlformats.org/officeDocument/2006/relationships" xmlns:p="http://schemas.openxmlformats.org/presentationml/2006/main">
+  <p:cSld>
+    <p:spTree>
+      <p:nvGrpSpPr>
+        <p:cNvPr id="1" name=""/>
+        <p:cNvGrpSpPr/>
+        <p:nvPr/>
+      </p:nvGrpSpPr>
+      <p:grpSpPr>
+        <a:xfrm>
+          <a:off x="0" y="0"/>
+          <a:ext cx="0" cy="0"/>
+          <a:chOff x="0" y="0"/>
+          <a:chExt cx="0" cy="0"/>
+        </a:xfrm>
+      </p:grpSpPr>
+      <p:grpSp>
+        <p:nvGrpSpPr>
+          <p:cNvPr id="30" name="グループ化 29">
+            <a:extLst>
+              <a:ext uri="{FF2B5EF4-FFF2-40B4-BE49-F238E27FC236}">
+                <a16:creationId xmlns:a16="http://schemas.microsoft.com/office/drawing/2014/main" id="{02C4208C-FB45-2B47-BC6C-318CF4A1BF3F}"/>
+              </a:ext>
+            </a:extLst>
+          </p:cNvPr>
+          <p:cNvGrpSpPr/>
+          <p:nvPr/>
+        </p:nvGrpSpPr>
+        <p:grpSpPr>
+          <a:xfrm>
+            <a:off x="982439" y="792203"/>
+            <a:ext cx="7705320" cy="2428795"/>
+            <a:chOff x="982439" y="792203"/>
+            <a:chExt cx="7705320" cy="2428795"/>
+          </a:xfrm>
+        </p:grpSpPr>
+        <p:pic>
+          <p:nvPicPr>
+            <p:cNvPr id="3" name="図 2">
+              <a:extLst>
+                <a:ext uri="{FF2B5EF4-FFF2-40B4-BE49-F238E27FC236}">
+                  <a16:creationId xmlns:a16="http://schemas.microsoft.com/office/drawing/2014/main" id="{A9042AD7-AA91-CC4B-BC1D-C4382BE84AA4}"/>
+                </a:ext>
+              </a:extLst>
+            </p:cNvPr>
+            <p:cNvPicPr>
+              <a:picLocks noChangeAspect="1"/>
+            </p:cNvPicPr>
+            <p:nvPr/>
+          </p:nvPicPr>
+          <p:blipFill>
+            <a:blip r:embed="rId2">
+              <a:extLst>
+                <a:ext uri="{28A0092B-C50C-407E-A947-70E740481C1C}">
+                  <a14:useLocalDpi xmlns:a14="http://schemas.microsoft.com/office/drawing/2010/main" val="0"/>
+                </a:ext>
+              </a:extLst>
+            </a:blip>
+            <a:stretch>
+              <a:fillRect/>
+            </a:stretch>
+          </p:blipFill>
+          <p:spPr>
+            <a:xfrm>
+              <a:off x="5474659" y="1352550"/>
+              <a:ext cx="3213100" cy="1308100"/>
+            </a:xfrm>
+            <a:prstGeom prst="rect">
+              <a:avLst/>
+            </a:prstGeom>
+            <a:ln w="28575">
+              <a:noFill/>
+            </a:ln>
+          </p:spPr>
+        </p:pic>
+        <p:pic>
+          <p:nvPicPr>
+            <p:cNvPr id="11" name="図 10" descr="テキスト&#10;&#10;中程度の精度で自動的に生成された説明">
+              <a:extLst>
+                <a:ext uri="{FF2B5EF4-FFF2-40B4-BE49-F238E27FC236}">
+                  <a16:creationId xmlns:a16="http://schemas.microsoft.com/office/drawing/2014/main" id="{21181FD7-4137-5F4A-ACB9-985A036FE9AC}"/>
+                </a:ext>
+              </a:extLst>
+            </p:cNvPr>
+            <p:cNvPicPr>
+              <a:picLocks noChangeAspect="1"/>
+            </p:cNvPicPr>
+            <p:nvPr/>
+          </p:nvPicPr>
+          <p:blipFill>
+            <a:blip r:embed="rId3">
+              <a:extLst>
+                <a:ext uri="{28A0092B-C50C-407E-A947-70E740481C1C}">
+                  <a14:useLocalDpi xmlns:a14="http://schemas.microsoft.com/office/drawing/2010/main" val="0"/>
+                </a:ext>
+              </a:extLst>
+            </a:blip>
+            <a:stretch>
+              <a:fillRect/>
+            </a:stretch>
+          </p:blipFill>
+          <p:spPr>
+            <a:xfrm>
+              <a:off x="982439" y="792203"/>
+              <a:ext cx="4021707" cy="2428795"/>
+            </a:xfrm>
+            <a:prstGeom prst="rect">
+              <a:avLst/>
+            </a:prstGeom>
+          </p:spPr>
+        </p:pic>
+        <p:sp>
+          <p:nvSpPr>
+            <p:cNvPr id="12" name="角丸四角形 11">
+              <a:extLst>
+                <a:ext uri="{FF2B5EF4-FFF2-40B4-BE49-F238E27FC236}">
+                  <a16:creationId xmlns:a16="http://schemas.microsoft.com/office/drawing/2014/main" id="{97192BB9-F361-3F43-8B28-E147AB53C40D}"/>
+                </a:ext>
+              </a:extLst>
+            </p:cNvPr>
+            <p:cNvSpPr/>
+            <p:nvPr/>
+          </p:nvSpPr>
+          <p:spPr>
+            <a:xfrm>
+              <a:off x="1601962" y="1480920"/>
+              <a:ext cx="1446037" cy="457295"/>
+            </a:xfrm>
+            <a:prstGeom prst="roundRect">
+              <a:avLst/>
+            </a:prstGeom>
+            <a:noFill/>
+            <a:ln w="28575">
+              <a:solidFill>
+                <a:srgbClr val="C00000"/>
+              </a:solidFill>
+            </a:ln>
+          </p:spPr>
+          <p:style>
+            <a:lnRef idx="2">
+              <a:schemeClr val="accent1">
+                <a:shade val="50000"/>
+              </a:schemeClr>
+            </a:lnRef>
+            <a:fillRef idx="1">
+              <a:schemeClr val="accent1"/>
+            </a:fillRef>
+            <a:effectRef idx="0">
+              <a:schemeClr val="accent1"/>
+            </a:effectRef>
+            <a:fontRef idx="minor">
+              <a:schemeClr val="lt1"/>
+            </a:fontRef>
+          </p:style>
+          <p:txBody>
+            <a:bodyPr rtlCol="0" anchor="ctr"/>
+            <a:lstStyle/>
+            <a:p>
+              <a:pPr algn="ctr"/>
+              <a:endParaRPr kumimoji="1" lang="ja-JP" altLang="en-US"/>
+            </a:p>
+          </p:txBody>
+        </p:sp>
+        <p:sp>
+          <p:nvSpPr>
+            <p:cNvPr id="13" name="角丸四角形 12">
+              <a:extLst>
+                <a:ext uri="{FF2B5EF4-FFF2-40B4-BE49-F238E27FC236}">
+                  <a16:creationId xmlns:a16="http://schemas.microsoft.com/office/drawing/2014/main" id="{C36815EE-AC2D-0B4C-A9E8-6580B7582979}"/>
+                </a:ext>
+              </a:extLst>
+            </p:cNvPr>
+            <p:cNvSpPr/>
+            <p:nvPr/>
+          </p:nvSpPr>
+          <p:spPr>
+            <a:xfrm>
+              <a:off x="7506486" y="1414586"/>
+              <a:ext cx="1043545" cy="1164492"/>
+            </a:xfrm>
+            <a:prstGeom prst="roundRect">
+              <a:avLst/>
+            </a:prstGeom>
+            <a:noFill/>
+            <a:ln w="28575">
+              <a:solidFill>
+                <a:srgbClr val="C00000"/>
+              </a:solidFill>
+            </a:ln>
+          </p:spPr>
+          <p:style>
+            <a:lnRef idx="2">
+              <a:schemeClr val="accent1">
+                <a:shade val="50000"/>
+              </a:schemeClr>
+            </a:lnRef>
+            <a:fillRef idx="1">
+              <a:schemeClr val="accent1"/>
+            </a:fillRef>
+            <a:effectRef idx="0">
+              <a:schemeClr val="accent1"/>
+            </a:effectRef>
+            <a:fontRef idx="minor">
+              <a:schemeClr val="lt1"/>
+            </a:fontRef>
+          </p:style>
+          <p:txBody>
+            <a:bodyPr rtlCol="0" anchor="ctr"/>
+            <a:lstStyle/>
+            <a:p>
+              <a:pPr algn="ctr"/>
+              <a:endParaRPr kumimoji="1" lang="ja-JP" altLang="en-US"/>
+            </a:p>
+          </p:txBody>
+        </p:sp>
+        <p:sp>
+          <p:nvSpPr>
+            <p:cNvPr id="14" name="角丸四角形 13">
+              <a:extLst>
+                <a:ext uri="{FF2B5EF4-FFF2-40B4-BE49-F238E27FC236}">
+                  <a16:creationId xmlns:a16="http://schemas.microsoft.com/office/drawing/2014/main" id="{F0B48CF9-DA49-BF41-9F62-790E249AB319}"/>
+                </a:ext>
+              </a:extLst>
+            </p:cNvPr>
+            <p:cNvSpPr/>
+            <p:nvPr/>
+          </p:nvSpPr>
+          <p:spPr>
+            <a:xfrm>
+              <a:off x="5574227" y="1417518"/>
+              <a:ext cx="1147004" cy="1161560"/>
+            </a:xfrm>
+            <a:prstGeom prst="roundRect">
+              <a:avLst/>
+            </a:prstGeom>
+            <a:noFill/>
+            <a:ln w="28575">
+              <a:solidFill>
+                <a:srgbClr val="C00000"/>
+              </a:solidFill>
+            </a:ln>
+          </p:spPr>
+          <p:style>
+            <a:lnRef idx="2">
+              <a:schemeClr val="accent1">
+                <a:shade val="50000"/>
+              </a:schemeClr>
+            </a:lnRef>
+            <a:fillRef idx="1">
+              <a:schemeClr val="accent1"/>
+            </a:fillRef>
+            <a:effectRef idx="0">
+              <a:schemeClr val="accent1"/>
+            </a:effectRef>
+            <a:fontRef idx="minor">
+              <a:schemeClr val="lt1"/>
+            </a:fontRef>
+          </p:style>
+          <p:txBody>
+            <a:bodyPr rtlCol="0" anchor="ctr"/>
+            <a:lstStyle/>
+            <a:p>
+              <a:pPr algn="ctr"/>
+              <a:endParaRPr kumimoji="1" lang="ja-JP" altLang="en-US"/>
+            </a:p>
+          </p:txBody>
+        </p:sp>
+        <p:sp>
+          <p:nvSpPr>
+            <p:cNvPr id="15" name="角丸四角形 14">
+              <a:extLst>
+                <a:ext uri="{FF2B5EF4-FFF2-40B4-BE49-F238E27FC236}">
+                  <a16:creationId xmlns:a16="http://schemas.microsoft.com/office/drawing/2014/main" id="{0ED84A55-E917-9F4B-8DA8-5281632E4F19}"/>
+                </a:ext>
+              </a:extLst>
+            </p:cNvPr>
+            <p:cNvSpPr/>
+            <p:nvPr/>
+          </p:nvSpPr>
+          <p:spPr>
+            <a:xfrm>
+              <a:off x="1601962" y="1968990"/>
+              <a:ext cx="1446037" cy="457295"/>
+            </a:xfrm>
+            <a:prstGeom prst="roundRect">
+              <a:avLst/>
+            </a:prstGeom>
+            <a:noFill/>
+            <a:ln w="28575">
+              <a:solidFill>
+                <a:srgbClr val="C00000"/>
+              </a:solidFill>
+            </a:ln>
+          </p:spPr>
+          <p:style>
+            <a:lnRef idx="2">
+              <a:schemeClr val="accent1">
+                <a:shade val="50000"/>
+              </a:schemeClr>
+            </a:lnRef>
+            <a:fillRef idx="1">
+              <a:schemeClr val="accent1"/>
+            </a:fillRef>
+            <a:effectRef idx="0">
+              <a:schemeClr val="accent1"/>
+            </a:effectRef>
+            <a:fontRef idx="minor">
+              <a:schemeClr val="lt1"/>
+            </a:fontRef>
+          </p:style>
+          <p:txBody>
+            <a:bodyPr rtlCol="0" anchor="ctr"/>
+            <a:lstStyle/>
+            <a:p>
+              <a:pPr algn="ctr"/>
+              <a:endParaRPr kumimoji="1" lang="ja-JP" altLang="en-US"/>
+            </a:p>
+          </p:txBody>
+        </p:sp>
+        <p:sp>
+          <p:nvSpPr>
+            <p:cNvPr id="28" name="フリーフォーム 27">
+              <a:extLst>
+                <a:ext uri="{FF2B5EF4-FFF2-40B4-BE49-F238E27FC236}">
+                  <a16:creationId xmlns:a16="http://schemas.microsoft.com/office/drawing/2014/main" id="{DC7C1939-0051-3F41-A322-DC6BE2A01AB1}"/>
+                </a:ext>
+              </a:extLst>
+            </p:cNvPr>
+            <p:cNvSpPr/>
+            <p:nvPr/>
+          </p:nvSpPr>
+          <p:spPr>
+            <a:xfrm>
+              <a:off x="3063240" y="933994"/>
+              <a:ext cx="4513217" cy="777240"/>
+            </a:xfrm>
+            <a:custGeom>
+              <a:avLst/>
+              <a:gdLst>
+                <a:gd name="connsiteX0" fmla="*/ 0 w 4513217"/>
+                <a:gd name="connsiteY0" fmla="*/ 930531 h 930531"/>
+                <a:gd name="connsiteX1" fmla="*/ 2253343 w 4513217"/>
+                <a:gd name="connsiteY1" fmla="*/ 3068 h 930531"/>
+                <a:gd name="connsiteX2" fmla="*/ 4513217 w 4513217"/>
+                <a:gd name="connsiteY2" fmla="*/ 688868 h 930531"/>
+              </a:gdLst>
+              <a:ahLst/>
+              <a:cxnLst>
+                <a:cxn ang="0">
+                  <a:pos x="connsiteX0" y="connsiteY0"/>
+                </a:cxn>
+                <a:cxn ang="0">
+                  <a:pos x="connsiteX1" y="connsiteY1"/>
+                </a:cxn>
+                <a:cxn ang="0">
+                  <a:pos x="connsiteX2" y="connsiteY2"/>
+                </a:cxn>
+              </a:cxnLst>
+              <a:rect l="l" t="t" r="r" b="b"/>
+              <a:pathLst>
+                <a:path w="4513217" h="930531">
+                  <a:moveTo>
+                    <a:pt x="0" y="930531"/>
+                  </a:moveTo>
+                  <a:cubicBezTo>
+                    <a:pt x="750570" y="486938"/>
+                    <a:pt x="1501140" y="43345"/>
+                    <a:pt x="2253343" y="3068"/>
+                  </a:cubicBezTo>
+                  <a:cubicBezTo>
+                    <a:pt x="3005546" y="-37209"/>
+                    <a:pt x="3759381" y="325829"/>
+                    <a:pt x="4513217" y="688868"/>
+                  </a:cubicBezTo>
+                </a:path>
+              </a:pathLst>
+            </a:custGeom>
+            <a:noFill/>
+            <a:ln w="28575">
+              <a:solidFill>
+                <a:srgbClr val="C00000"/>
+              </a:solidFill>
+              <a:headEnd type="arrow" w="med" len="med"/>
+              <a:tailEnd type="none" w="med" len="med"/>
+            </a:ln>
+          </p:spPr>
+          <p:style>
+            <a:lnRef idx="2">
+              <a:schemeClr val="accent1">
+                <a:shade val="50000"/>
+              </a:schemeClr>
+            </a:lnRef>
+            <a:fillRef idx="1">
+              <a:schemeClr val="accent1"/>
+            </a:fillRef>
+            <a:effectRef idx="0">
+              <a:schemeClr val="accent1"/>
+            </a:effectRef>
+            <a:fontRef idx="minor">
+              <a:schemeClr val="lt1"/>
+            </a:fontRef>
+          </p:style>
+          <p:txBody>
+            <a:bodyPr rtlCol="0" anchor="ctr"/>
+            <a:lstStyle/>
+            <a:p>
+              <a:pPr algn="ctr"/>
+              <a:endParaRPr kumimoji="1" lang="ja-JP" altLang="en-US"/>
+            </a:p>
+          </p:txBody>
+        </p:sp>
+        <p:sp>
+          <p:nvSpPr>
+            <p:cNvPr id="29" name="フリーフォーム 28">
+              <a:extLst>
+                <a:ext uri="{FF2B5EF4-FFF2-40B4-BE49-F238E27FC236}">
+                  <a16:creationId xmlns:a16="http://schemas.microsoft.com/office/drawing/2014/main" id="{46C3A300-A606-5343-88EB-388BC6BA3B27}"/>
+                </a:ext>
+              </a:extLst>
+            </p:cNvPr>
+            <p:cNvSpPr/>
+            <p:nvPr/>
+          </p:nvSpPr>
+          <p:spPr>
+            <a:xfrm>
+              <a:off x="3048000" y="1776202"/>
+              <a:ext cx="2526228" cy="421435"/>
+            </a:xfrm>
+            <a:custGeom>
+              <a:avLst/>
+              <a:gdLst>
+                <a:gd name="connsiteX0" fmla="*/ 0 w 4513217"/>
+                <a:gd name="connsiteY0" fmla="*/ 930531 h 930531"/>
+                <a:gd name="connsiteX1" fmla="*/ 2253343 w 4513217"/>
+                <a:gd name="connsiteY1" fmla="*/ 3068 h 930531"/>
+                <a:gd name="connsiteX2" fmla="*/ 4513217 w 4513217"/>
+                <a:gd name="connsiteY2" fmla="*/ 688868 h 930531"/>
+              </a:gdLst>
+              <a:ahLst/>
+              <a:cxnLst>
+                <a:cxn ang="0">
+                  <a:pos x="connsiteX0" y="connsiteY0"/>
+                </a:cxn>
+                <a:cxn ang="0">
+                  <a:pos x="connsiteX1" y="connsiteY1"/>
+                </a:cxn>
+                <a:cxn ang="0">
+                  <a:pos x="connsiteX2" y="connsiteY2"/>
+                </a:cxn>
+              </a:cxnLst>
+              <a:rect l="l" t="t" r="r" b="b"/>
+              <a:pathLst>
+                <a:path w="4513217" h="930531">
+                  <a:moveTo>
+                    <a:pt x="0" y="930531"/>
+                  </a:moveTo>
+                  <a:cubicBezTo>
+                    <a:pt x="750570" y="486938"/>
+                    <a:pt x="1501140" y="43345"/>
+                    <a:pt x="2253343" y="3068"/>
+                  </a:cubicBezTo>
+                  <a:cubicBezTo>
+                    <a:pt x="3005546" y="-37209"/>
+                    <a:pt x="3759381" y="325829"/>
+                    <a:pt x="4513217" y="688868"/>
+                  </a:cubicBezTo>
+                </a:path>
+              </a:pathLst>
+            </a:custGeom>
+            <a:noFill/>
+            <a:ln w="28575">
+              <a:solidFill>
+                <a:srgbClr val="C00000"/>
+              </a:solidFill>
+              <a:headEnd type="arrow" w="med" len="med"/>
+              <a:tailEnd type="none" w="med" len="med"/>
+            </a:ln>
+          </p:spPr>
+          <p:style>
+            <a:lnRef idx="2">
+              <a:schemeClr val="accent1">
+                <a:shade val="50000"/>
+              </a:schemeClr>
+            </a:lnRef>
+            <a:fillRef idx="1">
+              <a:schemeClr val="accent1"/>
+            </a:fillRef>
+            <a:effectRef idx="0">
+              <a:schemeClr val="accent1"/>
+            </a:effectRef>
+            <a:fontRef idx="minor">
+              <a:schemeClr val="lt1"/>
+            </a:fontRef>
+          </p:style>
+          <p:txBody>
+            <a:bodyPr rtlCol="0" anchor="ctr"/>
+            <a:lstStyle/>
+            <a:p>
+              <a:pPr algn="ctr"/>
+              <a:endParaRPr kumimoji="1" lang="ja-JP" altLang="en-US"/>
+            </a:p>
+          </p:txBody>
+        </p:sp>
+      </p:grpSp>
+      <p:sp>
+        <p:nvSpPr>
+          <p:cNvPr id="31" name="テキスト ボックス 30">
+            <a:extLst>
+              <a:ext uri="{FF2B5EF4-FFF2-40B4-BE49-F238E27FC236}">
+                <a16:creationId xmlns:a16="http://schemas.microsoft.com/office/drawing/2014/main" id="{D0EAA47C-280E-F548-B9CD-BF18C39FE68D}"/>
+              </a:ext>
+            </a:extLst>
+          </p:cNvPr>
+          <p:cNvSpPr txBox="1"/>
+          <p:nvPr/>
+        </p:nvSpPr>
+        <p:spPr>
+          <a:xfrm>
+            <a:off x="364187" y="222818"/>
+            <a:ext cx="1960793" cy="369332"/>
+          </a:xfrm>
+          <a:prstGeom prst="rect">
+            <a:avLst/>
+          </a:prstGeom>
+          <a:noFill/>
+        </p:spPr>
+        <p:txBody>
+          <a:bodyPr wrap="none" rtlCol="0">
+            <a:spAutoFit/>
+          </a:bodyPr>
+          <a:lstStyle/>
+          <a:p>
+            <a:r>
+              <a:rPr lang="en-US" altLang="ja-JP" dirty="0"/>
+              <a:t>class_rule01.png</a:t>
+            </a:r>
+            <a:endParaRPr kumimoji="1" lang="en-US" altLang="ja-JP" dirty="0"/>
+          </a:p>
+        </p:txBody>
+      </p:sp>
+    </p:spTree>
+    <p:extLst>
+      <p:ext uri="{BB962C8B-B14F-4D97-AF65-F5344CB8AC3E}">
+        <p14:creationId xmlns:p14="http://schemas.microsoft.com/office/powerpoint/2010/main" val="2903806648"/>
+      </p:ext>
+    </p:extLst>
+  </p:cSld>
+  <p:clrMapOvr>
+    <a:masterClrMapping/>
+  </p:clrMapOvr>
+</p:sld>
+</file>
+
+<file path=ppt/slides/slide11.xml><?xml version="1.0" encoding="utf-8"?>
+<p:sld xmlns:a="http://schemas.openxmlformats.org/drawingml/2006/main" xmlns:r="http://schemas.openxmlformats.org/officeDocument/2006/relationships" xmlns:p="http://schemas.openxmlformats.org/presentationml/2006/main">
+  <p:cSld>
+    <p:spTree>
+      <p:nvGrpSpPr>
+        <p:cNvPr id="1" name=""/>
+        <p:cNvGrpSpPr/>
+        <p:nvPr/>
+      </p:nvGrpSpPr>
+      <p:grpSpPr>
+        <a:xfrm>
+          <a:off x="0" y="0"/>
+          <a:ext cx="0" cy="0"/>
+          <a:chOff x="0" y="0"/>
+          <a:chExt cx="0" cy="0"/>
+        </a:xfrm>
+      </p:grpSpPr>
+      <p:grpSp>
+        <p:nvGrpSpPr>
+          <p:cNvPr id="2" name="グループ化 1">
+            <a:extLst>
+              <a:ext uri="{FF2B5EF4-FFF2-40B4-BE49-F238E27FC236}">
+                <a16:creationId xmlns:a16="http://schemas.microsoft.com/office/drawing/2014/main" id="{7F31F35D-0B54-344D-9D5B-14E8C18EF6DA}"/>
+              </a:ext>
+            </a:extLst>
+          </p:cNvPr>
+          <p:cNvGrpSpPr/>
+          <p:nvPr/>
+        </p:nvGrpSpPr>
+        <p:grpSpPr>
+          <a:xfrm>
+            <a:off x="956836" y="906584"/>
+            <a:ext cx="6331490" cy="2321169"/>
+            <a:chOff x="956836" y="906584"/>
+            <a:chExt cx="6331490" cy="2321169"/>
+          </a:xfrm>
+        </p:grpSpPr>
+        <p:pic>
+          <p:nvPicPr>
+            <p:cNvPr id="3" name="図 2">
+              <a:extLst>
+                <a:ext uri="{FF2B5EF4-FFF2-40B4-BE49-F238E27FC236}">
+                  <a16:creationId xmlns:a16="http://schemas.microsoft.com/office/drawing/2014/main" id="{A9042AD7-AA91-CC4B-BC1D-C4382BE84AA4}"/>
+                </a:ext>
+              </a:extLst>
+            </p:cNvPr>
+            <p:cNvPicPr>
+              <a:picLocks noChangeAspect="1"/>
+            </p:cNvPicPr>
+            <p:nvPr/>
+          </p:nvPicPr>
+          <p:blipFill rotWithShape="1">
+            <a:blip r:embed="rId2">
+              <a:extLst>
+                <a:ext uri="{28A0092B-C50C-407E-A947-70E740481C1C}">
+                  <a14:useLocalDpi xmlns:a14="http://schemas.microsoft.com/office/drawing/2010/main" val="0"/>
+                </a:ext>
+              </a:extLst>
+            </a:blip>
+            <a:srcRect l="5521" t="11165" r="63102" b="11165"/>
+            <a:stretch/>
+          </p:blipFill>
+          <p:spPr>
+            <a:xfrm>
+              <a:off x="5502268" y="1167214"/>
+              <a:ext cx="1786058" cy="1799907"/>
+            </a:xfrm>
+            <a:prstGeom prst="rect">
+              <a:avLst/>
+            </a:prstGeom>
+          </p:spPr>
+        </p:pic>
+        <p:pic>
+          <p:nvPicPr>
+            <p:cNvPr id="6" name="図 5" descr="グラフィカル ユーザー インターフェイス, アプリケーション&#10;&#10;自動的に生成された説明">
+              <a:extLst>
+                <a:ext uri="{FF2B5EF4-FFF2-40B4-BE49-F238E27FC236}">
+                  <a16:creationId xmlns:a16="http://schemas.microsoft.com/office/drawing/2014/main" id="{370B02D8-1223-1A4B-9928-C436578CB88E}"/>
+                </a:ext>
+              </a:extLst>
+            </p:cNvPr>
+            <p:cNvPicPr>
+              <a:picLocks noChangeAspect="1"/>
+            </p:cNvPicPr>
+            <p:nvPr/>
+          </p:nvPicPr>
+          <p:blipFill rotWithShape="1">
+            <a:blip r:embed="rId3">
+              <a:extLst>
+                <a:ext uri="{28A0092B-C50C-407E-A947-70E740481C1C}">
+                  <a14:useLocalDpi xmlns:a14="http://schemas.microsoft.com/office/drawing/2010/main" val="0"/>
+                </a:ext>
+              </a:extLst>
+            </a:blip>
+            <a:srcRect t="50940" b="15214"/>
+            <a:stretch/>
+          </p:blipFill>
+          <p:spPr>
+            <a:xfrm>
+              <a:off x="956836" y="906584"/>
+              <a:ext cx="4010388" cy="2321169"/>
+            </a:xfrm>
+            <a:prstGeom prst="rect">
+              <a:avLst/>
+            </a:prstGeom>
+          </p:spPr>
+        </p:pic>
+        <p:sp>
+          <p:nvSpPr>
+            <p:cNvPr id="18" name="角丸四角形 17">
+              <a:extLst>
+                <a:ext uri="{FF2B5EF4-FFF2-40B4-BE49-F238E27FC236}">
+                  <a16:creationId xmlns:a16="http://schemas.microsoft.com/office/drawing/2014/main" id="{F3301133-AE1B-F047-9068-AD33D1F3CB57}"/>
+                </a:ext>
+              </a:extLst>
+            </p:cNvPr>
+            <p:cNvSpPr/>
+            <p:nvPr/>
+          </p:nvSpPr>
+          <p:spPr>
+            <a:xfrm>
+              <a:off x="1617593" y="1095308"/>
+              <a:ext cx="1446037" cy="415723"/>
+            </a:xfrm>
+            <a:prstGeom prst="roundRect">
+              <a:avLst/>
+            </a:prstGeom>
+            <a:noFill/>
+            <a:ln w="28575">
+              <a:solidFill>
+                <a:srgbClr val="C00000"/>
+              </a:solidFill>
+            </a:ln>
+          </p:spPr>
+          <p:style>
+            <a:lnRef idx="2">
+              <a:schemeClr val="accent1">
+                <a:shade val="50000"/>
+              </a:schemeClr>
+            </a:lnRef>
+            <a:fillRef idx="1">
+              <a:schemeClr val="accent1"/>
+            </a:fillRef>
+            <a:effectRef idx="0">
+              <a:schemeClr val="accent1"/>
+            </a:effectRef>
+            <a:fontRef idx="minor">
+              <a:schemeClr val="lt1"/>
+            </a:fontRef>
+          </p:style>
+          <p:txBody>
+            <a:bodyPr rtlCol="0" anchor="ctr"/>
+            <a:lstStyle/>
+            <a:p>
+              <a:pPr algn="ctr"/>
+              <a:endParaRPr kumimoji="1" lang="ja-JP" altLang="en-US"/>
+            </a:p>
+          </p:txBody>
+        </p:sp>
+        <p:sp>
+          <p:nvSpPr>
+            <p:cNvPr id="19" name="角丸四角形 18">
+              <a:extLst>
+                <a:ext uri="{FF2B5EF4-FFF2-40B4-BE49-F238E27FC236}">
+                  <a16:creationId xmlns:a16="http://schemas.microsoft.com/office/drawing/2014/main" id="{4BE409E2-8637-884D-83FA-050DB3AB8AF4}"/>
+                </a:ext>
+              </a:extLst>
+            </p:cNvPr>
+            <p:cNvSpPr/>
+            <p:nvPr/>
+          </p:nvSpPr>
+          <p:spPr>
+            <a:xfrm>
+              <a:off x="5564777" y="1787138"/>
+              <a:ext cx="1658983" cy="1073628"/>
+            </a:xfrm>
+            <a:prstGeom prst="roundRect">
+              <a:avLst/>
+            </a:prstGeom>
+            <a:noFill/>
+            <a:ln w="28575">
+              <a:solidFill>
+                <a:srgbClr val="C00000"/>
+              </a:solidFill>
+            </a:ln>
+          </p:spPr>
+          <p:style>
+            <a:lnRef idx="2">
+              <a:schemeClr val="accent1">
+                <a:shade val="50000"/>
+              </a:schemeClr>
+            </a:lnRef>
+            <a:fillRef idx="1">
+              <a:schemeClr val="accent1"/>
+            </a:fillRef>
+            <a:effectRef idx="0">
+              <a:schemeClr val="accent1"/>
+            </a:effectRef>
+            <a:fontRef idx="minor">
+              <a:schemeClr val="lt1"/>
+            </a:fontRef>
+          </p:style>
+          <p:txBody>
+            <a:bodyPr rtlCol="0" anchor="ctr"/>
+            <a:lstStyle/>
+            <a:p>
+              <a:pPr algn="ctr"/>
+              <a:endParaRPr kumimoji="1" lang="ja-JP" altLang="en-US"/>
+            </a:p>
+          </p:txBody>
+        </p:sp>
+        <p:sp>
+          <p:nvSpPr>
+            <p:cNvPr id="20" name="フリーフォーム 19">
+              <a:extLst>
+                <a:ext uri="{FF2B5EF4-FFF2-40B4-BE49-F238E27FC236}">
+                  <a16:creationId xmlns:a16="http://schemas.microsoft.com/office/drawing/2014/main" id="{8A371933-9FE8-1A4B-B219-0D8E6C9FFDB1}"/>
+                </a:ext>
+              </a:extLst>
+            </p:cNvPr>
+            <p:cNvSpPr/>
+            <p:nvPr/>
+          </p:nvSpPr>
+          <p:spPr>
+            <a:xfrm rot="1136219">
+              <a:off x="3069931" y="1303306"/>
+              <a:ext cx="2593014" cy="352417"/>
+            </a:xfrm>
+            <a:custGeom>
+              <a:avLst/>
+              <a:gdLst>
+                <a:gd name="connsiteX0" fmla="*/ 0 w 4513217"/>
+                <a:gd name="connsiteY0" fmla="*/ 930531 h 930531"/>
+                <a:gd name="connsiteX1" fmla="*/ 2253343 w 4513217"/>
+                <a:gd name="connsiteY1" fmla="*/ 3068 h 930531"/>
+                <a:gd name="connsiteX2" fmla="*/ 4513217 w 4513217"/>
+                <a:gd name="connsiteY2" fmla="*/ 688868 h 930531"/>
+              </a:gdLst>
+              <a:ahLst/>
+              <a:cxnLst>
+                <a:cxn ang="0">
+                  <a:pos x="connsiteX0" y="connsiteY0"/>
+                </a:cxn>
+                <a:cxn ang="0">
+                  <a:pos x="connsiteX1" y="connsiteY1"/>
+                </a:cxn>
+                <a:cxn ang="0">
+                  <a:pos x="connsiteX2" y="connsiteY2"/>
+                </a:cxn>
+              </a:cxnLst>
+              <a:rect l="l" t="t" r="r" b="b"/>
+              <a:pathLst>
+                <a:path w="4513217" h="930531">
+                  <a:moveTo>
+                    <a:pt x="0" y="930531"/>
+                  </a:moveTo>
+                  <a:cubicBezTo>
+                    <a:pt x="750570" y="486938"/>
+                    <a:pt x="1501140" y="43345"/>
+                    <a:pt x="2253343" y="3068"/>
+                  </a:cubicBezTo>
+                  <a:cubicBezTo>
+                    <a:pt x="3005546" y="-37209"/>
+                    <a:pt x="3759381" y="325829"/>
+                    <a:pt x="4513217" y="688868"/>
+                  </a:cubicBezTo>
+                </a:path>
+              </a:pathLst>
+            </a:custGeom>
+            <a:noFill/>
+            <a:ln w="28575">
+              <a:solidFill>
+                <a:srgbClr val="C00000"/>
+              </a:solidFill>
+              <a:headEnd type="arrow" w="med" len="med"/>
+              <a:tailEnd type="none" w="med" len="med"/>
+            </a:ln>
+          </p:spPr>
+          <p:style>
+            <a:lnRef idx="2">
+              <a:schemeClr val="accent1">
+                <a:shade val="50000"/>
+              </a:schemeClr>
+            </a:lnRef>
+            <a:fillRef idx="1">
+              <a:schemeClr val="accent1"/>
+            </a:fillRef>
+            <a:effectRef idx="0">
+              <a:schemeClr val="accent1"/>
+            </a:effectRef>
+            <a:fontRef idx="minor">
+              <a:schemeClr val="lt1"/>
+            </a:fontRef>
+          </p:style>
+          <p:txBody>
+            <a:bodyPr rtlCol="0" anchor="ctr"/>
+            <a:lstStyle/>
+            <a:p>
+              <a:pPr algn="ctr"/>
+              <a:endParaRPr kumimoji="1" lang="ja-JP" altLang="en-US"/>
+            </a:p>
+          </p:txBody>
+        </p:sp>
+        <p:sp>
+          <p:nvSpPr>
+            <p:cNvPr id="21" name="角丸四角形 20">
+              <a:extLst>
+                <a:ext uri="{FF2B5EF4-FFF2-40B4-BE49-F238E27FC236}">
+                  <a16:creationId xmlns:a16="http://schemas.microsoft.com/office/drawing/2014/main" id="{1AE8AAC8-E74C-6F44-9725-E07ABD13EA1F}"/>
+                </a:ext>
+              </a:extLst>
+            </p:cNvPr>
+            <p:cNvSpPr/>
+            <p:nvPr/>
+          </p:nvSpPr>
+          <p:spPr>
+            <a:xfrm>
+              <a:off x="1607618" y="1596192"/>
+              <a:ext cx="1446037" cy="415723"/>
+            </a:xfrm>
+            <a:prstGeom prst="roundRect">
+              <a:avLst/>
+            </a:prstGeom>
+            <a:noFill/>
+            <a:ln w="28575">
+              <a:solidFill>
+                <a:srgbClr val="C00000"/>
+              </a:solidFill>
+            </a:ln>
+          </p:spPr>
+          <p:style>
+            <a:lnRef idx="2">
+              <a:schemeClr val="accent1">
+                <a:shade val="50000"/>
+              </a:schemeClr>
+            </a:lnRef>
+            <a:fillRef idx="1">
+              <a:schemeClr val="accent1"/>
+            </a:fillRef>
+            <a:effectRef idx="0">
+              <a:schemeClr val="accent1"/>
+            </a:effectRef>
+            <a:fontRef idx="minor">
+              <a:schemeClr val="lt1"/>
+            </a:fontRef>
+          </p:style>
+          <p:txBody>
+            <a:bodyPr rtlCol="0" anchor="ctr"/>
+            <a:lstStyle/>
+            <a:p>
+              <a:pPr algn="ctr"/>
+              <a:endParaRPr kumimoji="1" lang="ja-JP" altLang="en-US"/>
+            </a:p>
+          </p:txBody>
+        </p:sp>
+        <p:sp>
+          <p:nvSpPr>
+            <p:cNvPr id="22" name="角丸四角形 21">
+              <a:extLst>
+                <a:ext uri="{FF2B5EF4-FFF2-40B4-BE49-F238E27FC236}">
+                  <a16:creationId xmlns:a16="http://schemas.microsoft.com/office/drawing/2014/main" id="{F4B6F708-779D-6D47-8BF3-5865827BBB89}"/>
+                </a:ext>
+              </a:extLst>
+            </p:cNvPr>
+            <p:cNvSpPr/>
+            <p:nvPr/>
+          </p:nvSpPr>
+          <p:spPr>
+            <a:xfrm>
+              <a:off x="1617592" y="2136151"/>
+              <a:ext cx="1446037" cy="415723"/>
+            </a:xfrm>
+            <a:prstGeom prst="roundRect">
+              <a:avLst/>
+            </a:prstGeom>
+            <a:noFill/>
+            <a:ln w="28575">
+              <a:solidFill>
+                <a:srgbClr val="C00000"/>
+              </a:solidFill>
+            </a:ln>
+          </p:spPr>
+          <p:style>
+            <a:lnRef idx="2">
+              <a:schemeClr val="accent1">
+                <a:shade val="50000"/>
+              </a:schemeClr>
+            </a:lnRef>
+            <a:fillRef idx="1">
+              <a:schemeClr val="accent1"/>
+            </a:fillRef>
+            <a:effectRef idx="0">
+              <a:schemeClr val="accent1"/>
+            </a:effectRef>
+            <a:fontRef idx="minor">
+              <a:schemeClr val="lt1"/>
+            </a:fontRef>
+          </p:style>
+          <p:txBody>
+            <a:bodyPr rtlCol="0" anchor="ctr"/>
+            <a:lstStyle/>
+            <a:p>
+              <a:pPr algn="ctr"/>
+              <a:endParaRPr kumimoji="1" lang="ja-JP" altLang="en-US"/>
+            </a:p>
+          </p:txBody>
+        </p:sp>
+        <p:sp>
+          <p:nvSpPr>
+            <p:cNvPr id="23" name="角丸四角形 22">
+              <a:extLst>
+                <a:ext uri="{FF2B5EF4-FFF2-40B4-BE49-F238E27FC236}">
+                  <a16:creationId xmlns:a16="http://schemas.microsoft.com/office/drawing/2014/main" id="{34935AA9-2C91-674C-9E8B-EE4456D4BD92}"/>
+                </a:ext>
+              </a:extLst>
+            </p:cNvPr>
+            <p:cNvSpPr/>
+            <p:nvPr/>
+          </p:nvSpPr>
+          <p:spPr>
+            <a:xfrm>
+              <a:off x="1617591" y="2637729"/>
+              <a:ext cx="1446037" cy="415723"/>
+            </a:xfrm>
+            <a:prstGeom prst="roundRect">
+              <a:avLst/>
+            </a:prstGeom>
+            <a:noFill/>
+            <a:ln w="28575">
+              <a:solidFill>
+                <a:srgbClr val="C00000"/>
+              </a:solidFill>
+            </a:ln>
+          </p:spPr>
+          <p:style>
+            <a:lnRef idx="2">
+              <a:schemeClr val="accent1">
+                <a:shade val="50000"/>
+              </a:schemeClr>
+            </a:lnRef>
+            <a:fillRef idx="1">
+              <a:schemeClr val="accent1"/>
+            </a:fillRef>
+            <a:effectRef idx="0">
+              <a:schemeClr val="accent1"/>
+            </a:effectRef>
+            <a:fontRef idx="minor">
+              <a:schemeClr val="lt1"/>
+            </a:fontRef>
+          </p:style>
+          <p:txBody>
+            <a:bodyPr rtlCol="0" anchor="ctr"/>
+            <a:lstStyle/>
+            <a:p>
+              <a:pPr algn="ctr"/>
+              <a:endParaRPr kumimoji="1" lang="ja-JP" altLang="en-US"/>
+            </a:p>
+          </p:txBody>
+        </p:sp>
+        <p:sp>
+          <p:nvSpPr>
+            <p:cNvPr id="24" name="フリーフォーム 23">
+              <a:extLst>
+                <a:ext uri="{FF2B5EF4-FFF2-40B4-BE49-F238E27FC236}">
+                  <a16:creationId xmlns:a16="http://schemas.microsoft.com/office/drawing/2014/main" id="{B38A6914-9042-8444-926D-D424A34B21FD}"/>
+                </a:ext>
+              </a:extLst>
+            </p:cNvPr>
+            <p:cNvSpPr/>
+            <p:nvPr/>
+          </p:nvSpPr>
+          <p:spPr>
+            <a:xfrm rot="573881">
+              <a:off x="3079612" y="1787509"/>
+              <a:ext cx="2502477" cy="282442"/>
+            </a:xfrm>
+            <a:custGeom>
+              <a:avLst/>
+              <a:gdLst>
+                <a:gd name="connsiteX0" fmla="*/ 0 w 4513217"/>
+                <a:gd name="connsiteY0" fmla="*/ 930531 h 930531"/>
+                <a:gd name="connsiteX1" fmla="*/ 2253343 w 4513217"/>
+                <a:gd name="connsiteY1" fmla="*/ 3068 h 930531"/>
+                <a:gd name="connsiteX2" fmla="*/ 4513217 w 4513217"/>
+                <a:gd name="connsiteY2" fmla="*/ 688868 h 930531"/>
+              </a:gdLst>
+              <a:ahLst/>
+              <a:cxnLst>
+                <a:cxn ang="0">
+                  <a:pos x="connsiteX0" y="connsiteY0"/>
+                </a:cxn>
+                <a:cxn ang="0">
+                  <a:pos x="connsiteX1" y="connsiteY1"/>
+                </a:cxn>
+                <a:cxn ang="0">
+                  <a:pos x="connsiteX2" y="connsiteY2"/>
+                </a:cxn>
+              </a:cxnLst>
+              <a:rect l="l" t="t" r="r" b="b"/>
+              <a:pathLst>
+                <a:path w="4513217" h="930531">
+                  <a:moveTo>
+                    <a:pt x="0" y="930531"/>
+                  </a:moveTo>
+                  <a:cubicBezTo>
+                    <a:pt x="750570" y="486938"/>
+                    <a:pt x="1501140" y="43345"/>
+                    <a:pt x="2253343" y="3068"/>
+                  </a:cubicBezTo>
+                  <a:cubicBezTo>
+                    <a:pt x="3005546" y="-37209"/>
+                    <a:pt x="3759381" y="325829"/>
+                    <a:pt x="4513217" y="688868"/>
+                  </a:cubicBezTo>
+                </a:path>
+              </a:pathLst>
+            </a:custGeom>
+            <a:noFill/>
+            <a:ln w="28575">
+              <a:solidFill>
+                <a:srgbClr val="C00000"/>
+              </a:solidFill>
+              <a:headEnd type="arrow" w="med" len="med"/>
+              <a:tailEnd type="none" w="med" len="med"/>
+            </a:ln>
+          </p:spPr>
+          <p:style>
+            <a:lnRef idx="2">
+              <a:schemeClr val="accent1">
+                <a:shade val="50000"/>
+              </a:schemeClr>
+            </a:lnRef>
+            <a:fillRef idx="1">
+              <a:schemeClr val="accent1"/>
+            </a:fillRef>
+            <a:effectRef idx="0">
+              <a:schemeClr val="accent1"/>
+            </a:effectRef>
+            <a:fontRef idx="minor">
+              <a:schemeClr val="lt1"/>
+            </a:fontRef>
+          </p:style>
+          <p:txBody>
+            <a:bodyPr rtlCol="0" anchor="ctr"/>
+            <a:lstStyle/>
+            <a:p>
+              <a:pPr algn="ctr"/>
+              <a:endParaRPr kumimoji="1" lang="ja-JP" altLang="en-US"/>
+            </a:p>
+          </p:txBody>
+        </p:sp>
+        <p:sp>
+          <p:nvSpPr>
+            <p:cNvPr id="25" name="フリーフォーム 24">
+              <a:extLst>
+                <a:ext uri="{FF2B5EF4-FFF2-40B4-BE49-F238E27FC236}">
+                  <a16:creationId xmlns:a16="http://schemas.microsoft.com/office/drawing/2014/main" id="{A143046D-C58C-2A41-B116-112F79921932}"/>
+                </a:ext>
+              </a:extLst>
+            </p:cNvPr>
+            <p:cNvSpPr/>
+            <p:nvPr/>
+          </p:nvSpPr>
+          <p:spPr>
+            <a:xfrm flipV="1">
+              <a:off x="3051975" y="2393972"/>
+              <a:ext cx="2512802" cy="157901"/>
+            </a:xfrm>
+            <a:custGeom>
+              <a:avLst/>
+              <a:gdLst>
+                <a:gd name="connsiteX0" fmla="*/ 0 w 4513217"/>
+                <a:gd name="connsiteY0" fmla="*/ 930531 h 930531"/>
+                <a:gd name="connsiteX1" fmla="*/ 2253343 w 4513217"/>
+                <a:gd name="connsiteY1" fmla="*/ 3068 h 930531"/>
+                <a:gd name="connsiteX2" fmla="*/ 4513217 w 4513217"/>
+                <a:gd name="connsiteY2" fmla="*/ 688868 h 930531"/>
+              </a:gdLst>
+              <a:ahLst/>
+              <a:cxnLst>
+                <a:cxn ang="0">
+                  <a:pos x="connsiteX0" y="connsiteY0"/>
+                </a:cxn>
+                <a:cxn ang="0">
+                  <a:pos x="connsiteX1" y="connsiteY1"/>
+                </a:cxn>
+                <a:cxn ang="0">
+                  <a:pos x="connsiteX2" y="connsiteY2"/>
+                </a:cxn>
+              </a:cxnLst>
+              <a:rect l="l" t="t" r="r" b="b"/>
+              <a:pathLst>
+                <a:path w="4513217" h="930531">
+                  <a:moveTo>
+                    <a:pt x="0" y="930531"/>
+                  </a:moveTo>
+                  <a:cubicBezTo>
+                    <a:pt x="750570" y="486938"/>
+                    <a:pt x="1501140" y="43345"/>
+                    <a:pt x="2253343" y="3068"/>
+                  </a:cubicBezTo>
+                  <a:cubicBezTo>
+                    <a:pt x="3005546" y="-37209"/>
+                    <a:pt x="3759381" y="325829"/>
+                    <a:pt x="4513217" y="688868"/>
+                  </a:cubicBezTo>
+                </a:path>
+              </a:pathLst>
+            </a:custGeom>
+            <a:noFill/>
+            <a:ln w="28575">
+              <a:solidFill>
+                <a:srgbClr val="C00000"/>
+              </a:solidFill>
+              <a:headEnd type="arrow" w="med" len="med"/>
+              <a:tailEnd type="none" w="med" len="med"/>
+            </a:ln>
+          </p:spPr>
+          <p:style>
+            <a:lnRef idx="2">
+              <a:schemeClr val="accent1">
+                <a:shade val="50000"/>
+              </a:schemeClr>
+            </a:lnRef>
+            <a:fillRef idx="1">
+              <a:schemeClr val="accent1"/>
+            </a:fillRef>
+            <a:effectRef idx="0">
+              <a:schemeClr val="accent1"/>
+            </a:effectRef>
+            <a:fontRef idx="minor">
+              <a:schemeClr val="lt1"/>
+            </a:fontRef>
+          </p:style>
+          <p:txBody>
+            <a:bodyPr rtlCol="0" anchor="ctr"/>
+            <a:lstStyle/>
+            <a:p>
+              <a:pPr algn="ctr"/>
+              <a:endParaRPr kumimoji="1" lang="ja-JP" altLang="en-US"/>
+            </a:p>
+          </p:txBody>
+        </p:sp>
+        <p:sp>
+          <p:nvSpPr>
+            <p:cNvPr id="26" name="フリーフォーム 25">
+              <a:extLst>
+                <a:ext uri="{FF2B5EF4-FFF2-40B4-BE49-F238E27FC236}">
+                  <a16:creationId xmlns:a16="http://schemas.microsoft.com/office/drawing/2014/main" id="{C7EAE3F5-8F33-AE47-B6F1-ADF2FAFDC9FE}"/>
+                </a:ext>
+              </a:extLst>
+            </p:cNvPr>
+            <p:cNvSpPr/>
+            <p:nvPr/>
+          </p:nvSpPr>
+          <p:spPr>
+            <a:xfrm rot="21331181" flipV="1">
+              <a:off x="3073861" y="2734048"/>
+              <a:ext cx="2513976" cy="188345"/>
+            </a:xfrm>
+            <a:custGeom>
+              <a:avLst/>
+              <a:gdLst>
+                <a:gd name="connsiteX0" fmla="*/ 0 w 4513217"/>
+                <a:gd name="connsiteY0" fmla="*/ 930531 h 930531"/>
+                <a:gd name="connsiteX1" fmla="*/ 2253343 w 4513217"/>
+                <a:gd name="connsiteY1" fmla="*/ 3068 h 930531"/>
+                <a:gd name="connsiteX2" fmla="*/ 4513217 w 4513217"/>
+                <a:gd name="connsiteY2" fmla="*/ 688868 h 930531"/>
+              </a:gdLst>
+              <a:ahLst/>
+              <a:cxnLst>
+                <a:cxn ang="0">
+                  <a:pos x="connsiteX0" y="connsiteY0"/>
+                </a:cxn>
+                <a:cxn ang="0">
+                  <a:pos x="connsiteX1" y="connsiteY1"/>
+                </a:cxn>
+                <a:cxn ang="0">
+                  <a:pos x="connsiteX2" y="connsiteY2"/>
+                </a:cxn>
+              </a:cxnLst>
+              <a:rect l="l" t="t" r="r" b="b"/>
+              <a:pathLst>
+                <a:path w="4513217" h="930531">
+                  <a:moveTo>
+                    <a:pt x="0" y="930531"/>
+                  </a:moveTo>
+                  <a:cubicBezTo>
+                    <a:pt x="750570" y="486938"/>
+                    <a:pt x="1501140" y="43345"/>
+                    <a:pt x="2253343" y="3068"/>
+                  </a:cubicBezTo>
+                  <a:cubicBezTo>
+                    <a:pt x="3005546" y="-37209"/>
+                    <a:pt x="3759381" y="325829"/>
+                    <a:pt x="4513217" y="688868"/>
+                  </a:cubicBezTo>
+                </a:path>
+              </a:pathLst>
+            </a:custGeom>
+            <a:noFill/>
+            <a:ln w="28575">
+              <a:solidFill>
+                <a:srgbClr val="C00000"/>
+              </a:solidFill>
+              <a:headEnd type="arrow" w="med" len="med"/>
+              <a:tailEnd type="none" w="med" len="med"/>
+            </a:ln>
+          </p:spPr>
+          <p:style>
+            <a:lnRef idx="2">
+              <a:schemeClr val="accent1">
+                <a:shade val="50000"/>
+              </a:schemeClr>
+            </a:lnRef>
+            <a:fillRef idx="1">
+              <a:schemeClr val="accent1"/>
+            </a:fillRef>
+            <a:effectRef idx="0">
+              <a:schemeClr val="accent1"/>
+            </a:effectRef>
+            <a:fontRef idx="minor">
+              <a:schemeClr val="lt1"/>
+            </a:fontRef>
+          </p:style>
+          <p:txBody>
+            <a:bodyPr rtlCol="0" anchor="ctr"/>
+            <a:lstStyle/>
+            <a:p>
+              <a:pPr algn="ctr"/>
+              <a:endParaRPr kumimoji="1" lang="ja-JP" altLang="en-US"/>
+            </a:p>
+          </p:txBody>
+        </p:sp>
+      </p:grpSp>
+      <p:sp>
+        <p:nvSpPr>
+          <p:cNvPr id="27" name="テキスト ボックス 26">
+            <a:extLst>
+              <a:ext uri="{FF2B5EF4-FFF2-40B4-BE49-F238E27FC236}">
+                <a16:creationId xmlns:a16="http://schemas.microsoft.com/office/drawing/2014/main" id="{558878EE-9AB8-F343-966B-3E34E8EE06A3}"/>
+              </a:ext>
+            </a:extLst>
+          </p:cNvPr>
+          <p:cNvSpPr txBox="1"/>
+          <p:nvPr/>
+        </p:nvSpPr>
+        <p:spPr>
+          <a:xfrm>
+            <a:off x="364187" y="222818"/>
+            <a:ext cx="1960793" cy="369332"/>
+          </a:xfrm>
+          <a:prstGeom prst="rect">
+            <a:avLst/>
+          </a:prstGeom>
+          <a:noFill/>
+        </p:spPr>
+        <p:txBody>
+          <a:bodyPr wrap="none" rtlCol="0">
+            <a:spAutoFit/>
+          </a:bodyPr>
+          <a:lstStyle/>
+          <a:p>
+            <a:r>
+              <a:rPr lang="en-US" altLang="ja-JP" dirty="0"/>
+              <a:t>class_rule02.png</a:t>
+            </a:r>
+            <a:endParaRPr kumimoji="1" lang="en-US" altLang="ja-JP" dirty="0"/>
+          </a:p>
+        </p:txBody>
+      </p:sp>
+    </p:spTree>
+    <p:extLst>
+      <p:ext uri="{BB962C8B-B14F-4D97-AF65-F5344CB8AC3E}">
+        <p14:creationId xmlns:p14="http://schemas.microsoft.com/office/powerpoint/2010/main" val="2739478788"/>
+      </p:ext>
+    </p:extLst>
+  </p:cSld>
+  <p:clrMapOvr>
+    <a:masterClrMapping/>
+  </p:clrMapOvr>
+</p:sld>
+</file>
+
+<file path=ppt/slides/slide12.xml><?xml version="1.0" encoding="utf-8"?>
+<p:sld xmlns:a="http://schemas.openxmlformats.org/drawingml/2006/main" xmlns:r="http://schemas.openxmlformats.org/officeDocument/2006/relationships" xmlns:p="http://schemas.openxmlformats.org/presentationml/2006/main">
+  <p:cSld>
+    <p:spTree>
+      <p:nvGrpSpPr>
+        <p:cNvPr id="1" name=""/>
+        <p:cNvGrpSpPr/>
+        <p:nvPr/>
+      </p:nvGrpSpPr>
+      <p:grpSpPr>
+        <a:xfrm>
+          <a:off x="0" y="0"/>
+          <a:ext cx="0" cy="0"/>
+          <a:chOff x="0" y="0"/>
+          <a:chExt cx="0" cy="0"/>
+        </a:xfrm>
+      </p:grpSpPr>
+      <p:sp>
+        <p:nvSpPr>
+          <p:cNvPr id="5" name="テキスト ボックス 4">
+            <a:extLst>
+              <a:ext uri="{FF2B5EF4-FFF2-40B4-BE49-F238E27FC236}">
+                <a16:creationId xmlns:a16="http://schemas.microsoft.com/office/drawing/2014/main" id="{9B61EA18-FE65-0840-A61C-D463FB3A5082}"/>
+              </a:ext>
+            </a:extLst>
+          </p:cNvPr>
+          <p:cNvSpPr txBox="1"/>
+          <p:nvPr/>
+        </p:nvSpPr>
+        <p:spPr>
+          <a:xfrm>
+            <a:off x="364187" y="222818"/>
+            <a:ext cx="1960793" cy="369332"/>
+          </a:xfrm>
+          <a:prstGeom prst="rect">
+            <a:avLst/>
+          </a:prstGeom>
+          <a:noFill/>
+        </p:spPr>
+        <p:txBody>
+          <a:bodyPr wrap="none" rtlCol="0">
+            <a:spAutoFit/>
+          </a:bodyPr>
+          <a:lstStyle/>
+          <a:p>
+            <a:r>
+              <a:rPr lang="en-US" altLang="ja-JP" dirty="0"/>
+              <a:t>class_rule03.png</a:t>
+            </a:r>
+            <a:endParaRPr kumimoji="1" lang="en-US" altLang="ja-JP" dirty="0"/>
+          </a:p>
+        </p:txBody>
+      </p:sp>
+      <p:grpSp>
+        <p:nvGrpSpPr>
+          <p:cNvPr id="2" name="グループ化 1">
+            <a:extLst>
+              <a:ext uri="{FF2B5EF4-FFF2-40B4-BE49-F238E27FC236}">
+                <a16:creationId xmlns:a16="http://schemas.microsoft.com/office/drawing/2014/main" id="{4FF727EF-B587-BE4A-BB77-84AC2CC90A21}"/>
+              </a:ext>
+            </a:extLst>
+          </p:cNvPr>
+          <p:cNvGrpSpPr/>
+          <p:nvPr/>
+        </p:nvGrpSpPr>
+        <p:grpSpPr>
+          <a:xfrm>
+            <a:off x="956836" y="1136469"/>
+            <a:ext cx="6331490" cy="2606040"/>
+            <a:chOff x="956836" y="1136469"/>
+            <a:chExt cx="6331490" cy="2606040"/>
+          </a:xfrm>
+        </p:grpSpPr>
+        <p:pic>
+          <p:nvPicPr>
+            <p:cNvPr id="3" name="図 2">
+              <a:extLst>
+                <a:ext uri="{FF2B5EF4-FFF2-40B4-BE49-F238E27FC236}">
+                  <a16:creationId xmlns:a16="http://schemas.microsoft.com/office/drawing/2014/main" id="{A9042AD7-AA91-CC4B-BC1D-C4382BE84AA4}"/>
+                </a:ext>
+              </a:extLst>
+            </p:cNvPr>
+            <p:cNvPicPr>
+              <a:picLocks noChangeAspect="1"/>
+            </p:cNvPicPr>
+            <p:nvPr/>
+          </p:nvPicPr>
+          <p:blipFill rotWithShape="1">
+            <a:blip r:embed="rId2">
+              <a:extLst>
+                <a:ext uri="{28A0092B-C50C-407E-A947-70E740481C1C}">
+                  <a14:useLocalDpi xmlns:a14="http://schemas.microsoft.com/office/drawing/2010/main" val="0"/>
+                </a:ext>
+              </a:extLst>
+            </a:blip>
+            <a:srcRect l="64888" t="11178" r="6247" b="11430"/>
+            <a:stretch/>
+          </p:blipFill>
+          <p:spPr>
+            <a:xfrm>
+              <a:off x="5479363" y="1362598"/>
+              <a:ext cx="1808963" cy="1974571"/>
+            </a:xfrm>
+            <a:prstGeom prst="rect">
+              <a:avLst/>
+            </a:prstGeom>
+          </p:spPr>
+        </p:pic>
+        <p:pic>
+          <p:nvPicPr>
+            <p:cNvPr id="6" name="図 5" descr="グラフィカル ユーザー インターフェイス, アプリケーション&#10;&#10;自動的に生成された説明">
+              <a:extLst>
+                <a:ext uri="{FF2B5EF4-FFF2-40B4-BE49-F238E27FC236}">
+                  <a16:creationId xmlns:a16="http://schemas.microsoft.com/office/drawing/2014/main" id="{370B02D8-1223-1A4B-9928-C436578CB88E}"/>
+                </a:ext>
+              </a:extLst>
+            </p:cNvPr>
+            <p:cNvPicPr>
+              <a:picLocks noChangeAspect="1"/>
+            </p:cNvPicPr>
+            <p:nvPr/>
+          </p:nvPicPr>
+          <p:blipFill rotWithShape="1">
+            <a:blip r:embed="rId3">
+              <a:extLst>
+                <a:ext uri="{28A0092B-C50C-407E-A947-70E740481C1C}">
+                  <a14:useLocalDpi xmlns:a14="http://schemas.microsoft.com/office/drawing/2010/main" val="0"/>
+                </a:ext>
+              </a:extLst>
+            </a:blip>
+            <a:srcRect t="10759" b="51241"/>
+            <a:stretch/>
+          </p:blipFill>
+          <p:spPr>
+            <a:xfrm>
+              <a:off x="956836" y="1136469"/>
+              <a:ext cx="4010388" cy="2606040"/>
+            </a:xfrm>
+            <a:prstGeom prst="rect">
+              <a:avLst/>
+            </a:prstGeom>
+          </p:spPr>
+        </p:pic>
+        <p:sp>
+          <p:nvSpPr>
+            <p:cNvPr id="7" name="角丸四角形 6">
+              <a:extLst>
+                <a:ext uri="{FF2B5EF4-FFF2-40B4-BE49-F238E27FC236}">
+                  <a16:creationId xmlns:a16="http://schemas.microsoft.com/office/drawing/2014/main" id="{B3D03AD3-D2B0-BF43-BBB6-CBF2A8822270}"/>
+                </a:ext>
+              </a:extLst>
+            </p:cNvPr>
+            <p:cNvSpPr/>
+            <p:nvPr/>
+          </p:nvSpPr>
+          <p:spPr>
+            <a:xfrm>
+              <a:off x="1617593" y="1298270"/>
+              <a:ext cx="1446037" cy="415723"/>
+            </a:xfrm>
+            <a:prstGeom prst="roundRect">
+              <a:avLst/>
+            </a:prstGeom>
+            <a:noFill/>
+            <a:ln w="28575">
+              <a:solidFill>
+                <a:srgbClr val="C00000"/>
+              </a:solidFill>
+            </a:ln>
+          </p:spPr>
+          <p:style>
+            <a:lnRef idx="2">
+              <a:schemeClr val="accent1">
+                <a:shade val="50000"/>
+              </a:schemeClr>
+            </a:lnRef>
+            <a:fillRef idx="1">
+              <a:schemeClr val="accent1"/>
+            </a:fillRef>
+            <a:effectRef idx="0">
+              <a:schemeClr val="accent1"/>
+            </a:effectRef>
+            <a:fontRef idx="minor">
+              <a:schemeClr val="lt1"/>
+            </a:fontRef>
+          </p:style>
+          <p:txBody>
+            <a:bodyPr rtlCol="0" anchor="ctr"/>
+            <a:lstStyle/>
+            <a:p>
+              <a:pPr algn="ctr"/>
+              <a:endParaRPr kumimoji="1" lang="ja-JP" altLang="en-US"/>
+            </a:p>
+          </p:txBody>
+        </p:sp>
+        <p:sp>
+          <p:nvSpPr>
+            <p:cNvPr id="8" name="角丸四角形 7">
+              <a:extLst>
+                <a:ext uri="{FF2B5EF4-FFF2-40B4-BE49-F238E27FC236}">
+                  <a16:creationId xmlns:a16="http://schemas.microsoft.com/office/drawing/2014/main" id="{77689A13-F357-B642-A8DF-0D0FF705C38D}"/>
+                </a:ext>
+              </a:extLst>
+            </p:cNvPr>
+            <p:cNvSpPr/>
+            <p:nvPr/>
+          </p:nvSpPr>
+          <p:spPr>
+            <a:xfrm>
+              <a:off x="5559053" y="2047728"/>
+              <a:ext cx="1658983" cy="323117"/>
+            </a:xfrm>
+            <a:prstGeom prst="roundRect">
+              <a:avLst/>
+            </a:prstGeom>
+            <a:noFill/>
+            <a:ln w="28575">
+              <a:solidFill>
+                <a:srgbClr val="C00000"/>
+              </a:solidFill>
+            </a:ln>
+          </p:spPr>
+          <p:style>
+            <a:lnRef idx="2">
+              <a:schemeClr val="accent1">
+                <a:shade val="50000"/>
+              </a:schemeClr>
+            </a:lnRef>
+            <a:fillRef idx="1">
+              <a:schemeClr val="accent1"/>
+            </a:fillRef>
+            <a:effectRef idx="0">
+              <a:schemeClr val="accent1"/>
+            </a:effectRef>
+            <a:fontRef idx="minor">
+              <a:schemeClr val="lt1"/>
+            </a:fontRef>
+          </p:style>
+          <p:txBody>
+            <a:bodyPr rtlCol="0" anchor="ctr"/>
+            <a:lstStyle/>
+            <a:p>
+              <a:pPr algn="ctr"/>
+              <a:endParaRPr kumimoji="1" lang="ja-JP" altLang="en-US"/>
+            </a:p>
+          </p:txBody>
+        </p:sp>
+        <p:sp>
+          <p:nvSpPr>
+            <p:cNvPr id="9" name="角丸四角形 8">
+              <a:extLst>
+                <a:ext uri="{FF2B5EF4-FFF2-40B4-BE49-F238E27FC236}">
+                  <a16:creationId xmlns:a16="http://schemas.microsoft.com/office/drawing/2014/main" id="{EBC8C346-BF6E-6549-A1B7-855AAFF94FC8}"/>
+                </a:ext>
+              </a:extLst>
+            </p:cNvPr>
+            <p:cNvSpPr/>
+            <p:nvPr/>
+          </p:nvSpPr>
+          <p:spPr>
+            <a:xfrm>
+              <a:off x="1465757" y="1756161"/>
+              <a:ext cx="1749705" cy="1829593"/>
+            </a:xfrm>
+            <a:prstGeom prst="roundRect">
+              <a:avLst>
+                <a:gd name="adj" fmla="val 6588"/>
+              </a:avLst>
+            </a:prstGeom>
+            <a:noFill/>
+            <a:ln w="28575">
+              <a:solidFill>
+                <a:srgbClr val="C00000"/>
+              </a:solidFill>
+            </a:ln>
+          </p:spPr>
+          <p:style>
+            <a:lnRef idx="2">
+              <a:schemeClr val="accent1">
+                <a:shade val="50000"/>
+              </a:schemeClr>
+            </a:lnRef>
+            <a:fillRef idx="1">
+              <a:schemeClr val="accent1"/>
+            </a:fillRef>
+            <a:effectRef idx="0">
+              <a:schemeClr val="accent1"/>
+            </a:effectRef>
+            <a:fontRef idx="minor">
+              <a:schemeClr val="lt1"/>
+            </a:fontRef>
+          </p:style>
+          <p:txBody>
+            <a:bodyPr rtlCol="0" anchor="ctr"/>
+            <a:lstStyle/>
+            <a:p>
+              <a:pPr algn="ctr"/>
+              <a:endParaRPr kumimoji="1" lang="ja-JP" altLang="en-US"/>
+            </a:p>
+          </p:txBody>
+        </p:sp>
+        <p:sp>
+          <p:nvSpPr>
+            <p:cNvPr id="11" name="角丸四角形 10">
+              <a:extLst>
+                <a:ext uri="{FF2B5EF4-FFF2-40B4-BE49-F238E27FC236}">
+                  <a16:creationId xmlns:a16="http://schemas.microsoft.com/office/drawing/2014/main" id="{CF4487AD-1969-8148-90F8-91D064D723EA}"/>
+                </a:ext>
+              </a:extLst>
+            </p:cNvPr>
+            <p:cNvSpPr/>
+            <p:nvPr/>
+          </p:nvSpPr>
+          <p:spPr>
+            <a:xfrm>
+              <a:off x="1617591" y="2148841"/>
+              <a:ext cx="1446037" cy="1436914"/>
+            </a:xfrm>
+            <a:prstGeom prst="roundRect">
+              <a:avLst>
+                <a:gd name="adj" fmla="val 8485"/>
+              </a:avLst>
+            </a:prstGeom>
+            <a:noFill/>
+            <a:ln w="28575">
+              <a:solidFill>
+                <a:srgbClr val="C00000"/>
+              </a:solidFill>
+            </a:ln>
+          </p:spPr>
+          <p:style>
+            <a:lnRef idx="2">
+              <a:schemeClr val="accent1">
+                <a:shade val="50000"/>
+              </a:schemeClr>
+            </a:lnRef>
+            <a:fillRef idx="1">
+              <a:schemeClr val="accent1"/>
+            </a:fillRef>
+            <a:effectRef idx="0">
+              <a:schemeClr val="accent1"/>
+            </a:effectRef>
+            <a:fontRef idx="minor">
+              <a:schemeClr val="lt1"/>
+            </a:fontRef>
+          </p:style>
+          <p:txBody>
+            <a:bodyPr rtlCol="0" anchor="ctr"/>
+            <a:lstStyle/>
+            <a:p>
+              <a:pPr algn="ctr"/>
+              <a:endParaRPr kumimoji="1" lang="ja-JP" altLang="en-US"/>
+            </a:p>
+          </p:txBody>
+        </p:sp>
+        <p:sp>
+          <p:nvSpPr>
+            <p:cNvPr id="12" name="フリーフォーム 11">
+              <a:extLst>
+                <a:ext uri="{FF2B5EF4-FFF2-40B4-BE49-F238E27FC236}">
+                  <a16:creationId xmlns:a16="http://schemas.microsoft.com/office/drawing/2014/main" id="{E11663F9-2D94-8845-ADB0-8D682696F523}"/>
+                </a:ext>
+              </a:extLst>
+            </p:cNvPr>
+            <p:cNvSpPr/>
+            <p:nvPr/>
+          </p:nvSpPr>
+          <p:spPr>
+            <a:xfrm rot="1033068">
+              <a:off x="3067834" y="1624000"/>
+              <a:ext cx="2502477" cy="282442"/>
+            </a:xfrm>
+            <a:custGeom>
+              <a:avLst/>
+              <a:gdLst>
+                <a:gd name="connsiteX0" fmla="*/ 0 w 4513217"/>
+                <a:gd name="connsiteY0" fmla="*/ 930531 h 930531"/>
+                <a:gd name="connsiteX1" fmla="*/ 2253343 w 4513217"/>
+                <a:gd name="connsiteY1" fmla="*/ 3068 h 930531"/>
+                <a:gd name="connsiteX2" fmla="*/ 4513217 w 4513217"/>
+                <a:gd name="connsiteY2" fmla="*/ 688868 h 930531"/>
+              </a:gdLst>
+              <a:ahLst/>
+              <a:cxnLst>
+                <a:cxn ang="0">
+                  <a:pos x="connsiteX0" y="connsiteY0"/>
+                </a:cxn>
+                <a:cxn ang="0">
+                  <a:pos x="connsiteX1" y="connsiteY1"/>
+                </a:cxn>
+                <a:cxn ang="0">
+                  <a:pos x="connsiteX2" y="connsiteY2"/>
+                </a:cxn>
+              </a:cxnLst>
+              <a:rect l="l" t="t" r="r" b="b"/>
+              <a:pathLst>
+                <a:path w="4513217" h="930531">
+                  <a:moveTo>
+                    <a:pt x="0" y="930531"/>
+                  </a:moveTo>
+                  <a:cubicBezTo>
+                    <a:pt x="750570" y="486938"/>
+                    <a:pt x="1501140" y="43345"/>
+                    <a:pt x="2253343" y="3068"/>
+                  </a:cubicBezTo>
+                  <a:cubicBezTo>
+                    <a:pt x="3005546" y="-37209"/>
+                    <a:pt x="3759381" y="325829"/>
+                    <a:pt x="4513217" y="688868"/>
+                  </a:cubicBezTo>
+                </a:path>
+              </a:pathLst>
+            </a:custGeom>
+            <a:noFill/>
+            <a:ln w="28575">
+              <a:solidFill>
+                <a:srgbClr val="C00000"/>
+              </a:solidFill>
+              <a:headEnd type="arrow" w="med" len="med"/>
+              <a:tailEnd type="none" w="med" len="med"/>
+            </a:ln>
+          </p:spPr>
+          <p:style>
+            <a:lnRef idx="2">
+              <a:schemeClr val="accent1">
+                <a:shade val="50000"/>
+              </a:schemeClr>
+            </a:lnRef>
+            <a:fillRef idx="1">
+              <a:schemeClr val="accent1"/>
+            </a:fillRef>
+            <a:effectRef idx="0">
+              <a:schemeClr val="accent1"/>
+            </a:effectRef>
+            <a:fontRef idx="minor">
+              <a:schemeClr val="lt1"/>
+            </a:fontRef>
+          </p:style>
+          <p:txBody>
+            <a:bodyPr rtlCol="0" anchor="ctr"/>
+            <a:lstStyle/>
+            <a:p>
+              <a:pPr algn="ctr"/>
+              <a:endParaRPr kumimoji="1" lang="ja-JP" altLang="en-US"/>
+            </a:p>
+          </p:txBody>
+        </p:sp>
+        <p:sp>
+          <p:nvSpPr>
+            <p:cNvPr id="14" name="フリーフォーム 13">
+              <a:extLst>
+                <a:ext uri="{FF2B5EF4-FFF2-40B4-BE49-F238E27FC236}">
+                  <a16:creationId xmlns:a16="http://schemas.microsoft.com/office/drawing/2014/main" id="{D222C33B-8B43-7A41-9E8F-525063D155F9}"/>
+                </a:ext>
+              </a:extLst>
+            </p:cNvPr>
+            <p:cNvSpPr/>
+            <p:nvPr/>
+          </p:nvSpPr>
+          <p:spPr>
+            <a:xfrm rot="21331181" flipV="1">
+              <a:off x="3073861" y="2734048"/>
+              <a:ext cx="2513976" cy="188345"/>
+            </a:xfrm>
+            <a:custGeom>
+              <a:avLst/>
+              <a:gdLst>
+                <a:gd name="connsiteX0" fmla="*/ 0 w 4513217"/>
+                <a:gd name="connsiteY0" fmla="*/ 930531 h 930531"/>
+                <a:gd name="connsiteX1" fmla="*/ 2253343 w 4513217"/>
+                <a:gd name="connsiteY1" fmla="*/ 3068 h 930531"/>
+                <a:gd name="connsiteX2" fmla="*/ 4513217 w 4513217"/>
+                <a:gd name="connsiteY2" fmla="*/ 688868 h 930531"/>
+              </a:gdLst>
+              <a:ahLst/>
+              <a:cxnLst>
+                <a:cxn ang="0">
+                  <a:pos x="connsiteX0" y="connsiteY0"/>
+                </a:cxn>
+                <a:cxn ang="0">
+                  <a:pos x="connsiteX1" y="connsiteY1"/>
+                </a:cxn>
+                <a:cxn ang="0">
+                  <a:pos x="connsiteX2" y="connsiteY2"/>
+                </a:cxn>
+              </a:cxnLst>
+              <a:rect l="l" t="t" r="r" b="b"/>
+              <a:pathLst>
+                <a:path w="4513217" h="930531">
+                  <a:moveTo>
+                    <a:pt x="0" y="930531"/>
+                  </a:moveTo>
+                  <a:cubicBezTo>
+                    <a:pt x="750570" y="486938"/>
+                    <a:pt x="1501140" y="43345"/>
+                    <a:pt x="2253343" y="3068"/>
+                  </a:cubicBezTo>
+                  <a:cubicBezTo>
+                    <a:pt x="3005546" y="-37209"/>
+                    <a:pt x="3759381" y="325829"/>
+                    <a:pt x="4513217" y="688868"/>
+                  </a:cubicBezTo>
+                </a:path>
+              </a:pathLst>
+            </a:custGeom>
+            <a:noFill/>
+            <a:ln w="28575">
+              <a:solidFill>
+                <a:srgbClr val="C00000"/>
+              </a:solidFill>
+              <a:headEnd type="arrow" w="med" len="med"/>
+              <a:tailEnd type="none" w="med" len="med"/>
+            </a:ln>
+          </p:spPr>
+          <p:style>
+            <a:lnRef idx="2">
+              <a:schemeClr val="accent1">
+                <a:shade val="50000"/>
+              </a:schemeClr>
+            </a:lnRef>
+            <a:fillRef idx="1">
+              <a:schemeClr val="accent1"/>
+            </a:fillRef>
+            <a:effectRef idx="0">
+              <a:schemeClr val="accent1"/>
+            </a:effectRef>
+            <a:fontRef idx="minor">
+              <a:schemeClr val="lt1"/>
+            </a:fontRef>
+          </p:style>
+          <p:txBody>
+            <a:bodyPr rtlCol="0" anchor="ctr"/>
+            <a:lstStyle/>
+            <a:p>
+              <a:pPr algn="ctr"/>
+              <a:endParaRPr kumimoji="1" lang="ja-JP" altLang="en-US"/>
+            </a:p>
+          </p:txBody>
+        </p:sp>
+        <p:sp>
+          <p:nvSpPr>
+            <p:cNvPr id="15" name="角丸四角形 14">
+              <a:extLst>
+                <a:ext uri="{FF2B5EF4-FFF2-40B4-BE49-F238E27FC236}">
+                  <a16:creationId xmlns:a16="http://schemas.microsoft.com/office/drawing/2014/main" id="{ABD0E05E-527C-8E4A-9461-06A168ACF9A9}"/>
+                </a:ext>
+              </a:extLst>
+            </p:cNvPr>
+            <p:cNvSpPr/>
+            <p:nvPr/>
+          </p:nvSpPr>
+          <p:spPr>
+            <a:xfrm>
+              <a:off x="5564776" y="2393972"/>
+              <a:ext cx="1658983" cy="816226"/>
+            </a:xfrm>
+            <a:prstGeom prst="roundRect">
+              <a:avLst>
+                <a:gd name="adj" fmla="val 12666"/>
+              </a:avLst>
+            </a:prstGeom>
+            <a:noFill/>
+            <a:ln w="28575">
+              <a:solidFill>
+                <a:srgbClr val="C00000"/>
+              </a:solidFill>
+            </a:ln>
+          </p:spPr>
+          <p:style>
+            <a:lnRef idx="2">
+              <a:schemeClr val="accent1">
+                <a:shade val="50000"/>
+              </a:schemeClr>
+            </a:lnRef>
+            <a:fillRef idx="1">
+              <a:schemeClr val="accent1"/>
+            </a:fillRef>
+            <a:effectRef idx="0">
+              <a:schemeClr val="accent1"/>
+            </a:effectRef>
+            <a:fontRef idx="minor">
+              <a:schemeClr val="lt1"/>
+            </a:fontRef>
+          </p:style>
+          <p:txBody>
+            <a:bodyPr rtlCol="0" anchor="ctr"/>
+            <a:lstStyle/>
+            <a:p>
+              <a:pPr algn="ctr"/>
+              <a:endParaRPr kumimoji="1" lang="ja-JP" altLang="en-US"/>
+            </a:p>
+          </p:txBody>
+        </p:sp>
+      </p:grpSp>
+    </p:spTree>
+    <p:extLst>
+      <p:ext uri="{BB962C8B-B14F-4D97-AF65-F5344CB8AC3E}">
+        <p14:creationId xmlns:p14="http://schemas.microsoft.com/office/powerpoint/2010/main" val="1698949251"/>
+      </p:ext>
+    </p:extLst>
+  </p:cSld>
+  <p:clrMapOvr>
+    <a:masterClrMapping/>
+  </p:clrMapOvr>
+</p:sld>
+</file>
+
+<file path=ppt/slides/slide13.xml><?xml version="1.0" encoding="utf-8"?>
+<p:sld xmlns:a="http://schemas.openxmlformats.org/drawingml/2006/main" xmlns:r="http://schemas.openxmlformats.org/officeDocument/2006/relationships" xmlns:p="http://schemas.openxmlformats.org/presentationml/2006/main">
+  <p:cSld>
+    <p:spTree>
+      <p:nvGrpSpPr>
+        <p:cNvPr id="1" name=""/>
+        <p:cNvGrpSpPr/>
+        <p:nvPr/>
+      </p:nvGrpSpPr>
+      <p:grpSpPr>
+        <a:xfrm>
+          <a:off x="0" y="0"/>
+          <a:ext cx="0" cy="0"/>
+          <a:chOff x="0" y="0"/>
+          <a:chExt cx="0" cy="0"/>
+        </a:xfrm>
+      </p:grpSpPr>
+      <p:pic>
+        <p:nvPicPr>
+          <p:cNvPr id="5" name="図 4" descr="グラフィカル ユーザー インターフェイス, テキスト, アプリケーション, メール&#10;&#10;自動的に生成された説明">
+            <a:extLst>
+              <a:ext uri="{FF2B5EF4-FFF2-40B4-BE49-F238E27FC236}">
+                <a16:creationId xmlns:a16="http://schemas.microsoft.com/office/drawing/2014/main" id="{C9E6656F-B6E5-1B46-9F85-5ABE6795A224}"/>
+              </a:ext>
+            </a:extLst>
+          </p:cNvPr>
+          <p:cNvPicPr>
+            <a:picLocks noChangeAspect="1"/>
+          </p:cNvPicPr>
+          <p:nvPr/>
+        </p:nvPicPr>
+        <p:blipFill rotWithShape="1">
+          <a:blip r:embed="rId2">
+            <a:extLst>
+              <a:ext uri="{28A0092B-C50C-407E-A947-70E740481C1C}">
+                <a14:useLocalDpi xmlns:a14="http://schemas.microsoft.com/office/drawing/2010/main" val="0"/>
+              </a:ext>
+            </a:extLst>
+          </a:blip>
+          <a:srcRect r="24069"/>
+          <a:stretch/>
+        </p:blipFill>
+        <p:spPr>
+          <a:xfrm>
+            <a:off x="216889" y="103567"/>
+            <a:ext cx="6599132" cy="5542657"/>
+          </a:xfrm>
+          <a:prstGeom prst="rect">
+            <a:avLst/>
+          </a:prstGeom>
+        </p:spPr>
+      </p:pic>
+      <p:pic>
+        <p:nvPicPr>
+          <p:cNvPr id="7" name="図 6" descr="ダイアグラム&#10;&#10;自動的に生成された説明">
+            <a:extLst>
+              <a:ext uri="{FF2B5EF4-FFF2-40B4-BE49-F238E27FC236}">
+                <a16:creationId xmlns:a16="http://schemas.microsoft.com/office/drawing/2014/main" id="{00375EC8-C43C-9540-B7DF-44F5DD6BDC24}"/>
+              </a:ext>
+            </a:extLst>
+          </p:cNvPr>
+          <p:cNvPicPr>
+            <a:picLocks noChangeAspect="1"/>
+          </p:cNvPicPr>
+          <p:nvPr/>
+        </p:nvPicPr>
+        <p:blipFill>
+          <a:blip r:embed="rId3">
+            <a:extLst>
+              <a:ext uri="{28A0092B-C50C-407E-A947-70E740481C1C}">
+                <a14:useLocalDpi xmlns:a14="http://schemas.microsoft.com/office/drawing/2010/main" val="0"/>
+              </a:ext>
+            </a:extLst>
+          </a:blip>
+          <a:stretch>
+            <a:fillRect/>
+          </a:stretch>
+        </p:blipFill>
+        <p:spPr>
+          <a:xfrm>
+            <a:off x="5699349" y="845244"/>
+            <a:ext cx="6554124" cy="3761173"/>
+          </a:xfrm>
+          <a:prstGeom prst="rect">
+            <a:avLst/>
+          </a:prstGeom>
+        </p:spPr>
+      </p:pic>
+      <p:sp>
+        <p:nvSpPr>
+          <p:cNvPr id="8" name="角丸四角形 7">
+            <a:extLst>
+              <a:ext uri="{FF2B5EF4-FFF2-40B4-BE49-F238E27FC236}">
+                <a16:creationId xmlns:a16="http://schemas.microsoft.com/office/drawing/2014/main" id="{722217F9-2B6E-584E-8D3D-A2C816097E33}"/>
+              </a:ext>
+            </a:extLst>
+          </p:cNvPr>
+          <p:cNvSpPr/>
+          <p:nvPr/>
+        </p:nvSpPr>
+        <p:spPr>
+          <a:xfrm>
+            <a:off x="751249" y="1579510"/>
+            <a:ext cx="3112413" cy="1981498"/>
+          </a:xfrm>
+          <a:prstGeom prst="roundRect">
+            <a:avLst>
+              <a:gd name="adj" fmla="val 6918"/>
+            </a:avLst>
+          </a:prstGeom>
+          <a:noFill/>
+          <a:ln w="28575">
+            <a:solidFill>
+              <a:srgbClr val="C00000"/>
+            </a:solidFill>
+          </a:ln>
+        </p:spPr>
+        <p:style>
+          <a:lnRef idx="2">
+            <a:schemeClr val="accent1">
+              <a:shade val="50000"/>
+            </a:schemeClr>
+          </a:lnRef>
+          <a:fillRef idx="1">
+            <a:schemeClr val="accent1"/>
+          </a:fillRef>
+          <a:effectRef idx="0">
+            <a:schemeClr val="accent1"/>
+          </a:effectRef>
+          <a:fontRef idx="minor">
+            <a:schemeClr val="lt1"/>
+          </a:fontRef>
+        </p:style>
+        <p:txBody>
+          <a:bodyPr rtlCol="0" anchor="ctr"/>
+          <a:lstStyle/>
+          <a:p>
+            <a:pPr algn="ctr"/>
+            <a:endParaRPr kumimoji="1" lang="ja-JP" altLang="en-US"/>
+          </a:p>
+        </p:txBody>
+      </p:sp>
+      <p:sp>
+        <p:nvSpPr>
+          <p:cNvPr id="9" name="角丸四角形 8">
+            <a:extLst>
+              <a:ext uri="{FF2B5EF4-FFF2-40B4-BE49-F238E27FC236}">
+                <a16:creationId xmlns:a16="http://schemas.microsoft.com/office/drawing/2014/main" id="{4047878C-64BD-9B48-91BA-D92E475809F8}"/>
+              </a:ext>
+            </a:extLst>
+          </p:cNvPr>
+          <p:cNvSpPr/>
+          <p:nvPr/>
+        </p:nvSpPr>
+        <p:spPr>
+          <a:xfrm>
+            <a:off x="751249" y="3561008"/>
+            <a:ext cx="1991951" cy="1045409"/>
+          </a:xfrm>
+          <a:prstGeom prst="roundRect">
+            <a:avLst>
+              <a:gd name="adj" fmla="val 6918"/>
+            </a:avLst>
+          </a:prstGeom>
+          <a:noFill/>
+          <a:ln w="28575">
+            <a:solidFill>
+              <a:srgbClr val="C00000"/>
+            </a:solidFill>
+          </a:ln>
+        </p:spPr>
+        <p:style>
+          <a:lnRef idx="2">
+            <a:schemeClr val="accent1">
+              <a:shade val="50000"/>
+            </a:schemeClr>
+          </a:lnRef>
+          <a:fillRef idx="1">
+            <a:schemeClr val="accent1"/>
+          </a:fillRef>
+          <a:effectRef idx="0">
+            <a:schemeClr val="accent1"/>
+          </a:effectRef>
+          <a:fontRef idx="minor">
+            <a:schemeClr val="lt1"/>
+          </a:fontRef>
+        </p:style>
+        <p:txBody>
+          <a:bodyPr rtlCol="0" anchor="ctr"/>
+          <a:lstStyle/>
+          <a:p>
+            <a:pPr algn="ctr"/>
+            <a:endParaRPr kumimoji="1" lang="ja-JP" altLang="en-US"/>
+          </a:p>
+        </p:txBody>
+      </p:sp>
+      <p:sp>
+        <p:nvSpPr>
+          <p:cNvPr id="10" name="角丸四角形 9">
+            <a:extLst>
+              <a:ext uri="{FF2B5EF4-FFF2-40B4-BE49-F238E27FC236}">
+                <a16:creationId xmlns:a16="http://schemas.microsoft.com/office/drawing/2014/main" id="{11A3FC6E-B9F2-FE44-97CD-A1EA3121ACF5}"/>
+              </a:ext>
+            </a:extLst>
+          </p:cNvPr>
+          <p:cNvSpPr/>
+          <p:nvPr/>
+        </p:nvSpPr>
+        <p:spPr>
+          <a:xfrm>
+            <a:off x="966168" y="1823121"/>
+            <a:ext cx="2569083" cy="990914"/>
+          </a:xfrm>
+          <a:prstGeom prst="roundRect">
+            <a:avLst>
+              <a:gd name="adj" fmla="val 6918"/>
+            </a:avLst>
+          </a:prstGeom>
+          <a:noFill/>
+          <a:ln w="28575">
+            <a:solidFill>
+              <a:srgbClr val="C00000"/>
+            </a:solidFill>
+          </a:ln>
+        </p:spPr>
+        <p:style>
+          <a:lnRef idx="2">
+            <a:schemeClr val="accent1">
+              <a:shade val="50000"/>
+            </a:schemeClr>
+          </a:lnRef>
+          <a:fillRef idx="1">
+            <a:schemeClr val="accent1"/>
+          </a:fillRef>
+          <a:effectRef idx="0">
+            <a:schemeClr val="accent1"/>
+          </a:effectRef>
+          <a:fontRef idx="minor">
+            <a:schemeClr val="lt1"/>
+          </a:fontRef>
+        </p:style>
+        <p:txBody>
+          <a:bodyPr rtlCol="0" anchor="ctr"/>
+          <a:lstStyle/>
+          <a:p>
+            <a:pPr algn="ctr"/>
+            <a:endParaRPr kumimoji="1" lang="ja-JP" altLang="en-US"/>
+          </a:p>
+        </p:txBody>
+      </p:sp>
+      <p:cxnSp>
+        <p:nvCxnSpPr>
+          <p:cNvPr id="12" name="直線コネクタ 11">
+            <a:extLst>
+              <a:ext uri="{FF2B5EF4-FFF2-40B4-BE49-F238E27FC236}">
+                <a16:creationId xmlns:a16="http://schemas.microsoft.com/office/drawing/2014/main" id="{3CD50C3A-AD07-A64E-AD7D-C545AFE493B0}"/>
+              </a:ext>
+            </a:extLst>
+          </p:cNvPr>
+          <p:cNvCxnSpPr>
+            <a:cxnSpLocks/>
+            <a:stCxn id="9" idx="3"/>
+          </p:cNvCxnSpPr>
+          <p:nvPr/>
+        </p:nvCxnSpPr>
+        <p:spPr>
+          <a:xfrm flipV="1">
+            <a:off x="2743200" y="2981459"/>
+            <a:ext cx="4269346" cy="1102254"/>
+          </a:xfrm>
+          <a:prstGeom prst="line">
+            <a:avLst/>
+          </a:prstGeom>
+          <a:ln w="28575">
+            <a:solidFill>
+              <a:srgbClr val="C00000"/>
+            </a:solidFill>
+          </a:ln>
+        </p:spPr>
+        <p:style>
+          <a:lnRef idx="1">
+            <a:schemeClr val="accent1"/>
+          </a:lnRef>
+          <a:fillRef idx="0">
+            <a:schemeClr val="accent1"/>
+          </a:fillRef>
+          <a:effectRef idx="0">
+            <a:schemeClr val="accent1"/>
+          </a:effectRef>
+          <a:fontRef idx="minor">
+            <a:schemeClr val="tx1"/>
+          </a:fontRef>
+        </p:style>
+      </p:cxnSp>
+      <p:cxnSp>
+        <p:nvCxnSpPr>
+          <p:cNvPr id="14" name="直線コネクタ 13">
+            <a:extLst>
+              <a:ext uri="{FF2B5EF4-FFF2-40B4-BE49-F238E27FC236}">
+                <a16:creationId xmlns:a16="http://schemas.microsoft.com/office/drawing/2014/main" id="{D9062B73-4FEA-904C-8762-6E4E9C49A3DA}"/>
+              </a:ext>
+            </a:extLst>
+          </p:cNvPr>
+          <p:cNvCxnSpPr>
+            <a:cxnSpLocks/>
+            <a:stCxn id="10" idx="3"/>
+          </p:cNvCxnSpPr>
+          <p:nvPr/>
+        </p:nvCxnSpPr>
+        <p:spPr>
+          <a:xfrm flipV="1">
+            <a:off x="3535251" y="1076148"/>
+            <a:ext cx="4089042" cy="1242430"/>
+          </a:xfrm>
+          <a:prstGeom prst="line">
+            <a:avLst/>
+          </a:prstGeom>
+          <a:ln w="28575">
+            <a:solidFill>
+              <a:srgbClr val="C00000"/>
+            </a:solidFill>
+          </a:ln>
+        </p:spPr>
+        <p:style>
+          <a:lnRef idx="1">
+            <a:schemeClr val="accent1"/>
+          </a:lnRef>
+          <a:fillRef idx="0">
+            <a:schemeClr val="accent1"/>
+          </a:fillRef>
+          <a:effectRef idx="0">
+            <a:schemeClr val="accent1"/>
+          </a:effectRef>
+          <a:fontRef idx="minor">
+            <a:schemeClr val="tx1"/>
+          </a:fontRef>
+        </p:style>
+      </p:cxnSp>
+      <p:sp>
+        <p:nvSpPr>
+          <p:cNvPr id="18" name="テキスト ボックス 17">
+            <a:extLst>
+              <a:ext uri="{FF2B5EF4-FFF2-40B4-BE49-F238E27FC236}">
+                <a16:creationId xmlns:a16="http://schemas.microsoft.com/office/drawing/2014/main" id="{C8771939-61ED-BF4E-A16E-321BD0050F79}"/>
+              </a:ext>
+            </a:extLst>
+          </p:cNvPr>
+          <p:cNvSpPr txBox="1"/>
+          <p:nvPr/>
+        </p:nvSpPr>
+        <p:spPr>
+          <a:xfrm>
+            <a:off x="289916" y="5889835"/>
+            <a:ext cx="2246128" cy="369332"/>
+          </a:xfrm>
+          <a:prstGeom prst="rect">
+            <a:avLst/>
+          </a:prstGeom>
+          <a:noFill/>
+        </p:spPr>
+        <p:txBody>
+          <a:bodyPr wrap="none" rtlCol="0">
+            <a:spAutoFit/>
+          </a:bodyPr>
+          <a:lstStyle/>
+          <a:p>
+            <a:r>
+              <a:rPr lang="en-US" altLang="ja-JP" dirty="0"/>
+              <a:t>ruby_sample05.png</a:t>
+            </a:r>
+            <a:endParaRPr kumimoji="1" lang="en-US" altLang="ja-JP" dirty="0"/>
+          </a:p>
+        </p:txBody>
+      </p:sp>
+    </p:spTree>
+    <p:extLst>
+      <p:ext uri="{BB962C8B-B14F-4D97-AF65-F5344CB8AC3E}">
+        <p14:creationId xmlns:p14="http://schemas.microsoft.com/office/powerpoint/2010/main" val="221958137"/>
+      </p:ext>
+    </p:extLst>
+  </p:cSld>
+  <p:clrMapOvr>
+    <a:masterClrMapping/>
+  </p:clrMapOvr>
+</p:sld>
+</file>
+
+<file path=ppt/slides/slide14.xml><?xml version="1.0" encoding="utf-8"?>
+<p:sld xmlns:a="http://schemas.openxmlformats.org/drawingml/2006/main" xmlns:r="http://schemas.openxmlformats.org/officeDocument/2006/relationships" xmlns:p="http://schemas.openxmlformats.org/presentationml/2006/main">
+  <p:cSld>
+    <p:spTree>
+      <p:nvGrpSpPr>
+        <p:cNvPr id="1" name=""/>
+        <p:cNvGrpSpPr/>
+        <p:nvPr/>
+      </p:nvGrpSpPr>
+      <p:grpSpPr>
+        <a:xfrm>
+          <a:off x="0" y="0"/>
+          <a:ext cx="0" cy="0"/>
+          <a:chOff x="0" y="0"/>
+          <a:chExt cx="0" cy="0"/>
+        </a:xfrm>
+      </p:grpSpPr>
+      <p:pic>
+        <p:nvPicPr>
+          <p:cNvPr id="21" name="図 20" descr="ダイアグラム&#10;&#10;自動的に生成された説明">
+            <a:extLst>
+              <a:ext uri="{FF2B5EF4-FFF2-40B4-BE49-F238E27FC236}">
+                <a16:creationId xmlns:a16="http://schemas.microsoft.com/office/drawing/2014/main" id="{7CDD49B4-2D54-004F-8410-A23164296822}"/>
+              </a:ext>
+            </a:extLst>
+          </p:cNvPr>
+          <p:cNvPicPr>
+            <a:picLocks noChangeAspect="1"/>
+          </p:cNvPicPr>
+          <p:nvPr/>
+        </p:nvPicPr>
+        <p:blipFill>
+          <a:blip r:embed="rId2">
+            <a:extLst>
+              <a:ext uri="{28A0092B-C50C-407E-A947-70E740481C1C}">
+                <a14:useLocalDpi xmlns:a14="http://schemas.microsoft.com/office/drawing/2010/main" val="0"/>
+              </a:ext>
+            </a:extLst>
+          </a:blip>
+          <a:stretch>
+            <a:fillRect/>
+          </a:stretch>
+        </p:blipFill>
+        <p:spPr>
+          <a:xfrm>
+            <a:off x="5626520" y="777304"/>
+            <a:ext cx="6492651" cy="3895591"/>
+          </a:xfrm>
+          <a:prstGeom prst="rect">
+            <a:avLst/>
+          </a:prstGeom>
+        </p:spPr>
+      </p:pic>
+      <p:pic>
+        <p:nvPicPr>
+          <p:cNvPr id="3" name="図 2" descr="グラフィカル ユーザー インターフェイス, テキスト, アプリケーション, チャットまたはテキスト メッセージ, Teams&#10;&#10;自動的に生成された説明">
+            <a:extLst>
+              <a:ext uri="{FF2B5EF4-FFF2-40B4-BE49-F238E27FC236}">
+                <a16:creationId xmlns:a16="http://schemas.microsoft.com/office/drawing/2014/main" id="{2CF4082C-BDDA-804D-8323-6B60447C5D82}"/>
+              </a:ext>
+            </a:extLst>
+          </p:cNvPr>
+          <p:cNvPicPr>
+            <a:picLocks noChangeAspect="1"/>
+          </p:cNvPicPr>
+          <p:nvPr/>
+        </p:nvPicPr>
+        <p:blipFill rotWithShape="1">
+          <a:blip r:embed="rId3">
+            <a:extLst>
+              <a:ext uri="{28A0092B-C50C-407E-A947-70E740481C1C}">
+                <a14:useLocalDpi xmlns:a14="http://schemas.microsoft.com/office/drawing/2010/main" val="0"/>
+              </a:ext>
+            </a:extLst>
+          </a:blip>
+          <a:srcRect r="58490"/>
+          <a:stretch/>
+        </p:blipFill>
+        <p:spPr>
+          <a:xfrm>
+            <a:off x="216889" y="0"/>
+            <a:ext cx="4219883" cy="6858000"/>
+          </a:xfrm>
+          <a:prstGeom prst="rect">
+            <a:avLst/>
+          </a:prstGeom>
+        </p:spPr>
+      </p:pic>
+      <p:sp>
+        <p:nvSpPr>
+          <p:cNvPr id="8" name="角丸四角形 7">
+            <a:extLst>
+              <a:ext uri="{FF2B5EF4-FFF2-40B4-BE49-F238E27FC236}">
+                <a16:creationId xmlns:a16="http://schemas.microsoft.com/office/drawing/2014/main" id="{722217F9-2B6E-584E-8D3D-A2C816097E33}"/>
+              </a:ext>
+            </a:extLst>
+          </p:cNvPr>
+          <p:cNvSpPr/>
+          <p:nvPr/>
+        </p:nvSpPr>
+        <p:spPr>
+          <a:xfrm>
+            <a:off x="751249" y="1738647"/>
+            <a:ext cx="3112413" cy="2629653"/>
+          </a:xfrm>
+          <a:prstGeom prst="roundRect">
+            <a:avLst>
+              <a:gd name="adj" fmla="val 3490"/>
+            </a:avLst>
+          </a:prstGeom>
+          <a:noFill/>
+          <a:ln w="28575">
+            <a:solidFill>
+              <a:srgbClr val="C00000"/>
+            </a:solidFill>
+          </a:ln>
+        </p:spPr>
+        <p:style>
+          <a:lnRef idx="2">
+            <a:schemeClr val="accent1">
+              <a:shade val="50000"/>
+            </a:schemeClr>
+          </a:lnRef>
+          <a:fillRef idx="1">
+            <a:schemeClr val="accent1"/>
+          </a:fillRef>
+          <a:effectRef idx="0">
+            <a:schemeClr val="accent1"/>
+          </a:effectRef>
+          <a:fontRef idx="minor">
+            <a:schemeClr val="lt1"/>
+          </a:fontRef>
+        </p:style>
+        <p:txBody>
+          <a:bodyPr rtlCol="0" anchor="ctr"/>
+          <a:lstStyle/>
+          <a:p>
+            <a:pPr algn="ctr"/>
+            <a:endParaRPr kumimoji="1" lang="ja-JP" altLang="en-US"/>
+          </a:p>
+        </p:txBody>
+      </p:sp>
+      <p:sp>
+        <p:nvSpPr>
+          <p:cNvPr id="9" name="角丸四角形 8">
+            <a:extLst>
+              <a:ext uri="{FF2B5EF4-FFF2-40B4-BE49-F238E27FC236}">
+                <a16:creationId xmlns:a16="http://schemas.microsoft.com/office/drawing/2014/main" id="{4047878C-64BD-9B48-91BA-D92E475809F8}"/>
+              </a:ext>
+            </a:extLst>
+          </p:cNvPr>
+          <p:cNvSpPr/>
+          <p:nvPr/>
+        </p:nvSpPr>
+        <p:spPr>
+          <a:xfrm>
+            <a:off x="751249" y="4368301"/>
+            <a:ext cx="2246128" cy="910189"/>
+          </a:xfrm>
+          <a:prstGeom prst="roundRect">
+            <a:avLst>
+              <a:gd name="adj" fmla="val 6918"/>
+            </a:avLst>
+          </a:prstGeom>
+          <a:noFill/>
+          <a:ln w="28575">
+            <a:solidFill>
+              <a:srgbClr val="C00000"/>
+            </a:solidFill>
+          </a:ln>
+        </p:spPr>
+        <p:style>
+          <a:lnRef idx="2">
+            <a:schemeClr val="accent1">
+              <a:shade val="50000"/>
+            </a:schemeClr>
+          </a:lnRef>
+          <a:fillRef idx="1">
+            <a:schemeClr val="accent1"/>
+          </a:fillRef>
+          <a:effectRef idx="0">
+            <a:schemeClr val="accent1"/>
+          </a:effectRef>
+          <a:fontRef idx="minor">
+            <a:schemeClr val="lt1"/>
+          </a:fontRef>
+        </p:style>
+        <p:txBody>
+          <a:bodyPr rtlCol="0" anchor="ctr"/>
+          <a:lstStyle/>
+          <a:p>
+            <a:pPr algn="ctr"/>
+            <a:endParaRPr kumimoji="1" lang="ja-JP" altLang="en-US"/>
+          </a:p>
+        </p:txBody>
+      </p:sp>
+      <p:sp>
+        <p:nvSpPr>
+          <p:cNvPr id="10" name="角丸四角形 9">
+            <a:extLst>
+              <a:ext uri="{FF2B5EF4-FFF2-40B4-BE49-F238E27FC236}">
+                <a16:creationId xmlns:a16="http://schemas.microsoft.com/office/drawing/2014/main" id="{11A3FC6E-B9F2-FE44-97CD-A1EA3121ACF5}"/>
+              </a:ext>
+            </a:extLst>
+          </p:cNvPr>
+          <p:cNvSpPr/>
+          <p:nvPr/>
+        </p:nvSpPr>
+        <p:spPr>
+          <a:xfrm>
+            <a:off x="821155" y="1785513"/>
+            <a:ext cx="2952355" cy="816019"/>
+          </a:xfrm>
+          <a:prstGeom prst="roundRect">
+            <a:avLst>
+              <a:gd name="adj" fmla="val 6918"/>
+            </a:avLst>
+          </a:prstGeom>
+          <a:noFill/>
+          <a:ln w="28575">
+            <a:solidFill>
+              <a:srgbClr val="C00000"/>
+            </a:solidFill>
+          </a:ln>
+        </p:spPr>
+        <p:style>
+          <a:lnRef idx="2">
+            <a:schemeClr val="accent1">
+              <a:shade val="50000"/>
+            </a:schemeClr>
+          </a:lnRef>
+          <a:fillRef idx="1">
+            <a:schemeClr val="accent1"/>
+          </a:fillRef>
+          <a:effectRef idx="0">
+            <a:schemeClr val="accent1"/>
+          </a:effectRef>
+          <a:fontRef idx="minor">
+            <a:schemeClr val="lt1"/>
+          </a:fontRef>
+        </p:style>
+        <p:txBody>
+          <a:bodyPr rtlCol="0" anchor="ctr"/>
+          <a:lstStyle/>
+          <a:p>
+            <a:pPr algn="ctr"/>
+            <a:endParaRPr kumimoji="1" lang="ja-JP" altLang="en-US"/>
+          </a:p>
+        </p:txBody>
+      </p:sp>
+      <p:cxnSp>
+        <p:nvCxnSpPr>
+          <p:cNvPr id="12" name="直線コネクタ 11">
+            <a:extLst>
+              <a:ext uri="{FF2B5EF4-FFF2-40B4-BE49-F238E27FC236}">
+                <a16:creationId xmlns:a16="http://schemas.microsoft.com/office/drawing/2014/main" id="{3CD50C3A-AD07-A64E-AD7D-C545AFE493B0}"/>
+              </a:ext>
+            </a:extLst>
+          </p:cNvPr>
+          <p:cNvCxnSpPr>
+            <a:cxnSpLocks/>
+            <a:stCxn id="9" idx="3"/>
+          </p:cNvCxnSpPr>
+          <p:nvPr/>
+        </p:nvCxnSpPr>
+        <p:spPr>
+          <a:xfrm flipV="1">
+            <a:off x="2997377" y="2489699"/>
+            <a:ext cx="4993964" cy="2333697"/>
+          </a:xfrm>
+          <a:prstGeom prst="line">
+            <a:avLst/>
+          </a:prstGeom>
+          <a:ln w="28575">
+            <a:solidFill>
+              <a:srgbClr val="C00000"/>
+            </a:solidFill>
+          </a:ln>
+        </p:spPr>
+        <p:style>
+          <a:lnRef idx="1">
+            <a:schemeClr val="accent1"/>
+          </a:lnRef>
+          <a:fillRef idx="0">
+            <a:schemeClr val="accent1"/>
+          </a:fillRef>
+          <a:effectRef idx="0">
+            <a:schemeClr val="accent1"/>
+          </a:effectRef>
+          <a:fontRef idx="minor">
+            <a:schemeClr val="tx1"/>
+          </a:fontRef>
+        </p:style>
+      </p:cxnSp>
+      <p:sp>
+        <p:nvSpPr>
+          <p:cNvPr id="18" name="テキスト ボックス 17">
+            <a:extLst>
+              <a:ext uri="{FF2B5EF4-FFF2-40B4-BE49-F238E27FC236}">
+                <a16:creationId xmlns:a16="http://schemas.microsoft.com/office/drawing/2014/main" id="{C8771939-61ED-BF4E-A16E-321BD0050F79}"/>
+              </a:ext>
+            </a:extLst>
+          </p:cNvPr>
+          <p:cNvSpPr txBox="1"/>
+          <p:nvPr/>
+        </p:nvSpPr>
+        <p:spPr>
+          <a:xfrm>
+            <a:off x="9662516" y="6389349"/>
+            <a:ext cx="2246128" cy="369332"/>
+          </a:xfrm>
+          <a:prstGeom prst="rect">
+            <a:avLst/>
+          </a:prstGeom>
+          <a:noFill/>
+        </p:spPr>
+        <p:txBody>
+          <a:bodyPr wrap="none" rtlCol="0">
+            <a:spAutoFit/>
+          </a:bodyPr>
+          <a:lstStyle/>
+          <a:p>
+            <a:r>
+              <a:rPr lang="en-US" altLang="ja-JP" dirty="0"/>
+              <a:t>ruby_sample08.png</a:t>
+            </a:r>
+            <a:endParaRPr kumimoji="1" lang="en-US" altLang="ja-JP" dirty="0"/>
+          </a:p>
+        </p:txBody>
+      </p:sp>
+      <p:sp>
+        <p:nvSpPr>
+          <p:cNvPr id="19" name="フリーフォーム 18">
+            <a:extLst>
+              <a:ext uri="{FF2B5EF4-FFF2-40B4-BE49-F238E27FC236}">
+                <a16:creationId xmlns:a16="http://schemas.microsoft.com/office/drawing/2014/main" id="{794A7DEF-E76E-A44A-B450-AB2D4BFBE803}"/>
+              </a:ext>
+            </a:extLst>
+          </p:cNvPr>
+          <p:cNvSpPr/>
+          <p:nvPr/>
+        </p:nvSpPr>
+        <p:spPr>
+          <a:xfrm>
+            <a:off x="3773509" y="468651"/>
+            <a:ext cx="7667242" cy="1803902"/>
+          </a:xfrm>
+          <a:custGeom>
+            <a:avLst/>
+            <a:gdLst>
+              <a:gd name="connsiteX0" fmla="*/ 0 w 7295882"/>
+              <a:gd name="connsiteY0" fmla="*/ 1746515 h 1849546"/>
+              <a:gd name="connsiteX1" fmla="*/ 3342067 w 7295882"/>
+              <a:gd name="connsiteY1" fmla="*/ 246126 h 1849546"/>
+              <a:gd name="connsiteX2" fmla="*/ 5447763 w 7295882"/>
+              <a:gd name="connsiteY2" fmla="*/ 162414 h 1849546"/>
+              <a:gd name="connsiteX3" fmla="*/ 7295882 w 7295882"/>
+              <a:gd name="connsiteY3" fmla="*/ 1849546 h 1849546"/>
+            </a:gdLst>
+            <a:ahLst/>
+            <a:cxnLst>
+              <a:cxn ang="0">
+                <a:pos x="connsiteX0" y="connsiteY0"/>
+              </a:cxn>
+              <a:cxn ang="0">
+                <a:pos x="connsiteX1" y="connsiteY1"/>
+              </a:cxn>
+              <a:cxn ang="0">
+                <a:pos x="connsiteX2" y="connsiteY2"/>
+              </a:cxn>
+              <a:cxn ang="0">
+                <a:pos x="connsiteX3" y="connsiteY3"/>
+              </a:cxn>
+            </a:cxnLst>
+            <a:rect l="l" t="t" r="r" b="b"/>
+            <a:pathLst>
+              <a:path w="7295882" h="1849546">
+                <a:moveTo>
+                  <a:pt x="0" y="1746515"/>
+                </a:moveTo>
+                <a:cubicBezTo>
+                  <a:pt x="1217053" y="1128329"/>
+                  <a:pt x="2434107" y="510143"/>
+                  <a:pt x="3342067" y="246126"/>
+                </a:cubicBezTo>
+                <a:cubicBezTo>
+                  <a:pt x="4250028" y="-17891"/>
+                  <a:pt x="4788794" y="-104823"/>
+                  <a:pt x="5447763" y="162414"/>
+                </a:cubicBezTo>
+                <a:cubicBezTo>
+                  <a:pt x="6106732" y="429651"/>
+                  <a:pt x="6701307" y="1139598"/>
+                  <a:pt x="7295882" y="1849546"/>
+                </a:cubicBezTo>
+              </a:path>
+            </a:pathLst>
+          </a:custGeom>
+          <a:noFill/>
+          <a:ln w="28575">
+            <a:solidFill>
+              <a:srgbClr val="C00000"/>
+            </a:solidFill>
+          </a:ln>
+        </p:spPr>
+        <p:style>
+          <a:lnRef idx="2">
+            <a:schemeClr val="accent1">
+              <a:shade val="50000"/>
+            </a:schemeClr>
+          </a:lnRef>
+          <a:fillRef idx="1">
+            <a:schemeClr val="accent1"/>
+          </a:fillRef>
+          <a:effectRef idx="0">
+            <a:schemeClr val="accent1"/>
+          </a:effectRef>
+          <a:fontRef idx="minor">
+            <a:schemeClr val="lt1"/>
+          </a:fontRef>
+        </p:style>
+        <p:txBody>
+          <a:bodyPr rtlCol="0" anchor="ctr"/>
+          <a:lstStyle/>
+          <a:p>
+            <a:pPr algn="ctr"/>
+            <a:endParaRPr kumimoji="1" lang="ja-JP" altLang="en-US"/>
+          </a:p>
+        </p:txBody>
+      </p:sp>
+      <p:sp>
+        <p:nvSpPr>
+          <p:cNvPr id="22" name="角丸四角形 21">
+            <a:extLst>
+              <a:ext uri="{FF2B5EF4-FFF2-40B4-BE49-F238E27FC236}">
+                <a16:creationId xmlns:a16="http://schemas.microsoft.com/office/drawing/2014/main" id="{4EE8966A-74FE-1D41-A435-5944108199A9}"/>
+              </a:ext>
+            </a:extLst>
+          </p:cNvPr>
+          <p:cNvSpPr/>
+          <p:nvPr/>
+        </p:nvSpPr>
+        <p:spPr>
+          <a:xfrm>
+            <a:off x="993726" y="2604662"/>
+            <a:ext cx="2779783" cy="609185"/>
+          </a:xfrm>
+          <a:prstGeom prst="roundRect">
+            <a:avLst>
+              <a:gd name="adj" fmla="val 6918"/>
+            </a:avLst>
+          </a:prstGeom>
+          <a:noFill/>
+          <a:ln w="28575">
+            <a:solidFill>
+              <a:srgbClr val="C00000"/>
+            </a:solidFill>
+          </a:ln>
+        </p:spPr>
+        <p:style>
+          <a:lnRef idx="2">
+            <a:schemeClr val="accent1">
+              <a:shade val="50000"/>
+            </a:schemeClr>
+          </a:lnRef>
+          <a:fillRef idx="1">
+            <a:schemeClr val="accent1"/>
+          </a:fillRef>
+          <a:effectRef idx="0">
+            <a:schemeClr val="accent1"/>
+          </a:effectRef>
+          <a:fontRef idx="minor">
+            <a:schemeClr val="lt1"/>
+          </a:fontRef>
+        </p:style>
+        <p:txBody>
+          <a:bodyPr rtlCol="0" anchor="ctr"/>
+          <a:lstStyle/>
+          <a:p>
+            <a:pPr algn="ctr"/>
+            <a:endParaRPr kumimoji="1" lang="ja-JP" altLang="en-US"/>
+          </a:p>
+        </p:txBody>
+      </p:sp>
+      <p:sp>
+        <p:nvSpPr>
+          <p:cNvPr id="23" name="角丸四角形 22">
+            <a:extLst>
+              <a:ext uri="{FF2B5EF4-FFF2-40B4-BE49-F238E27FC236}">
+                <a16:creationId xmlns:a16="http://schemas.microsoft.com/office/drawing/2014/main" id="{486A85D4-902B-014B-96C0-DD5738B3BAFE}"/>
+              </a:ext>
+            </a:extLst>
+          </p:cNvPr>
+          <p:cNvSpPr/>
+          <p:nvPr/>
+        </p:nvSpPr>
+        <p:spPr>
+          <a:xfrm>
+            <a:off x="993725" y="3213847"/>
+            <a:ext cx="2779783" cy="1126332"/>
+          </a:xfrm>
+          <a:prstGeom prst="roundRect">
+            <a:avLst>
+              <a:gd name="adj" fmla="val 6918"/>
+            </a:avLst>
+          </a:prstGeom>
+          <a:noFill/>
+          <a:ln w="28575">
+            <a:solidFill>
+              <a:srgbClr val="C00000"/>
+            </a:solidFill>
+          </a:ln>
+        </p:spPr>
+        <p:style>
+          <a:lnRef idx="2">
+            <a:schemeClr val="accent1">
+              <a:shade val="50000"/>
+            </a:schemeClr>
+          </a:lnRef>
+          <a:fillRef idx="1">
+            <a:schemeClr val="accent1"/>
+          </a:fillRef>
+          <a:effectRef idx="0">
+            <a:schemeClr val="accent1"/>
+          </a:effectRef>
+          <a:fontRef idx="minor">
+            <a:schemeClr val="lt1"/>
+          </a:fontRef>
+        </p:style>
+        <p:txBody>
+          <a:bodyPr rtlCol="0" anchor="ctr"/>
+          <a:lstStyle/>
+          <a:p>
+            <a:pPr algn="ctr"/>
+            <a:endParaRPr kumimoji="1" lang="ja-JP" altLang="en-US"/>
+          </a:p>
+        </p:txBody>
+      </p:sp>
+      <p:cxnSp>
+        <p:nvCxnSpPr>
+          <p:cNvPr id="27" name="直線コネクタ 26">
+            <a:extLst>
+              <a:ext uri="{FF2B5EF4-FFF2-40B4-BE49-F238E27FC236}">
+                <a16:creationId xmlns:a16="http://schemas.microsoft.com/office/drawing/2014/main" id="{9792E9CF-4207-D349-8730-7D3516A25545}"/>
+              </a:ext>
+            </a:extLst>
+          </p:cNvPr>
+          <p:cNvCxnSpPr>
+            <a:cxnSpLocks/>
+            <a:stCxn id="23" idx="3"/>
+          </p:cNvCxnSpPr>
+          <p:nvPr/>
+        </p:nvCxnSpPr>
+        <p:spPr>
+          <a:xfrm flipV="1">
+            <a:off x="3773508" y="2976739"/>
+            <a:ext cx="4368686" cy="800274"/>
+          </a:xfrm>
+          <a:prstGeom prst="line">
+            <a:avLst/>
+          </a:prstGeom>
+          <a:ln w="28575">
+            <a:solidFill>
+              <a:srgbClr val="C00000"/>
+            </a:solidFill>
+          </a:ln>
+        </p:spPr>
+        <p:style>
+          <a:lnRef idx="1">
+            <a:schemeClr val="accent1"/>
+          </a:lnRef>
+          <a:fillRef idx="0">
+            <a:schemeClr val="accent1"/>
+          </a:fillRef>
+          <a:effectRef idx="0">
+            <a:schemeClr val="accent1"/>
+          </a:effectRef>
+          <a:fontRef idx="minor">
+            <a:schemeClr val="tx1"/>
+          </a:fontRef>
+        </p:style>
+      </p:cxnSp>
+      <p:sp>
+        <p:nvSpPr>
+          <p:cNvPr id="35" name="フリーフォーム 34">
+            <a:extLst>
+              <a:ext uri="{FF2B5EF4-FFF2-40B4-BE49-F238E27FC236}">
+                <a16:creationId xmlns:a16="http://schemas.microsoft.com/office/drawing/2014/main" id="{E240A501-22CF-7341-9BBB-3E295F06EEDE}"/>
+              </a:ext>
+            </a:extLst>
+          </p:cNvPr>
+          <p:cNvSpPr/>
+          <p:nvPr/>
+        </p:nvSpPr>
+        <p:spPr>
+          <a:xfrm>
+            <a:off x="3778624" y="2911288"/>
+            <a:ext cx="6212541" cy="2400215"/>
+          </a:xfrm>
+          <a:custGeom>
+            <a:avLst/>
+            <a:gdLst>
+              <a:gd name="connsiteX0" fmla="*/ 0 w 6212541"/>
+              <a:gd name="connsiteY0" fmla="*/ 0 h 2400215"/>
+              <a:gd name="connsiteX1" fmla="*/ 4155141 w 6212541"/>
+              <a:gd name="connsiteY1" fmla="*/ 2359959 h 2400215"/>
+              <a:gd name="connsiteX2" fmla="*/ 6212541 w 6212541"/>
+              <a:gd name="connsiteY2" fmla="*/ 1264024 h 2400215"/>
+            </a:gdLst>
+            <a:ahLst/>
+            <a:cxnLst>
+              <a:cxn ang="0">
+                <a:pos x="connsiteX0" y="connsiteY0"/>
+              </a:cxn>
+              <a:cxn ang="0">
+                <a:pos x="connsiteX1" y="connsiteY1"/>
+              </a:cxn>
+              <a:cxn ang="0">
+                <a:pos x="connsiteX2" y="connsiteY2"/>
+              </a:cxn>
+            </a:cxnLst>
+            <a:rect l="l" t="t" r="r" b="b"/>
+            <a:pathLst>
+              <a:path w="6212541" h="2400215">
+                <a:moveTo>
+                  <a:pt x="0" y="0"/>
+                </a:moveTo>
+                <a:cubicBezTo>
+                  <a:pt x="1559859" y="1074644"/>
+                  <a:pt x="3119718" y="2149288"/>
+                  <a:pt x="4155141" y="2359959"/>
+                </a:cubicBezTo>
+                <a:cubicBezTo>
+                  <a:pt x="5190564" y="2570630"/>
+                  <a:pt x="5701552" y="1917327"/>
+                  <a:pt x="6212541" y="1264024"/>
+                </a:cubicBezTo>
+              </a:path>
+            </a:pathLst>
+          </a:custGeom>
+          <a:noFill/>
+          <a:ln w="28575">
+            <a:solidFill>
+              <a:srgbClr val="C00000"/>
+            </a:solidFill>
+          </a:ln>
+        </p:spPr>
+        <p:style>
+          <a:lnRef idx="2">
+            <a:schemeClr val="accent1">
+              <a:shade val="50000"/>
+            </a:schemeClr>
+          </a:lnRef>
+          <a:fillRef idx="1">
+            <a:schemeClr val="accent1"/>
+          </a:fillRef>
+          <a:effectRef idx="0">
+            <a:schemeClr val="accent1"/>
+          </a:effectRef>
+          <a:fontRef idx="minor">
+            <a:schemeClr val="lt1"/>
+          </a:fontRef>
+        </p:style>
+        <p:txBody>
+          <a:bodyPr rtlCol="0" anchor="ctr"/>
+          <a:lstStyle/>
+          <a:p>
+            <a:pPr algn="ctr"/>
+            <a:endParaRPr kumimoji="1" lang="ja-JP" altLang="en-US"/>
+          </a:p>
+        </p:txBody>
+      </p:sp>
+    </p:spTree>
+    <p:extLst>
+      <p:ext uri="{BB962C8B-B14F-4D97-AF65-F5344CB8AC3E}">
+        <p14:creationId xmlns:p14="http://schemas.microsoft.com/office/powerpoint/2010/main" val="1205316200"/>
+      </p:ext>
+    </p:extLst>
+  </p:cSld>
+  <p:clrMapOvr>
+    <a:masterClrMapping/>
+  </p:clrMapOvr>
+</p:sld>
+</file>
+
 <file path=ppt/slides/slide2.xml><?xml version="1.0" encoding="utf-8"?>
 <p:sld xmlns:a="http://schemas.openxmlformats.org/drawingml/2006/main" xmlns:r="http://schemas.openxmlformats.org/officeDocument/2006/relationships" xmlns:p="http://schemas.openxmlformats.org/presentationml/2006/main">
   <p:cSld>

--- a/images/charts.pptx
+++ b/images/charts.pptx
@@ -272,7 +272,7 @@
           <a:p>
             <a:fld id="{0D79BBE2-0B2D-48EC-ABEC-0FA514BE10AA}" type="datetimeFigureOut">
               <a:rPr kumimoji="1" lang="ja-JP" altLang="en-US" smtClean="0"/>
-              <a:t>2022/2/24</a:t>
+              <a:t>2022/3/4</a:t>
             </a:fld>
             <a:endParaRPr kumimoji="1" lang="ja-JP" altLang="en-US"/>
           </a:p>
@@ -502,7 +502,7 @@
           <a:p>
             <a:fld id="{0D79BBE2-0B2D-48EC-ABEC-0FA514BE10AA}" type="datetimeFigureOut">
               <a:rPr kumimoji="1" lang="ja-JP" altLang="en-US" smtClean="0"/>
-              <a:t>2022/2/24</a:t>
+              <a:t>2022/3/4</a:t>
             </a:fld>
             <a:endParaRPr kumimoji="1" lang="ja-JP" altLang="en-US"/>
           </a:p>
@@ -742,7 +742,7 @@
           <a:p>
             <a:fld id="{0D79BBE2-0B2D-48EC-ABEC-0FA514BE10AA}" type="datetimeFigureOut">
               <a:rPr kumimoji="1" lang="ja-JP" altLang="en-US" smtClean="0"/>
-              <a:t>2022/2/24</a:t>
+              <a:t>2022/3/4</a:t>
             </a:fld>
             <a:endParaRPr kumimoji="1" lang="ja-JP" altLang="en-US"/>
           </a:p>
@@ -972,7 +972,7 @@
           <a:p>
             <a:fld id="{0D79BBE2-0B2D-48EC-ABEC-0FA514BE10AA}" type="datetimeFigureOut">
               <a:rPr kumimoji="1" lang="ja-JP" altLang="en-US" smtClean="0"/>
-              <a:t>2022/2/24</a:t>
+              <a:t>2022/3/4</a:t>
             </a:fld>
             <a:endParaRPr kumimoji="1" lang="ja-JP" altLang="en-US"/>
           </a:p>
@@ -1247,7 +1247,7 @@
           <a:p>
             <a:fld id="{0D79BBE2-0B2D-48EC-ABEC-0FA514BE10AA}" type="datetimeFigureOut">
               <a:rPr kumimoji="1" lang="ja-JP" altLang="en-US" smtClean="0"/>
-              <a:t>2022/2/24</a:t>
+              <a:t>2022/3/4</a:t>
             </a:fld>
             <a:endParaRPr kumimoji="1" lang="ja-JP" altLang="en-US"/>
           </a:p>
@@ -1576,7 +1576,7 @@
           <a:p>
             <a:fld id="{0D79BBE2-0B2D-48EC-ABEC-0FA514BE10AA}" type="datetimeFigureOut">
               <a:rPr kumimoji="1" lang="ja-JP" altLang="en-US" smtClean="0"/>
-              <a:t>2022/2/24</a:t>
+              <a:t>2022/3/4</a:t>
             </a:fld>
             <a:endParaRPr kumimoji="1" lang="ja-JP" altLang="en-US"/>
           </a:p>
@@ -2052,7 +2052,7 @@
           <a:p>
             <a:fld id="{0D79BBE2-0B2D-48EC-ABEC-0FA514BE10AA}" type="datetimeFigureOut">
               <a:rPr kumimoji="1" lang="ja-JP" altLang="en-US" smtClean="0"/>
-              <a:t>2022/2/24</a:t>
+              <a:t>2022/3/4</a:t>
             </a:fld>
             <a:endParaRPr kumimoji="1" lang="ja-JP" altLang="en-US"/>
           </a:p>
@@ -2193,7 +2193,7 @@
           <a:p>
             <a:fld id="{0D79BBE2-0B2D-48EC-ABEC-0FA514BE10AA}" type="datetimeFigureOut">
               <a:rPr kumimoji="1" lang="ja-JP" altLang="en-US" smtClean="0"/>
-              <a:t>2022/2/24</a:t>
+              <a:t>2022/3/4</a:t>
             </a:fld>
             <a:endParaRPr kumimoji="1" lang="ja-JP" altLang="en-US"/>
           </a:p>
@@ -2306,7 +2306,7 @@
           <a:p>
             <a:fld id="{0D79BBE2-0B2D-48EC-ABEC-0FA514BE10AA}" type="datetimeFigureOut">
               <a:rPr kumimoji="1" lang="ja-JP" altLang="en-US" smtClean="0"/>
-              <a:t>2022/2/24</a:t>
+              <a:t>2022/3/4</a:t>
             </a:fld>
             <a:endParaRPr kumimoji="1" lang="ja-JP" altLang="en-US"/>
           </a:p>
@@ -2649,7 +2649,7 @@
           <a:p>
             <a:fld id="{0D79BBE2-0B2D-48EC-ABEC-0FA514BE10AA}" type="datetimeFigureOut">
               <a:rPr kumimoji="1" lang="ja-JP" altLang="en-US" smtClean="0"/>
-              <a:t>2022/2/24</a:t>
+              <a:t>2022/3/4</a:t>
             </a:fld>
             <a:endParaRPr kumimoji="1" lang="ja-JP" altLang="en-US"/>
           </a:p>
@@ -2937,7 +2937,7 @@
           <a:p>
             <a:fld id="{0D79BBE2-0B2D-48EC-ABEC-0FA514BE10AA}" type="datetimeFigureOut">
               <a:rPr kumimoji="1" lang="ja-JP" altLang="en-US" smtClean="0"/>
-              <a:t>2022/2/24</a:t>
+              <a:t>2022/3/4</a:t>
             </a:fld>
             <a:endParaRPr kumimoji="1" lang="ja-JP" altLang="en-US"/>
           </a:p>
@@ -3210,7 +3210,7 @@
           <a:p>
             <a:fld id="{0D79BBE2-0B2D-48EC-ABEC-0FA514BE10AA}" type="datetimeFigureOut">
               <a:rPr kumimoji="1" lang="ja-JP" altLang="en-US" smtClean="0"/>
-              <a:t>2022/2/24</a:t>
+              <a:t>2022/3/4</a:t>
             </a:fld>
             <a:endParaRPr kumimoji="1" lang="ja-JP" altLang="en-US"/>
           </a:p>
@@ -8274,10 +8274,10 @@
       </p:sp>
       <p:grpSp>
         <p:nvGrpSpPr>
-          <p:cNvPr id="12" name="グループ化 11">
+          <p:cNvPr id="2" name="グループ化 1">
             <a:extLst>
               <a:ext uri="{FF2B5EF4-FFF2-40B4-BE49-F238E27FC236}">
-                <a16:creationId xmlns:a16="http://schemas.microsoft.com/office/drawing/2014/main" id="{6DB671BB-FDCA-F144-BADB-F0CFC75D1859}"/>
+                <a16:creationId xmlns:a16="http://schemas.microsoft.com/office/drawing/2014/main" id="{E3768AB5-F312-A148-9A37-F3456B0F711E}"/>
               </a:ext>
             </a:extLst>
           </p:cNvPr>
@@ -8292,12 +8292,119 @@
             <a:chExt cx="11520000" cy="3528000"/>
           </a:xfrm>
         </p:grpSpPr>
+        <p:grpSp>
+          <p:nvGrpSpPr>
+            <p:cNvPr id="12" name="グループ化 11">
+              <a:extLst>
+                <a:ext uri="{FF2B5EF4-FFF2-40B4-BE49-F238E27FC236}">
+                  <a16:creationId xmlns:a16="http://schemas.microsoft.com/office/drawing/2014/main" id="{6DB671BB-FDCA-F144-BADB-F0CFC75D1859}"/>
+                </a:ext>
+              </a:extLst>
+            </p:cNvPr>
+            <p:cNvGrpSpPr/>
+            <p:nvPr/>
+          </p:nvGrpSpPr>
+          <p:grpSpPr>
+            <a:xfrm>
+              <a:off x="360000" y="1439999"/>
+              <a:ext cx="11520000" cy="3528000"/>
+              <a:chOff x="360000" y="1439999"/>
+              <a:chExt cx="11520000" cy="3528000"/>
+            </a:xfrm>
+          </p:grpSpPr>
+          <p:sp>
+            <p:nvSpPr>
+              <p:cNvPr id="8" name="正方形/長方形 7">
+                <a:extLst>
+                  <a:ext uri="{FF2B5EF4-FFF2-40B4-BE49-F238E27FC236}">
+                    <a16:creationId xmlns:a16="http://schemas.microsoft.com/office/drawing/2014/main" id="{CD336A79-D244-E142-B007-E4AFCCB074CD}"/>
+                  </a:ext>
+                </a:extLst>
+              </p:cNvPr>
+              <p:cNvSpPr/>
+              <p:nvPr/>
+            </p:nvSpPr>
+            <p:spPr>
+              <a:xfrm>
+                <a:off x="360000" y="1439999"/>
+                <a:ext cx="11520000" cy="3528000"/>
+              </a:xfrm>
+              <a:prstGeom prst="rect">
+                <a:avLst/>
+              </a:prstGeom>
+              <a:noFill/>
+              <a:ln>
+                <a:noFill/>
+              </a:ln>
+            </p:spPr>
+            <p:style>
+              <a:lnRef idx="2">
+                <a:schemeClr val="accent1">
+                  <a:shade val="50000"/>
+                </a:schemeClr>
+              </a:lnRef>
+              <a:fillRef idx="1">
+                <a:schemeClr val="accent1"/>
+              </a:fillRef>
+              <a:effectRef idx="0">
+                <a:schemeClr val="accent1"/>
+              </a:effectRef>
+              <a:fontRef idx="minor">
+                <a:schemeClr val="lt1"/>
+              </a:fontRef>
+            </p:style>
+            <p:txBody>
+              <a:bodyPr rtlCol="0" anchor="ctr"/>
+              <a:lstStyle/>
+              <a:p>
+                <a:pPr algn="ctr"/>
+                <a:endParaRPr kumimoji="1" lang="ja-JP" altLang="en-US"/>
+              </a:p>
+            </p:txBody>
+          </p:sp>
+          <p:pic>
+            <p:nvPicPr>
+              <p:cNvPr id="11" name="図 10" descr="四角形 が含まれている画像&#10;&#10;自動的に生成された説明">
+                <a:extLst>
+                  <a:ext uri="{FF2B5EF4-FFF2-40B4-BE49-F238E27FC236}">
+                    <a16:creationId xmlns:a16="http://schemas.microsoft.com/office/drawing/2014/main" id="{D2151FD0-3C00-F24F-83BB-2759264671AC}"/>
+                  </a:ext>
+                </a:extLst>
+              </p:cNvPr>
+              <p:cNvPicPr>
+                <a:picLocks noChangeAspect="1"/>
+              </p:cNvPicPr>
+              <p:nvPr/>
+            </p:nvPicPr>
+            <p:blipFill>
+              <a:blip r:embed="rId2">
+                <a:extLst>
+                  <a:ext uri="{28A0092B-C50C-407E-A947-70E740481C1C}">
+                    <a14:useLocalDpi xmlns:a14="http://schemas.microsoft.com/office/drawing/2010/main" val="0"/>
+                  </a:ext>
+                </a:extLst>
+              </a:blip>
+              <a:stretch>
+                <a:fillRect/>
+              </a:stretch>
+            </p:blipFill>
+            <p:spPr>
+              <a:xfrm>
+                <a:off x="720000" y="1783330"/>
+                <a:ext cx="1794794" cy="2850555"/>
+              </a:xfrm>
+              <a:prstGeom prst="rect">
+                <a:avLst/>
+              </a:prstGeom>
+            </p:spPr>
+          </p:pic>
+        </p:grpSp>
         <p:sp>
           <p:nvSpPr>
-            <p:cNvPr id="8" name="正方形/長方形 7">
+            <p:cNvPr id="6" name="角丸四角形 5">
               <a:extLst>
                 <a:ext uri="{FF2B5EF4-FFF2-40B4-BE49-F238E27FC236}">
-                  <a16:creationId xmlns:a16="http://schemas.microsoft.com/office/drawing/2014/main" id="{CD336A79-D244-E142-B007-E4AFCCB074CD}"/>
+                  <a16:creationId xmlns:a16="http://schemas.microsoft.com/office/drawing/2014/main" id="{C211C7F3-6774-9041-9CCC-35D3C184672D}"/>
                 </a:ext>
               </a:extLst>
             </p:cNvPr>
@@ -8306,15 +8413,17 @@
           </p:nvSpPr>
           <p:spPr>
             <a:xfrm>
-              <a:off x="360000" y="1439999"/>
-              <a:ext cx="11520000" cy="3528000"/>
+              <a:off x="838810" y="2668859"/>
+              <a:ext cx="713678" cy="639336"/>
             </a:xfrm>
-            <a:prstGeom prst="rect">
+            <a:prstGeom prst="roundRect">
               <a:avLst/>
             </a:prstGeom>
             <a:noFill/>
-            <a:ln>
-              <a:noFill/>
+            <a:ln w="38100">
+              <a:solidFill>
+                <a:srgbClr val="C00000"/>
+              </a:solidFill>
             </a:ln>
           </p:spPr>
           <p:style>
@@ -8342,42 +8451,6 @@
             </a:p>
           </p:txBody>
         </p:sp>
-        <p:pic>
-          <p:nvPicPr>
-            <p:cNvPr id="11" name="図 10" descr="四角形 が含まれている画像&#10;&#10;自動的に生成された説明">
-              <a:extLst>
-                <a:ext uri="{FF2B5EF4-FFF2-40B4-BE49-F238E27FC236}">
-                  <a16:creationId xmlns:a16="http://schemas.microsoft.com/office/drawing/2014/main" id="{D2151FD0-3C00-F24F-83BB-2759264671AC}"/>
-                </a:ext>
-              </a:extLst>
-            </p:cNvPr>
-            <p:cNvPicPr>
-              <a:picLocks noChangeAspect="1"/>
-            </p:cNvPicPr>
-            <p:nvPr/>
-          </p:nvPicPr>
-          <p:blipFill>
-            <a:blip r:embed="rId2">
-              <a:extLst>
-                <a:ext uri="{28A0092B-C50C-407E-A947-70E740481C1C}">
-                  <a14:useLocalDpi xmlns:a14="http://schemas.microsoft.com/office/drawing/2010/main" val="0"/>
-                </a:ext>
-              </a:extLst>
-            </a:blip>
-            <a:stretch>
-              <a:fillRect/>
-            </a:stretch>
-          </p:blipFill>
-          <p:spPr>
-            <a:xfrm>
-              <a:off x="720000" y="1783330"/>
-              <a:ext cx="1794794" cy="2850555"/>
-            </a:xfrm>
-            <a:prstGeom prst="rect">
-              <a:avLst/>
-            </a:prstGeom>
-          </p:spPr>
-        </p:pic>
       </p:grpSp>
     </p:spTree>
     <p:extLst>
@@ -8458,10 +8531,10 @@
       </p:sp>
       <p:grpSp>
         <p:nvGrpSpPr>
-          <p:cNvPr id="4" name="グループ化 3">
+          <p:cNvPr id="5" name="グループ化 4">
             <a:extLst>
               <a:ext uri="{FF2B5EF4-FFF2-40B4-BE49-F238E27FC236}">
-                <a16:creationId xmlns:a16="http://schemas.microsoft.com/office/drawing/2014/main" id="{65450CFE-A437-9E45-AEF5-EF6A5F82DEEA}"/>
+                <a16:creationId xmlns:a16="http://schemas.microsoft.com/office/drawing/2014/main" id="{97E0F097-A6BD-DC4A-9956-7E6A49F33EA2}"/>
               </a:ext>
             </a:extLst>
           </p:cNvPr>
@@ -8476,48 +8549,119 @@
             <a:chExt cx="11520000" cy="3528000"/>
           </a:xfrm>
         </p:grpSpPr>
-        <p:pic>
-          <p:nvPicPr>
-            <p:cNvPr id="3" name="図 2" descr="グラフィカル ユーザー インターフェイス が含まれている画像&#10;&#10;自動的に生成された説明">
+        <p:grpSp>
+          <p:nvGrpSpPr>
+            <p:cNvPr id="4" name="グループ化 3">
               <a:extLst>
                 <a:ext uri="{FF2B5EF4-FFF2-40B4-BE49-F238E27FC236}">
-                  <a16:creationId xmlns:a16="http://schemas.microsoft.com/office/drawing/2014/main" id="{8D724D83-15D6-0E4D-A6F9-C9F5AF8706CD}"/>
+                  <a16:creationId xmlns:a16="http://schemas.microsoft.com/office/drawing/2014/main" id="{65450CFE-A437-9E45-AEF5-EF6A5F82DEEA}"/>
                 </a:ext>
               </a:extLst>
             </p:cNvPr>
-            <p:cNvPicPr>
-              <a:picLocks noChangeAspect="1"/>
-            </p:cNvPicPr>
+            <p:cNvGrpSpPr/>
             <p:nvPr/>
-          </p:nvPicPr>
-          <p:blipFill>
-            <a:blip r:embed="rId2">
-              <a:extLst>
-                <a:ext uri="{28A0092B-C50C-407E-A947-70E740481C1C}">
-                  <a14:useLocalDpi xmlns:a14="http://schemas.microsoft.com/office/drawing/2010/main" val="0"/>
-                </a:ext>
-              </a:extLst>
-            </a:blip>
-            <a:stretch>
-              <a:fillRect/>
-            </a:stretch>
-          </p:blipFill>
-          <p:spPr>
+          </p:nvGrpSpPr>
+          <p:grpSpPr>
             <a:xfrm>
-              <a:off x="720000" y="1783329"/>
-              <a:ext cx="1784832" cy="2834733"/>
+              <a:off x="360000" y="1439999"/>
+              <a:ext cx="11520000" cy="3528000"/>
+              <a:chOff x="360000" y="1439999"/>
+              <a:chExt cx="11520000" cy="3528000"/>
             </a:xfrm>
-            <a:prstGeom prst="rect">
-              <a:avLst/>
-            </a:prstGeom>
-          </p:spPr>
-        </p:pic>
+          </p:grpSpPr>
+          <p:pic>
+            <p:nvPicPr>
+              <p:cNvPr id="3" name="図 2" descr="グラフィカル ユーザー インターフェイス が含まれている画像&#10;&#10;自動的に生成された説明">
+                <a:extLst>
+                  <a:ext uri="{FF2B5EF4-FFF2-40B4-BE49-F238E27FC236}">
+                    <a16:creationId xmlns:a16="http://schemas.microsoft.com/office/drawing/2014/main" id="{8D724D83-15D6-0E4D-A6F9-C9F5AF8706CD}"/>
+                  </a:ext>
+                </a:extLst>
+              </p:cNvPr>
+              <p:cNvPicPr>
+                <a:picLocks noChangeAspect="1"/>
+              </p:cNvPicPr>
+              <p:nvPr/>
+            </p:nvPicPr>
+            <p:blipFill>
+              <a:blip r:embed="rId2">
+                <a:extLst>
+                  <a:ext uri="{28A0092B-C50C-407E-A947-70E740481C1C}">
+                    <a14:useLocalDpi xmlns:a14="http://schemas.microsoft.com/office/drawing/2010/main" val="0"/>
+                  </a:ext>
+                </a:extLst>
+              </a:blip>
+              <a:stretch>
+                <a:fillRect/>
+              </a:stretch>
+            </p:blipFill>
+            <p:spPr>
+              <a:xfrm>
+                <a:off x="720000" y="1783329"/>
+                <a:ext cx="1784832" cy="2834733"/>
+              </a:xfrm>
+              <a:prstGeom prst="rect">
+                <a:avLst/>
+              </a:prstGeom>
+            </p:spPr>
+          </p:pic>
+          <p:sp>
+            <p:nvSpPr>
+              <p:cNvPr id="8" name="正方形/長方形 7">
+                <a:extLst>
+                  <a:ext uri="{FF2B5EF4-FFF2-40B4-BE49-F238E27FC236}">
+                    <a16:creationId xmlns:a16="http://schemas.microsoft.com/office/drawing/2014/main" id="{CD336A79-D244-E142-B007-E4AFCCB074CD}"/>
+                  </a:ext>
+                </a:extLst>
+              </p:cNvPr>
+              <p:cNvSpPr/>
+              <p:nvPr/>
+            </p:nvSpPr>
+            <p:spPr>
+              <a:xfrm>
+                <a:off x="360000" y="1439999"/>
+                <a:ext cx="11520000" cy="3528000"/>
+              </a:xfrm>
+              <a:prstGeom prst="rect">
+                <a:avLst/>
+              </a:prstGeom>
+              <a:noFill/>
+              <a:ln>
+                <a:noFill/>
+              </a:ln>
+            </p:spPr>
+            <p:style>
+              <a:lnRef idx="2">
+                <a:schemeClr val="accent1">
+                  <a:shade val="50000"/>
+                </a:schemeClr>
+              </a:lnRef>
+              <a:fillRef idx="1">
+                <a:schemeClr val="accent1"/>
+              </a:fillRef>
+              <a:effectRef idx="0">
+                <a:schemeClr val="accent1"/>
+              </a:effectRef>
+              <a:fontRef idx="minor">
+                <a:schemeClr val="lt1"/>
+              </a:fontRef>
+            </p:style>
+            <p:txBody>
+              <a:bodyPr rtlCol="0" anchor="ctr"/>
+              <a:lstStyle/>
+              <a:p>
+                <a:pPr algn="ctr"/>
+                <a:endParaRPr kumimoji="1" lang="ja-JP" altLang="en-US"/>
+              </a:p>
+            </p:txBody>
+          </p:sp>
+        </p:grpSp>
         <p:sp>
           <p:nvSpPr>
-            <p:cNvPr id="8" name="正方形/長方形 7">
+            <p:cNvPr id="7" name="角丸四角形 6">
               <a:extLst>
                 <a:ext uri="{FF2B5EF4-FFF2-40B4-BE49-F238E27FC236}">
-                  <a16:creationId xmlns:a16="http://schemas.microsoft.com/office/drawing/2014/main" id="{CD336A79-D244-E142-B007-E4AFCCB074CD}"/>
+                  <a16:creationId xmlns:a16="http://schemas.microsoft.com/office/drawing/2014/main" id="{95B17427-4197-274D-A5D1-80DB3C043DE5}"/>
                 </a:ext>
               </a:extLst>
             </p:cNvPr>
@@ -8526,15 +8670,17 @@
           </p:nvSpPr>
           <p:spPr>
             <a:xfrm>
-              <a:off x="360000" y="1439999"/>
-              <a:ext cx="11520000" cy="3528000"/>
+              <a:off x="1689710" y="2668859"/>
+              <a:ext cx="713678" cy="639336"/>
             </a:xfrm>
-            <a:prstGeom prst="rect">
+            <a:prstGeom prst="roundRect">
               <a:avLst/>
             </a:prstGeom>
             <a:noFill/>
-            <a:ln>
-              <a:noFill/>
+            <a:ln w="38100">
+              <a:solidFill>
+                <a:srgbClr val="C00000"/>
+              </a:solidFill>
             </a:ln>
           </p:spPr>
           <p:style>
@@ -8817,10 +8963,10 @@
       </p:sp>
       <p:grpSp>
         <p:nvGrpSpPr>
-          <p:cNvPr id="23" name="グループ化 22">
+          <p:cNvPr id="6" name="グループ化 5">
             <a:extLst>
               <a:ext uri="{FF2B5EF4-FFF2-40B4-BE49-F238E27FC236}">
-                <a16:creationId xmlns:a16="http://schemas.microsoft.com/office/drawing/2014/main" id="{34E42F4C-F068-0948-B7DD-980B3EDBA9EF}"/>
+                <a16:creationId xmlns:a16="http://schemas.microsoft.com/office/drawing/2014/main" id="{60924EF9-D8E1-FD4C-91DB-671FDA04E372}"/>
               </a:ext>
             </a:extLst>
           </p:cNvPr>
@@ -8835,42 +8981,524 @@
             <a:chExt cx="11520000" cy="3528000"/>
           </a:xfrm>
         </p:grpSpPr>
-        <p:pic>
-          <p:nvPicPr>
-            <p:cNvPr id="21" name="図 20" descr="グラフ, じょうごグラフ&#10;&#10;自動的に生成された説明">
+        <p:grpSp>
+          <p:nvGrpSpPr>
+            <p:cNvPr id="23" name="グループ化 22">
               <a:extLst>
                 <a:ext uri="{FF2B5EF4-FFF2-40B4-BE49-F238E27FC236}">
-                  <a16:creationId xmlns:a16="http://schemas.microsoft.com/office/drawing/2014/main" id="{5DB88834-A6B0-D742-ABAE-2D276C2AF433}"/>
+                  <a16:creationId xmlns:a16="http://schemas.microsoft.com/office/drawing/2014/main" id="{34E42F4C-F068-0948-B7DD-980B3EDBA9EF}"/>
                 </a:ext>
               </a:extLst>
             </p:cNvPr>
-            <p:cNvPicPr>
-              <a:picLocks noChangeAspect="1"/>
-            </p:cNvPicPr>
+            <p:cNvGrpSpPr/>
             <p:nvPr/>
-          </p:nvPicPr>
-          <p:blipFill>
-            <a:blip r:embed="rId2">
+          </p:nvGrpSpPr>
+          <p:grpSpPr>
+            <a:xfrm>
+              <a:off x="360000" y="1439999"/>
+              <a:ext cx="11520000" cy="3528000"/>
+              <a:chOff x="360000" y="1439999"/>
+              <a:chExt cx="11520000" cy="3528000"/>
+            </a:xfrm>
+          </p:grpSpPr>
+          <p:pic>
+            <p:nvPicPr>
+              <p:cNvPr id="21" name="図 20" descr="グラフ, じょうごグラフ&#10;&#10;自動的に生成された説明">
+                <a:extLst>
+                  <a:ext uri="{FF2B5EF4-FFF2-40B4-BE49-F238E27FC236}">
+                    <a16:creationId xmlns:a16="http://schemas.microsoft.com/office/drawing/2014/main" id="{5DB88834-A6B0-D742-ABAE-2D276C2AF433}"/>
+                  </a:ext>
+                </a:extLst>
+              </p:cNvPr>
+              <p:cNvPicPr>
+                <a:picLocks noChangeAspect="1"/>
+              </p:cNvPicPr>
+              <p:nvPr/>
+            </p:nvPicPr>
+            <p:blipFill>
+              <a:blip r:embed="rId2">
+                <a:extLst>
+                  <a:ext uri="{28A0092B-C50C-407E-A947-70E740481C1C}">
+                    <a14:useLocalDpi xmlns:a14="http://schemas.microsoft.com/office/drawing/2010/main" val="0"/>
+                  </a:ext>
+                </a:extLst>
+              </a:blip>
+              <a:stretch>
+                <a:fillRect/>
+              </a:stretch>
+            </p:blipFill>
+            <p:spPr>
+              <a:xfrm>
+                <a:off x="736716" y="1783327"/>
+                <a:ext cx="3520548" cy="2829012"/>
+              </a:xfrm>
+              <a:prstGeom prst="rect">
+                <a:avLst/>
+              </a:prstGeom>
+            </p:spPr>
+          </p:pic>
+          <p:grpSp>
+            <p:nvGrpSpPr>
+              <p:cNvPr id="19" name="グループ化 18">
+                <a:extLst>
+                  <a:ext uri="{FF2B5EF4-FFF2-40B4-BE49-F238E27FC236}">
+                    <a16:creationId xmlns:a16="http://schemas.microsoft.com/office/drawing/2014/main" id="{8E8C4AFE-5DAA-BF48-81C8-9763BD2B606C}"/>
+                  </a:ext>
+                </a:extLst>
+              </p:cNvPr>
+              <p:cNvGrpSpPr/>
+              <p:nvPr/>
+            </p:nvGrpSpPr>
+            <p:grpSpPr>
+              <a:xfrm>
+                <a:off x="360000" y="1439999"/>
+                <a:ext cx="11520000" cy="3528000"/>
+                <a:chOff x="360000" y="1439999"/>
+                <a:chExt cx="11520000" cy="3528000"/>
+              </a:xfrm>
+            </p:grpSpPr>
+            <p:sp>
+              <p:nvSpPr>
+                <p:cNvPr id="8" name="正方形/長方形 7">
+                  <a:extLst>
+                    <a:ext uri="{FF2B5EF4-FFF2-40B4-BE49-F238E27FC236}">
+                      <a16:creationId xmlns:a16="http://schemas.microsoft.com/office/drawing/2014/main" id="{CD336A79-D244-E142-B007-E4AFCCB074CD}"/>
+                    </a:ext>
+                  </a:extLst>
+                </p:cNvPr>
+                <p:cNvSpPr/>
+                <p:nvPr/>
+              </p:nvSpPr>
+              <p:spPr>
+                <a:xfrm>
+                  <a:off x="360000" y="1439999"/>
+                  <a:ext cx="11520000" cy="3528000"/>
+                </a:xfrm>
+                <a:prstGeom prst="rect">
+                  <a:avLst/>
+                </a:prstGeom>
+                <a:noFill/>
+                <a:ln>
+                  <a:noFill/>
+                </a:ln>
+              </p:spPr>
+              <p:style>
+                <a:lnRef idx="2">
+                  <a:schemeClr val="accent1">
+                    <a:shade val="50000"/>
+                  </a:schemeClr>
+                </a:lnRef>
+                <a:fillRef idx="1">
+                  <a:schemeClr val="accent1"/>
+                </a:fillRef>
+                <a:effectRef idx="0">
+                  <a:schemeClr val="accent1"/>
+                </a:effectRef>
+                <a:fontRef idx="minor">
+                  <a:schemeClr val="lt1"/>
+                </a:fontRef>
+              </p:style>
+              <p:txBody>
+                <a:bodyPr rtlCol="0" anchor="ctr"/>
+                <a:lstStyle/>
+                <a:p>
+                  <a:pPr algn="ctr"/>
+                  <a:endParaRPr kumimoji="1" lang="ja-JP" altLang="en-US"/>
+                </a:p>
+              </p:txBody>
+            </p:sp>
+            <p:sp>
+              <p:nvSpPr>
+                <p:cNvPr id="14" name="角丸四角形 13">
+                  <a:extLst>
+                    <a:ext uri="{FF2B5EF4-FFF2-40B4-BE49-F238E27FC236}">
+                      <a16:creationId xmlns:a16="http://schemas.microsoft.com/office/drawing/2014/main" id="{B4DE186E-C972-F843-BB22-69A2A4C544AD}"/>
+                    </a:ext>
+                  </a:extLst>
+                </p:cNvPr>
+                <p:cNvSpPr/>
+                <p:nvPr/>
+              </p:nvSpPr>
+              <p:spPr>
+                <a:xfrm>
+                  <a:off x="2594517" y="2668859"/>
+                  <a:ext cx="713678" cy="639336"/>
+                </a:xfrm>
+                <a:prstGeom prst="roundRect">
+                  <a:avLst/>
+                </a:prstGeom>
+                <a:noFill/>
+                <a:ln w="38100">
+                  <a:solidFill>
+                    <a:srgbClr val="C00000"/>
+                  </a:solidFill>
+                </a:ln>
+              </p:spPr>
+              <p:style>
+                <a:lnRef idx="2">
+                  <a:schemeClr val="accent1">
+                    <a:shade val="50000"/>
+                  </a:schemeClr>
+                </a:lnRef>
+                <a:fillRef idx="1">
+                  <a:schemeClr val="accent1"/>
+                </a:fillRef>
+                <a:effectRef idx="0">
+                  <a:schemeClr val="accent1"/>
+                </a:effectRef>
+                <a:fontRef idx="minor">
+                  <a:schemeClr val="lt1"/>
+                </a:fontRef>
+              </p:style>
+              <p:txBody>
+                <a:bodyPr rtlCol="0" anchor="ctr"/>
+                <a:lstStyle/>
+                <a:p>
+                  <a:pPr algn="ctr"/>
+                  <a:endParaRPr kumimoji="1" lang="ja-JP" altLang="en-US"/>
+                </a:p>
+              </p:txBody>
+            </p:sp>
+            <p:cxnSp>
+              <p:nvCxnSpPr>
+                <p:cNvPr id="17" name="直線矢印コネクタ 16">
+                  <a:extLst>
+                    <a:ext uri="{FF2B5EF4-FFF2-40B4-BE49-F238E27FC236}">
+                      <a16:creationId xmlns:a16="http://schemas.microsoft.com/office/drawing/2014/main" id="{2B89F25E-80FB-974F-80B5-EEFA48CB2CBC}"/>
+                    </a:ext>
+                  </a:extLst>
+                </p:cNvPr>
+                <p:cNvCxnSpPr>
+                  <a:cxnSpLocks/>
+                  <a:stCxn id="18" idx="1"/>
+                </p:cNvCxnSpPr>
+                <p:nvPr/>
+              </p:nvCxnSpPr>
+              <p:spPr>
+                <a:xfrm flipH="1">
+                  <a:off x="3308195" y="2660490"/>
+                  <a:ext cx="1553737" cy="319048"/>
+                </a:xfrm>
+                <a:prstGeom prst="straightConnector1">
+                  <a:avLst/>
+                </a:prstGeom>
+                <a:ln w="28575">
+                  <a:solidFill>
+                    <a:srgbClr val="C00000"/>
+                  </a:solidFill>
+                  <a:tailEnd type="triangle" w="lg" len="lg"/>
+                </a:ln>
+              </p:spPr>
+              <p:style>
+                <a:lnRef idx="1">
+                  <a:schemeClr val="accent1"/>
+                </a:lnRef>
+                <a:fillRef idx="0">
+                  <a:schemeClr val="accent1"/>
+                </a:fillRef>
+                <a:effectRef idx="0">
+                  <a:schemeClr val="accent1"/>
+                </a:effectRef>
+                <a:fontRef idx="minor">
+                  <a:schemeClr val="tx1"/>
+                </a:fontRef>
+              </p:style>
+            </p:cxnSp>
+            <p:sp>
+              <p:nvSpPr>
+                <p:cNvPr id="18" name="テキスト ボックス 17">
+                  <a:extLst>
+                    <a:ext uri="{FF2B5EF4-FFF2-40B4-BE49-F238E27FC236}">
+                      <a16:creationId xmlns:a16="http://schemas.microsoft.com/office/drawing/2014/main" id="{728D62CE-7AD9-8343-A992-05F31A0E0A58}"/>
+                    </a:ext>
+                  </a:extLst>
+                </p:cNvPr>
+                <p:cNvSpPr txBox="1"/>
+                <p:nvPr/>
+              </p:nvSpPr>
+              <p:spPr>
+                <a:xfrm>
+                  <a:off x="4861932" y="1783327"/>
+                  <a:ext cx="5218770" cy="1754326"/>
+                </a:xfrm>
+                <a:prstGeom prst="rect">
+                  <a:avLst/>
+                </a:prstGeom>
+                <a:noFill/>
+              </p:spPr>
+              <p:txBody>
+                <a:bodyPr wrap="square" rtlCol="0">
+                  <a:spAutoFit/>
+                </a:bodyPr>
+                <a:lstStyle/>
+                <a:p>
+                  <a:r>
+                    <a:rPr lang="ja-JP" altLang="en-US" sz="3600">
+                      <a:solidFill>
+                        <a:srgbClr val="C00000"/>
+                      </a:solidFill>
+                    </a:rPr>
+                    <a:t>この投球が終わるまで、前のフレームのボーナスは確定しない</a:t>
+                  </a:r>
+                  <a:endParaRPr kumimoji="1" lang="ja-JP" altLang="en-US" sz="3600">
+                    <a:solidFill>
+                      <a:srgbClr val="C00000"/>
+                    </a:solidFill>
+                  </a:endParaRPr>
+                </a:p>
+              </p:txBody>
+            </p:sp>
+            <p:sp>
+              <p:nvSpPr>
+                <p:cNvPr id="15" name="テキスト ボックス 14">
+                  <a:extLst>
+                    <a:ext uri="{FF2B5EF4-FFF2-40B4-BE49-F238E27FC236}">
+                      <a16:creationId xmlns:a16="http://schemas.microsoft.com/office/drawing/2014/main" id="{7BAA3B4A-C112-A64D-8EDB-33972CF09BA0}"/>
+                    </a:ext>
+                  </a:extLst>
+                </p:cNvPr>
+                <p:cNvSpPr txBox="1"/>
+                <p:nvPr/>
+              </p:nvSpPr>
+              <p:spPr>
+                <a:xfrm>
+                  <a:off x="4633980" y="3448812"/>
+                  <a:ext cx="5218770" cy="1200329"/>
+                </a:xfrm>
+                <a:prstGeom prst="rect">
+                  <a:avLst/>
+                </a:prstGeom>
+                <a:noFill/>
+              </p:spPr>
+              <p:txBody>
+                <a:bodyPr wrap="square" rtlCol="0">
+                  <a:spAutoFit/>
+                </a:bodyPr>
+                <a:lstStyle/>
+                <a:p>
+                  <a:r>
+                    <a:rPr lang="ja-JP" altLang="en-US" sz="3600">
+                      <a:solidFill>
+                        <a:srgbClr val="C00000"/>
+                      </a:solidFill>
+                    </a:rPr>
+                    <a:t>ボーナスが確定しないと、</a:t>
+                  </a:r>
+                  <a:br>
+                    <a:rPr lang="en-US" altLang="ja-JP" sz="3600" dirty="0">
+                      <a:solidFill>
+                        <a:srgbClr val="C00000"/>
+                      </a:solidFill>
+                    </a:rPr>
+                  </a:br>
+                  <a:r>
+                    <a:rPr lang="ja-JP" altLang="en-US" sz="3600">
+                      <a:solidFill>
+                        <a:srgbClr val="C00000"/>
+                      </a:solidFill>
+                    </a:rPr>
+                    <a:t>トータルが出せない</a:t>
+                  </a:r>
+                  <a:endParaRPr kumimoji="1" lang="ja-JP" altLang="en-US" sz="3600">
+                    <a:solidFill>
+                      <a:srgbClr val="C00000"/>
+                    </a:solidFill>
+                  </a:endParaRPr>
+                </a:p>
+              </p:txBody>
+            </p:sp>
+          </p:grpSp>
+        </p:grpSp>
+        <p:sp>
+          <p:nvSpPr>
+            <p:cNvPr id="10" name="角丸四角形 9">
               <a:extLst>
-                <a:ext uri="{28A0092B-C50C-407E-A947-70E740481C1C}">
-                  <a14:useLocalDpi xmlns:a14="http://schemas.microsoft.com/office/drawing/2010/main" val="0"/>
+                <a:ext uri="{FF2B5EF4-FFF2-40B4-BE49-F238E27FC236}">
+                  <a16:creationId xmlns:a16="http://schemas.microsoft.com/office/drawing/2014/main" id="{42A4C7B8-4FBB-B144-B8BF-D466FD60732C}"/>
                 </a:ext>
               </a:extLst>
-            </a:blip>
-            <a:stretch>
-              <a:fillRect/>
-            </a:stretch>
-          </p:blipFill>
+            </p:cNvPr>
+            <p:cNvSpPr/>
+            <p:nvPr/>
+          </p:nvSpPr>
           <p:spPr>
             <a:xfrm>
-              <a:off x="736716" y="1783327"/>
-              <a:ext cx="3520548" cy="2829012"/>
+              <a:off x="1181003" y="3662179"/>
+              <a:ext cx="949906" cy="773597"/>
             </a:xfrm>
-            <a:prstGeom prst="rect">
+            <a:prstGeom prst="roundRect">
               <a:avLst/>
             </a:prstGeom>
+            <a:noFill/>
+            <a:ln w="38100">
+              <a:solidFill>
+                <a:srgbClr val="C00000"/>
+              </a:solidFill>
+            </a:ln>
           </p:spPr>
-        </p:pic>
+          <p:style>
+            <a:lnRef idx="2">
+              <a:schemeClr val="accent1">
+                <a:shade val="50000"/>
+              </a:schemeClr>
+            </a:lnRef>
+            <a:fillRef idx="1">
+              <a:schemeClr val="accent1"/>
+            </a:fillRef>
+            <a:effectRef idx="0">
+              <a:schemeClr val="accent1"/>
+            </a:effectRef>
+            <a:fontRef idx="minor">
+              <a:schemeClr val="lt1"/>
+            </a:fontRef>
+          </p:style>
+          <p:txBody>
+            <a:bodyPr rtlCol="0" anchor="ctr"/>
+            <a:lstStyle/>
+            <a:p>
+              <a:pPr algn="ctr"/>
+              <a:endParaRPr kumimoji="1" lang="ja-JP" altLang="en-US"/>
+            </a:p>
+          </p:txBody>
+        </p:sp>
+        <p:cxnSp>
+          <p:nvCxnSpPr>
+            <p:cNvPr id="11" name="直線矢印コネクタ 10">
+              <a:extLst>
+                <a:ext uri="{FF2B5EF4-FFF2-40B4-BE49-F238E27FC236}">
+                  <a16:creationId xmlns:a16="http://schemas.microsoft.com/office/drawing/2014/main" id="{92DC43EA-2A40-B147-9429-1E920A4498F1}"/>
+                </a:ext>
+              </a:extLst>
+            </p:cNvPr>
+            <p:cNvCxnSpPr>
+              <a:cxnSpLocks/>
+              <a:stCxn id="15" idx="1"/>
+            </p:cNvCxnSpPr>
+            <p:nvPr/>
+          </p:nvCxnSpPr>
+          <p:spPr>
+            <a:xfrm flipH="1" flipV="1">
+              <a:off x="2130909" y="4039988"/>
+              <a:ext cx="2503071" cy="8989"/>
+            </a:xfrm>
+            <a:prstGeom prst="straightConnector1">
+              <a:avLst/>
+            </a:prstGeom>
+            <a:ln w="28575">
+              <a:solidFill>
+                <a:srgbClr val="C00000"/>
+              </a:solidFill>
+              <a:tailEnd type="triangle" w="lg" len="lg"/>
+            </a:ln>
+          </p:spPr>
+          <p:style>
+            <a:lnRef idx="1">
+              <a:schemeClr val="accent1"/>
+            </a:lnRef>
+            <a:fillRef idx="0">
+              <a:schemeClr val="accent1"/>
+            </a:fillRef>
+            <a:effectRef idx="0">
+              <a:schemeClr val="accent1"/>
+            </a:effectRef>
+            <a:fontRef idx="minor">
+              <a:schemeClr val="tx1"/>
+            </a:fontRef>
+          </p:style>
+        </p:cxnSp>
+      </p:grpSp>
+    </p:spTree>
+    <p:extLst>
+      <p:ext uri="{BB962C8B-B14F-4D97-AF65-F5344CB8AC3E}">
+        <p14:creationId xmlns:p14="http://schemas.microsoft.com/office/powerpoint/2010/main" val="2876198004"/>
+      </p:ext>
+    </p:extLst>
+  </p:cSld>
+  <p:clrMapOvr>
+    <a:masterClrMapping/>
+  </p:clrMapOvr>
+</p:sld>
+</file>
+
+<file path=ppt/slides/slide8.xml><?xml version="1.0" encoding="utf-8"?>
+<p:sld xmlns:a="http://schemas.openxmlformats.org/drawingml/2006/main" xmlns:r="http://schemas.openxmlformats.org/officeDocument/2006/relationships" xmlns:p="http://schemas.openxmlformats.org/presentationml/2006/main">
+  <p:cSld>
+    <p:spTree>
+      <p:nvGrpSpPr>
+        <p:cNvPr id="1" name=""/>
+        <p:cNvGrpSpPr/>
+        <p:nvPr/>
+      </p:nvGrpSpPr>
+      <p:grpSpPr>
+        <a:xfrm>
+          <a:off x="0" y="0"/>
+          <a:ext cx="0" cy="0"/>
+          <a:chOff x="0" y="0"/>
+          <a:chExt cx="0" cy="0"/>
+        </a:xfrm>
+      </p:grpSpPr>
+      <p:sp>
+        <p:nvSpPr>
+          <p:cNvPr id="9" name="テキスト ボックス 8">
+            <a:extLst>
+              <a:ext uri="{FF2B5EF4-FFF2-40B4-BE49-F238E27FC236}">
+                <a16:creationId xmlns:a16="http://schemas.microsoft.com/office/drawing/2014/main" id="{79BC3667-D168-494B-B5E7-2607E1080F8C}"/>
+              </a:ext>
+            </a:extLst>
+          </p:cNvPr>
+          <p:cNvSpPr txBox="1"/>
+          <p:nvPr/>
+        </p:nvSpPr>
+        <p:spPr>
+          <a:xfrm>
+            <a:off x="669073" y="156117"/>
+            <a:ext cx="2201244" cy="646331"/>
+          </a:xfrm>
+          <a:prstGeom prst="rect">
+            <a:avLst/>
+          </a:prstGeom>
+          <a:noFill/>
+        </p:spPr>
+        <p:txBody>
+          <a:bodyPr wrap="none" rtlCol="0">
+            <a:spAutoFit/>
+          </a:bodyPr>
+          <a:lstStyle/>
+          <a:p>
+            <a:r>
+              <a:rPr kumimoji="1" lang="en-US" altLang="ja-JP" dirty="0"/>
+              <a:t>PENDING(strike)</a:t>
+            </a:r>
+          </a:p>
+          <a:p>
+            <a:r>
+              <a:rPr lang="en-US" altLang="ja-JP" dirty="0" err="1"/>
+              <a:t>pending_strike.png</a:t>
+            </a:r>
+            <a:endParaRPr kumimoji="1" lang="en-US" altLang="ja-JP" dirty="0"/>
+          </a:p>
+        </p:txBody>
+      </p:sp>
+      <p:grpSp>
+        <p:nvGrpSpPr>
+          <p:cNvPr id="3" name="グループ化 2">
+            <a:extLst>
+              <a:ext uri="{FF2B5EF4-FFF2-40B4-BE49-F238E27FC236}">
+                <a16:creationId xmlns:a16="http://schemas.microsoft.com/office/drawing/2014/main" id="{EB7EA67F-7213-5A4F-B611-36FD2D9EE277}"/>
+              </a:ext>
+            </a:extLst>
+          </p:cNvPr>
+          <p:cNvGrpSpPr/>
+          <p:nvPr/>
+        </p:nvGrpSpPr>
+        <p:grpSpPr>
+          <a:xfrm>
+            <a:off x="360000" y="1439999"/>
+            <a:ext cx="11520000" cy="3528000"/>
+            <a:chOff x="360000" y="1439999"/>
+            <a:chExt cx="11520000" cy="3528000"/>
+          </a:xfrm>
+        </p:grpSpPr>
         <p:grpSp>
           <p:nvGrpSpPr>
             <p:cNvPr id="19" name="グループ化 18">
@@ -8891,6 +9519,568 @@
               <a:chExt cx="11520000" cy="3528000"/>
             </a:xfrm>
           </p:grpSpPr>
+          <p:grpSp>
+            <p:nvGrpSpPr>
+              <p:cNvPr id="13" name="グループ化 12">
+                <a:extLst>
+                  <a:ext uri="{FF2B5EF4-FFF2-40B4-BE49-F238E27FC236}">
+                    <a16:creationId xmlns:a16="http://schemas.microsoft.com/office/drawing/2014/main" id="{09EB36FA-826C-7141-9F4E-44F1457DDFC2}"/>
+                  </a:ext>
+                </a:extLst>
+              </p:cNvPr>
+              <p:cNvGrpSpPr/>
+              <p:nvPr/>
+            </p:nvGrpSpPr>
+            <p:grpSpPr>
+              <a:xfrm>
+                <a:off x="360000" y="1439999"/>
+                <a:ext cx="11520000" cy="3528000"/>
+                <a:chOff x="360000" y="1439999"/>
+                <a:chExt cx="11520000" cy="3528000"/>
+              </a:xfrm>
+            </p:grpSpPr>
+            <p:pic>
+              <p:nvPicPr>
+                <p:cNvPr id="12" name="図 11" descr="ダイアグラム, じょうごグラフ&#10;&#10;自動的に生成された説明">
+                  <a:extLst>
+                    <a:ext uri="{FF2B5EF4-FFF2-40B4-BE49-F238E27FC236}">
+                      <a16:creationId xmlns:a16="http://schemas.microsoft.com/office/drawing/2014/main" id="{39C8279E-AD77-6E4F-9570-E85115934A05}"/>
+                    </a:ext>
+                  </a:extLst>
+                </p:cNvPr>
+                <p:cNvPicPr>
+                  <a:picLocks noChangeAspect="1"/>
+                </p:cNvPicPr>
+                <p:nvPr/>
+              </p:nvPicPr>
+              <p:blipFill>
+                <a:blip r:embed="rId2">
+                  <a:extLst>
+                    <a:ext uri="{28A0092B-C50C-407E-A947-70E740481C1C}">
+                      <a14:useLocalDpi xmlns:a14="http://schemas.microsoft.com/office/drawing/2010/main" val="0"/>
+                    </a:ext>
+                  </a:extLst>
+                </a:blip>
+                <a:stretch>
+                  <a:fillRect/>
+                </a:stretch>
+              </p:blipFill>
+              <p:spPr>
+                <a:xfrm>
+                  <a:off x="736716" y="1783327"/>
+                  <a:ext cx="3520549" cy="2829013"/>
+                </a:xfrm>
+                <a:prstGeom prst="rect">
+                  <a:avLst/>
+                </a:prstGeom>
+              </p:spPr>
+            </p:pic>
+            <p:sp>
+              <p:nvSpPr>
+                <p:cNvPr id="8" name="正方形/長方形 7">
+                  <a:extLst>
+                    <a:ext uri="{FF2B5EF4-FFF2-40B4-BE49-F238E27FC236}">
+                      <a16:creationId xmlns:a16="http://schemas.microsoft.com/office/drawing/2014/main" id="{CD336A79-D244-E142-B007-E4AFCCB074CD}"/>
+                    </a:ext>
+                  </a:extLst>
+                </p:cNvPr>
+                <p:cNvSpPr/>
+                <p:nvPr/>
+              </p:nvSpPr>
+              <p:spPr>
+                <a:xfrm>
+                  <a:off x="360000" y="1439999"/>
+                  <a:ext cx="11520000" cy="3528000"/>
+                </a:xfrm>
+                <a:prstGeom prst="rect">
+                  <a:avLst/>
+                </a:prstGeom>
+                <a:noFill/>
+                <a:ln>
+                  <a:noFill/>
+                </a:ln>
+              </p:spPr>
+              <p:style>
+                <a:lnRef idx="2">
+                  <a:schemeClr val="accent1">
+                    <a:shade val="50000"/>
+                  </a:schemeClr>
+                </a:lnRef>
+                <a:fillRef idx="1">
+                  <a:schemeClr val="accent1"/>
+                </a:fillRef>
+                <a:effectRef idx="0">
+                  <a:schemeClr val="accent1"/>
+                </a:effectRef>
+                <a:fontRef idx="minor">
+                  <a:schemeClr val="lt1"/>
+                </a:fontRef>
+              </p:style>
+              <p:txBody>
+                <a:bodyPr rtlCol="0" anchor="ctr"/>
+                <a:lstStyle/>
+                <a:p>
+                  <a:pPr algn="ctr"/>
+                  <a:endParaRPr kumimoji="1" lang="ja-JP" altLang="en-US"/>
+                </a:p>
+              </p:txBody>
+            </p:sp>
+          </p:grpSp>
+          <p:sp>
+            <p:nvSpPr>
+              <p:cNvPr id="14" name="角丸四角形 13">
+                <a:extLst>
+                  <a:ext uri="{FF2B5EF4-FFF2-40B4-BE49-F238E27FC236}">
+                    <a16:creationId xmlns:a16="http://schemas.microsoft.com/office/drawing/2014/main" id="{B4DE186E-C972-F843-BB22-69A2A4C544AD}"/>
+                  </a:ext>
+                </a:extLst>
+              </p:cNvPr>
+              <p:cNvSpPr/>
+              <p:nvPr/>
+            </p:nvSpPr>
+            <p:spPr>
+              <a:xfrm>
+                <a:off x="3434576" y="2668859"/>
+                <a:ext cx="713678" cy="639336"/>
+              </a:xfrm>
+              <a:prstGeom prst="roundRect">
+                <a:avLst/>
+              </a:prstGeom>
+              <a:noFill/>
+              <a:ln w="38100">
+                <a:solidFill>
+                  <a:srgbClr val="C00000"/>
+                </a:solidFill>
+              </a:ln>
+            </p:spPr>
+            <p:style>
+              <a:lnRef idx="2">
+                <a:schemeClr val="accent1">
+                  <a:shade val="50000"/>
+                </a:schemeClr>
+              </a:lnRef>
+              <a:fillRef idx="1">
+                <a:schemeClr val="accent1"/>
+              </a:fillRef>
+              <a:effectRef idx="0">
+                <a:schemeClr val="accent1"/>
+              </a:effectRef>
+              <a:fontRef idx="minor">
+                <a:schemeClr val="lt1"/>
+              </a:fontRef>
+            </p:style>
+            <p:txBody>
+              <a:bodyPr rtlCol="0" anchor="ctr"/>
+              <a:lstStyle/>
+              <a:p>
+                <a:pPr algn="ctr"/>
+                <a:endParaRPr kumimoji="1" lang="ja-JP" altLang="en-US"/>
+              </a:p>
+            </p:txBody>
+          </p:sp>
+          <p:cxnSp>
+            <p:nvCxnSpPr>
+              <p:cNvPr id="17" name="直線矢印コネクタ 16">
+                <a:extLst>
+                  <a:ext uri="{FF2B5EF4-FFF2-40B4-BE49-F238E27FC236}">
+                    <a16:creationId xmlns:a16="http://schemas.microsoft.com/office/drawing/2014/main" id="{2B89F25E-80FB-974F-80B5-EEFA48CB2CBC}"/>
+                  </a:ext>
+                </a:extLst>
+              </p:cNvPr>
+              <p:cNvCxnSpPr>
+                <a:cxnSpLocks/>
+                <a:stCxn id="20" idx="1"/>
+              </p:cNvCxnSpPr>
+              <p:nvPr/>
+            </p:nvCxnSpPr>
+            <p:spPr>
+              <a:xfrm flipH="1">
+                <a:off x="4148254" y="2660490"/>
+                <a:ext cx="713678" cy="319049"/>
+              </a:xfrm>
+              <a:prstGeom prst="straightConnector1">
+                <a:avLst/>
+              </a:prstGeom>
+              <a:ln w="28575">
+                <a:solidFill>
+                  <a:srgbClr val="C00000"/>
+                </a:solidFill>
+                <a:tailEnd type="triangle" w="lg" len="lg"/>
+              </a:ln>
+            </p:spPr>
+            <p:style>
+              <a:lnRef idx="1">
+                <a:schemeClr val="accent1"/>
+              </a:lnRef>
+              <a:fillRef idx="0">
+                <a:schemeClr val="accent1"/>
+              </a:fillRef>
+              <a:effectRef idx="0">
+                <a:schemeClr val="accent1"/>
+              </a:effectRef>
+              <a:fontRef idx="minor">
+                <a:schemeClr val="tx1"/>
+              </a:fontRef>
+            </p:style>
+          </p:cxnSp>
+        </p:grpSp>
+        <p:sp>
+          <p:nvSpPr>
+            <p:cNvPr id="20" name="テキスト ボックス 19">
+              <a:extLst>
+                <a:ext uri="{FF2B5EF4-FFF2-40B4-BE49-F238E27FC236}">
+                  <a16:creationId xmlns:a16="http://schemas.microsoft.com/office/drawing/2014/main" id="{30FAF461-5F0C-D14B-8588-408F521FA02B}"/>
+                </a:ext>
+              </a:extLst>
+            </p:cNvPr>
+            <p:cNvSpPr txBox="1"/>
+            <p:nvPr/>
+          </p:nvSpPr>
+          <p:spPr>
+            <a:xfrm>
+              <a:off x="4861932" y="1783327"/>
+              <a:ext cx="5218770" cy="1754326"/>
+            </a:xfrm>
+            <a:prstGeom prst="rect">
+              <a:avLst/>
+            </a:prstGeom>
+            <a:noFill/>
+          </p:spPr>
+          <p:txBody>
+            <a:bodyPr wrap="square" rtlCol="0">
+              <a:spAutoFit/>
+            </a:bodyPr>
+            <a:lstStyle/>
+            <a:p>
+              <a:r>
+                <a:rPr lang="ja-JP" altLang="en-US" sz="3600">
+                  <a:solidFill>
+                    <a:srgbClr val="C00000"/>
+                  </a:solidFill>
+                </a:rPr>
+                <a:t>この投球が終わるまで、前のフレームのボーナスは確定しない</a:t>
+              </a:r>
+              <a:endParaRPr kumimoji="1" lang="ja-JP" altLang="en-US" sz="3600">
+                <a:solidFill>
+                  <a:srgbClr val="C00000"/>
+                </a:solidFill>
+              </a:endParaRPr>
+            </a:p>
+          </p:txBody>
+        </p:sp>
+        <p:sp>
+          <p:nvSpPr>
+            <p:cNvPr id="21" name="テキスト ボックス 20">
+              <a:extLst>
+                <a:ext uri="{FF2B5EF4-FFF2-40B4-BE49-F238E27FC236}">
+                  <a16:creationId xmlns:a16="http://schemas.microsoft.com/office/drawing/2014/main" id="{50534E91-BBA9-F54B-8E68-1C4837A45767}"/>
+                </a:ext>
+              </a:extLst>
+            </p:cNvPr>
+            <p:cNvSpPr txBox="1"/>
+            <p:nvPr/>
+          </p:nvSpPr>
+          <p:spPr>
+            <a:xfrm>
+              <a:off x="4633980" y="3448812"/>
+              <a:ext cx="5218770" cy="1200329"/>
+            </a:xfrm>
+            <a:prstGeom prst="rect">
+              <a:avLst/>
+            </a:prstGeom>
+            <a:noFill/>
+          </p:spPr>
+          <p:txBody>
+            <a:bodyPr wrap="square" rtlCol="0">
+              <a:spAutoFit/>
+            </a:bodyPr>
+            <a:lstStyle/>
+            <a:p>
+              <a:r>
+                <a:rPr lang="ja-JP" altLang="en-US" sz="3600">
+                  <a:solidFill>
+                    <a:srgbClr val="C00000"/>
+                  </a:solidFill>
+                </a:rPr>
+                <a:t>ボーナスが確定しないと、</a:t>
+              </a:r>
+              <a:br>
+                <a:rPr lang="en-US" altLang="ja-JP" sz="3600" dirty="0">
+                  <a:solidFill>
+                    <a:srgbClr val="C00000"/>
+                  </a:solidFill>
+                </a:rPr>
+              </a:br>
+              <a:r>
+                <a:rPr lang="ja-JP" altLang="en-US" sz="3600">
+                  <a:solidFill>
+                    <a:srgbClr val="C00000"/>
+                  </a:solidFill>
+                </a:rPr>
+                <a:t>トータルが出せない</a:t>
+              </a:r>
+              <a:endParaRPr kumimoji="1" lang="ja-JP" altLang="en-US" sz="3600">
+                <a:solidFill>
+                  <a:srgbClr val="C00000"/>
+                </a:solidFill>
+              </a:endParaRPr>
+            </a:p>
+          </p:txBody>
+        </p:sp>
+        <p:sp>
+          <p:nvSpPr>
+            <p:cNvPr id="22" name="角丸四角形 21">
+              <a:extLst>
+                <a:ext uri="{FF2B5EF4-FFF2-40B4-BE49-F238E27FC236}">
+                  <a16:creationId xmlns:a16="http://schemas.microsoft.com/office/drawing/2014/main" id="{2C159863-3E4C-0A44-BF95-279AFE593455}"/>
+                </a:ext>
+              </a:extLst>
+            </p:cNvPr>
+            <p:cNvSpPr/>
+            <p:nvPr/>
+          </p:nvSpPr>
+          <p:spPr>
+            <a:xfrm>
+              <a:off x="1181003" y="3662179"/>
+              <a:ext cx="949906" cy="773597"/>
+            </a:xfrm>
+            <a:prstGeom prst="roundRect">
+              <a:avLst/>
+            </a:prstGeom>
+            <a:noFill/>
+            <a:ln w="38100">
+              <a:solidFill>
+                <a:srgbClr val="C00000"/>
+              </a:solidFill>
+            </a:ln>
+          </p:spPr>
+          <p:style>
+            <a:lnRef idx="2">
+              <a:schemeClr val="accent1">
+                <a:shade val="50000"/>
+              </a:schemeClr>
+            </a:lnRef>
+            <a:fillRef idx="1">
+              <a:schemeClr val="accent1"/>
+            </a:fillRef>
+            <a:effectRef idx="0">
+              <a:schemeClr val="accent1"/>
+            </a:effectRef>
+            <a:fontRef idx="minor">
+              <a:schemeClr val="lt1"/>
+            </a:fontRef>
+          </p:style>
+          <p:txBody>
+            <a:bodyPr rtlCol="0" anchor="ctr"/>
+            <a:lstStyle/>
+            <a:p>
+              <a:pPr algn="ctr"/>
+              <a:endParaRPr kumimoji="1" lang="ja-JP" altLang="en-US"/>
+            </a:p>
+          </p:txBody>
+        </p:sp>
+        <p:cxnSp>
+          <p:nvCxnSpPr>
+            <p:cNvPr id="23" name="直線矢印コネクタ 22">
+              <a:extLst>
+                <a:ext uri="{FF2B5EF4-FFF2-40B4-BE49-F238E27FC236}">
+                  <a16:creationId xmlns:a16="http://schemas.microsoft.com/office/drawing/2014/main" id="{8F767093-44B7-404D-8367-931BCCB8391D}"/>
+                </a:ext>
+              </a:extLst>
+            </p:cNvPr>
+            <p:cNvCxnSpPr>
+              <a:cxnSpLocks/>
+              <a:stCxn id="21" idx="1"/>
+            </p:cNvCxnSpPr>
+            <p:nvPr/>
+          </p:nvCxnSpPr>
+          <p:spPr>
+            <a:xfrm flipH="1" flipV="1">
+              <a:off x="2130909" y="4039988"/>
+              <a:ext cx="2503071" cy="8989"/>
+            </a:xfrm>
+            <a:prstGeom prst="straightConnector1">
+              <a:avLst/>
+            </a:prstGeom>
+            <a:ln w="28575">
+              <a:solidFill>
+                <a:srgbClr val="C00000"/>
+              </a:solidFill>
+              <a:tailEnd type="triangle" w="lg" len="lg"/>
+            </a:ln>
+          </p:spPr>
+          <p:style>
+            <a:lnRef idx="1">
+              <a:schemeClr val="accent1"/>
+            </a:lnRef>
+            <a:fillRef idx="0">
+              <a:schemeClr val="accent1"/>
+            </a:fillRef>
+            <a:effectRef idx="0">
+              <a:schemeClr val="accent1"/>
+            </a:effectRef>
+            <a:fontRef idx="minor">
+              <a:schemeClr val="tx1"/>
+            </a:fontRef>
+          </p:style>
+        </p:cxnSp>
+      </p:grpSp>
+    </p:spTree>
+    <p:extLst>
+      <p:ext uri="{BB962C8B-B14F-4D97-AF65-F5344CB8AC3E}">
+        <p14:creationId xmlns:p14="http://schemas.microsoft.com/office/powerpoint/2010/main" val="1140187505"/>
+      </p:ext>
+    </p:extLst>
+  </p:cSld>
+  <p:clrMapOvr>
+    <a:masterClrMapping/>
+  </p:clrMapOvr>
+</p:sld>
+</file>
+
+<file path=ppt/slides/slide9.xml><?xml version="1.0" encoding="utf-8"?>
+<p:sld xmlns:a="http://schemas.openxmlformats.org/drawingml/2006/main" xmlns:r="http://schemas.openxmlformats.org/officeDocument/2006/relationships" xmlns:p="http://schemas.openxmlformats.org/presentationml/2006/main">
+  <p:cSld>
+    <p:spTree>
+      <p:nvGrpSpPr>
+        <p:cNvPr id="1" name=""/>
+        <p:cNvGrpSpPr/>
+        <p:nvPr/>
+      </p:nvGrpSpPr>
+      <p:grpSpPr>
+        <a:xfrm>
+          <a:off x="0" y="0"/>
+          <a:ext cx="0" cy="0"/>
+          <a:chOff x="0" y="0"/>
+          <a:chExt cx="0" cy="0"/>
+        </a:xfrm>
+      </p:grpSpPr>
+      <p:sp>
+        <p:nvSpPr>
+          <p:cNvPr id="9" name="テキスト ボックス 8">
+            <a:extLst>
+              <a:ext uri="{FF2B5EF4-FFF2-40B4-BE49-F238E27FC236}">
+                <a16:creationId xmlns:a16="http://schemas.microsoft.com/office/drawing/2014/main" id="{79BC3667-D168-494B-B5E7-2607E1080F8C}"/>
+              </a:ext>
+            </a:extLst>
+          </p:cNvPr>
+          <p:cNvSpPr txBox="1"/>
+          <p:nvPr/>
+        </p:nvSpPr>
+        <p:spPr>
+          <a:xfrm>
+            <a:off x="669073" y="156117"/>
+            <a:ext cx="2329484" cy="646331"/>
+          </a:xfrm>
+          <a:prstGeom prst="rect">
+            <a:avLst/>
+          </a:prstGeom>
+          <a:noFill/>
+        </p:spPr>
+        <p:txBody>
+          <a:bodyPr wrap="none" rtlCol="0">
+            <a:spAutoFit/>
+          </a:bodyPr>
+          <a:lstStyle/>
+          <a:p>
+            <a:r>
+              <a:rPr kumimoji="1" lang="en-US" altLang="ja-JP" dirty="0"/>
+              <a:t>PENDING(</a:t>
+            </a:r>
+            <a:r>
+              <a:rPr lang="en-US" altLang="ja-JP" dirty="0"/>
+              <a:t>double</a:t>
+            </a:r>
+            <a:r>
+              <a:rPr kumimoji="1" lang="en-US" altLang="ja-JP" dirty="0"/>
+              <a:t>)</a:t>
+            </a:r>
+          </a:p>
+          <a:p>
+            <a:r>
+              <a:rPr lang="en-US" altLang="ja-JP" dirty="0" err="1"/>
+              <a:t>pending_double.png</a:t>
+            </a:r>
+            <a:endParaRPr kumimoji="1" lang="en-US" altLang="ja-JP" dirty="0"/>
+          </a:p>
+        </p:txBody>
+      </p:sp>
+      <p:grpSp>
+        <p:nvGrpSpPr>
+          <p:cNvPr id="4" name="グループ化 3">
+            <a:extLst>
+              <a:ext uri="{FF2B5EF4-FFF2-40B4-BE49-F238E27FC236}">
+                <a16:creationId xmlns:a16="http://schemas.microsoft.com/office/drawing/2014/main" id="{065BA824-C180-3442-BE00-19698C607810}"/>
+              </a:ext>
+            </a:extLst>
+          </p:cNvPr>
+          <p:cNvGrpSpPr/>
+          <p:nvPr/>
+        </p:nvGrpSpPr>
+        <p:grpSpPr>
+          <a:xfrm>
+            <a:off x="360000" y="1439999"/>
+            <a:ext cx="11520000" cy="3528000"/>
+            <a:chOff x="360000" y="1439999"/>
+            <a:chExt cx="11520000" cy="3528000"/>
+          </a:xfrm>
+        </p:grpSpPr>
+        <p:grpSp>
+          <p:nvGrpSpPr>
+            <p:cNvPr id="5" name="グループ化 4">
+              <a:extLst>
+                <a:ext uri="{FF2B5EF4-FFF2-40B4-BE49-F238E27FC236}">
+                  <a16:creationId xmlns:a16="http://schemas.microsoft.com/office/drawing/2014/main" id="{77DB6763-F605-FC4D-8323-A0A0D001976E}"/>
+                </a:ext>
+              </a:extLst>
+            </p:cNvPr>
+            <p:cNvGrpSpPr/>
+            <p:nvPr/>
+          </p:nvGrpSpPr>
+          <p:grpSpPr>
+            <a:xfrm>
+              <a:off x="360000" y="1439999"/>
+              <a:ext cx="11520000" cy="3528000"/>
+              <a:chOff x="360000" y="1439999"/>
+              <a:chExt cx="11520000" cy="3528000"/>
+            </a:xfrm>
+          </p:grpSpPr>
+          <p:pic>
+            <p:nvPicPr>
+              <p:cNvPr id="3" name="図 2" descr="図形 が含まれている画像&#10;&#10;自動的に生成された説明">
+                <a:extLst>
+                  <a:ext uri="{FF2B5EF4-FFF2-40B4-BE49-F238E27FC236}">
+                    <a16:creationId xmlns:a16="http://schemas.microsoft.com/office/drawing/2014/main" id="{863F98CC-6380-3641-8DD5-54BFDDD01782}"/>
+                  </a:ext>
+                </a:extLst>
+              </p:cNvPr>
+              <p:cNvPicPr>
+                <a:picLocks noChangeAspect="1"/>
+              </p:cNvPicPr>
+              <p:nvPr/>
+            </p:nvPicPr>
+            <p:blipFill>
+              <a:blip r:embed="rId2">
+                <a:extLst>
+                  <a:ext uri="{28A0092B-C50C-407E-A947-70E740481C1C}">
+                    <a14:useLocalDpi xmlns:a14="http://schemas.microsoft.com/office/drawing/2010/main" val="0"/>
+                  </a:ext>
+                </a:extLst>
+              </a:blip>
+              <a:stretch>
+                <a:fillRect/>
+              </a:stretch>
+            </p:blipFill>
+            <p:spPr>
+              <a:xfrm>
+                <a:off x="736716" y="1790700"/>
+                <a:ext cx="5246158" cy="2821639"/>
+              </a:xfrm>
+              <a:prstGeom prst="rect">
+                <a:avLst/>
+              </a:prstGeom>
+            </p:spPr>
+          </p:pic>
           <p:sp>
             <p:nvSpPr>
               <p:cNvPr id="8" name="正方形/長方形 7">
@@ -8955,7 +10145,7 @@
             </p:nvSpPr>
             <p:spPr>
               <a:xfrm>
-                <a:off x="2594517" y="2668859"/>
+                <a:off x="4289498" y="2668859"/>
                 <a:ext cx="713678" cy="639336"/>
               </a:xfrm>
               <a:prstGeom prst="roundRect">
@@ -9004,13 +10194,14 @@
               </p:cNvPr>
               <p:cNvCxnSpPr>
                 <a:cxnSpLocks/>
+                <a:stCxn id="10" idx="1"/>
               </p:cNvCxnSpPr>
               <p:nvPr/>
             </p:nvCxnSpPr>
             <p:spPr>
               <a:xfrm flipH="1">
-                <a:off x="3308195" y="2979538"/>
-                <a:ext cx="1381079" cy="0"/>
+                <a:off x="5003176" y="2532025"/>
+                <a:ext cx="1547856" cy="447514"/>
               </a:xfrm>
               <a:prstGeom prst="straightConnector1">
                 <a:avLst/>
@@ -9037,257 +10228,116 @@
               </a:fontRef>
             </p:style>
           </p:cxnSp>
-          <p:sp>
-            <p:nvSpPr>
-              <p:cNvPr id="18" name="テキスト ボックス 17">
-                <a:extLst>
-                  <a:ext uri="{FF2B5EF4-FFF2-40B4-BE49-F238E27FC236}">
-                    <a16:creationId xmlns:a16="http://schemas.microsoft.com/office/drawing/2014/main" id="{728D62CE-7AD9-8343-A992-05F31A0E0A58}"/>
-                  </a:ext>
-                </a:extLst>
-              </p:cNvPr>
-              <p:cNvSpPr txBox="1"/>
-              <p:nvPr/>
-            </p:nvSpPr>
-            <p:spPr>
-              <a:xfrm>
-                <a:off x="4861932" y="2111364"/>
-                <a:ext cx="5218770" cy="1754326"/>
-              </a:xfrm>
-              <a:prstGeom prst="rect">
-                <a:avLst/>
-              </a:prstGeom>
-              <a:noFill/>
-            </p:spPr>
-            <p:txBody>
-              <a:bodyPr wrap="square" rtlCol="0">
-                <a:spAutoFit/>
-              </a:bodyPr>
-              <a:lstStyle/>
-              <a:p>
-                <a:r>
-                  <a:rPr lang="ja-JP" altLang="en-US" sz="3600">
-                    <a:solidFill>
-                      <a:srgbClr val="C00000"/>
-                    </a:solidFill>
-                  </a:rPr>
-                  <a:t>この投球が終わるまで、前のフレームのボーナスは確定しない</a:t>
-                </a:r>
-                <a:endParaRPr kumimoji="1" lang="ja-JP" altLang="en-US" sz="3600">
+        </p:grpSp>
+        <p:sp>
+          <p:nvSpPr>
+            <p:cNvPr id="10" name="テキスト ボックス 9">
+              <a:extLst>
+                <a:ext uri="{FF2B5EF4-FFF2-40B4-BE49-F238E27FC236}">
+                  <a16:creationId xmlns:a16="http://schemas.microsoft.com/office/drawing/2014/main" id="{DAFA7294-5D9F-2D49-BCE0-333A38BF5043}"/>
+                </a:ext>
+              </a:extLst>
+            </p:cNvPr>
+            <p:cNvSpPr txBox="1"/>
+            <p:nvPr/>
+          </p:nvSpPr>
+          <p:spPr>
+            <a:xfrm>
+              <a:off x="6551032" y="1654862"/>
+              <a:ext cx="5218770" cy="1754326"/>
+            </a:xfrm>
+            <a:prstGeom prst="rect">
+              <a:avLst/>
+            </a:prstGeom>
+            <a:noFill/>
+          </p:spPr>
+          <p:txBody>
+            <a:bodyPr wrap="square" rtlCol="0">
+              <a:spAutoFit/>
+            </a:bodyPr>
+            <a:lstStyle/>
+            <a:p>
+              <a:r>
+                <a:rPr lang="ja-JP" altLang="en-US" sz="3600">
                   <a:solidFill>
                     <a:srgbClr val="C00000"/>
                   </a:solidFill>
-                </a:endParaRPr>
-              </a:p>
-            </p:txBody>
-          </p:sp>
-        </p:grpSp>
-      </p:grpSp>
-    </p:spTree>
-    <p:extLst>
-      <p:ext uri="{BB962C8B-B14F-4D97-AF65-F5344CB8AC3E}">
-        <p14:creationId xmlns:p14="http://schemas.microsoft.com/office/powerpoint/2010/main" val="2876198004"/>
-      </p:ext>
-    </p:extLst>
-  </p:cSld>
-  <p:clrMapOvr>
-    <a:masterClrMapping/>
-  </p:clrMapOvr>
-</p:sld>
-</file>
-
-<file path=ppt/slides/slide8.xml><?xml version="1.0" encoding="utf-8"?>
-<p:sld xmlns:a="http://schemas.openxmlformats.org/drawingml/2006/main" xmlns:r="http://schemas.openxmlformats.org/officeDocument/2006/relationships" xmlns:p="http://schemas.openxmlformats.org/presentationml/2006/main">
-  <p:cSld>
-    <p:spTree>
-      <p:nvGrpSpPr>
-        <p:cNvPr id="1" name=""/>
-        <p:cNvGrpSpPr/>
-        <p:nvPr/>
-      </p:nvGrpSpPr>
-      <p:grpSpPr>
-        <a:xfrm>
-          <a:off x="0" y="0"/>
-          <a:ext cx="0" cy="0"/>
-          <a:chOff x="0" y="0"/>
-          <a:chExt cx="0" cy="0"/>
-        </a:xfrm>
-      </p:grpSpPr>
-      <p:sp>
-        <p:nvSpPr>
-          <p:cNvPr id="9" name="テキスト ボックス 8">
-            <a:extLst>
-              <a:ext uri="{FF2B5EF4-FFF2-40B4-BE49-F238E27FC236}">
-                <a16:creationId xmlns:a16="http://schemas.microsoft.com/office/drawing/2014/main" id="{79BC3667-D168-494B-B5E7-2607E1080F8C}"/>
-              </a:ext>
-            </a:extLst>
-          </p:cNvPr>
-          <p:cNvSpPr txBox="1"/>
-          <p:nvPr/>
-        </p:nvSpPr>
-        <p:spPr>
-          <a:xfrm>
-            <a:off x="669073" y="156117"/>
-            <a:ext cx="2201244" cy="646331"/>
-          </a:xfrm>
-          <a:prstGeom prst="rect">
-            <a:avLst/>
-          </a:prstGeom>
-          <a:noFill/>
-        </p:spPr>
-        <p:txBody>
-          <a:bodyPr wrap="none" rtlCol="0">
-            <a:spAutoFit/>
-          </a:bodyPr>
-          <a:lstStyle/>
-          <a:p>
-            <a:r>
-              <a:rPr kumimoji="1" lang="en-US" altLang="ja-JP" dirty="0"/>
-              <a:t>PENDING(strike)</a:t>
-            </a:r>
-          </a:p>
-          <a:p>
-            <a:r>
-              <a:rPr lang="en-US" altLang="ja-JP" dirty="0" err="1"/>
-              <a:t>pending_strike.png</a:t>
-            </a:r>
-            <a:endParaRPr kumimoji="1" lang="en-US" altLang="ja-JP" dirty="0"/>
-          </a:p>
-        </p:txBody>
-      </p:sp>
-      <p:grpSp>
-        <p:nvGrpSpPr>
-          <p:cNvPr id="19" name="グループ化 18">
-            <a:extLst>
-              <a:ext uri="{FF2B5EF4-FFF2-40B4-BE49-F238E27FC236}">
-                <a16:creationId xmlns:a16="http://schemas.microsoft.com/office/drawing/2014/main" id="{8E8C4AFE-5DAA-BF48-81C8-9763BD2B606C}"/>
-              </a:ext>
-            </a:extLst>
-          </p:cNvPr>
-          <p:cNvGrpSpPr/>
-          <p:nvPr/>
-        </p:nvGrpSpPr>
-        <p:grpSpPr>
-          <a:xfrm>
-            <a:off x="360000" y="1439999"/>
-            <a:ext cx="11520000" cy="3528000"/>
-            <a:chOff x="360000" y="1439999"/>
-            <a:chExt cx="11520000" cy="3528000"/>
-          </a:xfrm>
-        </p:grpSpPr>
-        <p:grpSp>
-          <p:nvGrpSpPr>
-            <p:cNvPr id="13" name="グループ化 12">
+                </a:rPr>
+                <a:t>この投球が終わるまで、前の前のフレームのボーナスは確定しない</a:t>
+              </a:r>
+              <a:endParaRPr kumimoji="1" lang="ja-JP" altLang="en-US" sz="3600">
+                <a:solidFill>
+                  <a:srgbClr val="C00000"/>
+                </a:solidFill>
+              </a:endParaRPr>
+            </a:p>
+          </p:txBody>
+        </p:sp>
+        <p:sp>
+          <p:nvSpPr>
+            <p:cNvPr id="11" name="テキスト ボックス 10">
               <a:extLst>
                 <a:ext uri="{FF2B5EF4-FFF2-40B4-BE49-F238E27FC236}">
-                  <a16:creationId xmlns:a16="http://schemas.microsoft.com/office/drawing/2014/main" id="{09EB36FA-826C-7141-9F4E-44F1457DDFC2}"/>
+                  <a16:creationId xmlns:a16="http://schemas.microsoft.com/office/drawing/2014/main" id="{BCCA6DC0-AF77-2E4F-90AF-69FB6FA3631E}"/>
                 </a:ext>
               </a:extLst>
             </p:cNvPr>
-            <p:cNvGrpSpPr/>
+            <p:cNvSpPr txBox="1"/>
             <p:nvPr/>
-          </p:nvGrpSpPr>
-          <p:grpSpPr>
+          </p:nvSpPr>
+          <p:spPr>
             <a:xfrm>
-              <a:off x="360000" y="1439999"/>
-              <a:ext cx="11520000" cy="3528000"/>
-              <a:chOff x="360000" y="1439999"/>
-              <a:chExt cx="11520000" cy="3528000"/>
+              <a:off x="4633980" y="3448812"/>
+              <a:ext cx="5218770" cy="1200329"/>
             </a:xfrm>
-          </p:grpSpPr>
-          <p:pic>
-            <p:nvPicPr>
-              <p:cNvPr id="12" name="図 11" descr="ダイアグラム, じょうごグラフ&#10;&#10;自動的に生成された説明">
-                <a:extLst>
-                  <a:ext uri="{FF2B5EF4-FFF2-40B4-BE49-F238E27FC236}">
-                    <a16:creationId xmlns:a16="http://schemas.microsoft.com/office/drawing/2014/main" id="{39C8279E-AD77-6E4F-9570-E85115934A05}"/>
-                  </a:ext>
-                </a:extLst>
-              </p:cNvPr>
-              <p:cNvPicPr>
-                <a:picLocks noChangeAspect="1"/>
-              </p:cNvPicPr>
-              <p:nvPr/>
-            </p:nvPicPr>
-            <p:blipFill>
-              <a:blip r:embed="rId2">
-                <a:extLst>
-                  <a:ext uri="{28A0092B-C50C-407E-A947-70E740481C1C}">
-                    <a14:useLocalDpi xmlns:a14="http://schemas.microsoft.com/office/drawing/2010/main" val="0"/>
-                  </a:ext>
-                </a:extLst>
-              </a:blip>
-              <a:stretch>
-                <a:fillRect/>
-              </a:stretch>
-            </p:blipFill>
-            <p:spPr>
-              <a:xfrm>
-                <a:off x="736716" y="1783327"/>
-                <a:ext cx="3520549" cy="2829013"/>
-              </a:xfrm>
-              <a:prstGeom prst="rect">
-                <a:avLst/>
-              </a:prstGeom>
-            </p:spPr>
-          </p:pic>
-          <p:sp>
-            <p:nvSpPr>
-              <p:cNvPr id="8" name="正方形/長方形 7">
-                <a:extLst>
-                  <a:ext uri="{FF2B5EF4-FFF2-40B4-BE49-F238E27FC236}">
-                    <a16:creationId xmlns:a16="http://schemas.microsoft.com/office/drawing/2014/main" id="{CD336A79-D244-E142-B007-E4AFCCB074CD}"/>
-                  </a:ext>
-                </a:extLst>
-              </p:cNvPr>
-              <p:cNvSpPr/>
-              <p:nvPr/>
-            </p:nvSpPr>
-            <p:spPr>
-              <a:xfrm>
-                <a:off x="360000" y="1439999"/>
-                <a:ext cx="11520000" cy="3528000"/>
-              </a:xfrm>
-              <a:prstGeom prst="rect">
-                <a:avLst/>
-              </a:prstGeom>
-              <a:noFill/>
-              <a:ln>
-                <a:noFill/>
-              </a:ln>
-            </p:spPr>
-            <p:style>
-              <a:lnRef idx="2">
-                <a:schemeClr val="accent1">
-                  <a:shade val="50000"/>
-                </a:schemeClr>
-              </a:lnRef>
-              <a:fillRef idx="1">
-                <a:schemeClr val="accent1"/>
-              </a:fillRef>
-              <a:effectRef idx="0">
-                <a:schemeClr val="accent1"/>
-              </a:effectRef>
-              <a:fontRef idx="minor">
-                <a:schemeClr val="lt1"/>
-              </a:fontRef>
-            </p:style>
-            <p:txBody>
-              <a:bodyPr rtlCol="0" anchor="ctr"/>
-              <a:lstStyle/>
-              <a:p>
-                <a:pPr algn="ctr"/>
-                <a:endParaRPr kumimoji="1" lang="ja-JP" altLang="en-US"/>
-              </a:p>
-            </p:txBody>
-          </p:sp>
-        </p:grpSp>
+            <a:prstGeom prst="rect">
+              <a:avLst/>
+            </a:prstGeom>
+            <a:noFill/>
+          </p:spPr>
+          <p:txBody>
+            <a:bodyPr wrap="square" rtlCol="0">
+              <a:spAutoFit/>
+            </a:bodyPr>
+            <a:lstStyle/>
+            <a:p>
+              <a:r>
+                <a:rPr lang="ja-JP" altLang="en-US" sz="3600">
+                  <a:solidFill>
+                    <a:srgbClr val="C00000"/>
+                  </a:solidFill>
+                </a:rPr>
+                <a:t>ボーナスが確定しないと、</a:t>
+              </a:r>
+              <a:br>
+                <a:rPr lang="en-US" altLang="ja-JP" sz="3600" dirty="0">
+                  <a:solidFill>
+                    <a:srgbClr val="C00000"/>
+                  </a:solidFill>
+                </a:rPr>
+              </a:br>
+              <a:r>
+                <a:rPr lang="ja-JP" altLang="en-US" sz="3600">
+                  <a:solidFill>
+                    <a:srgbClr val="C00000"/>
+                  </a:solidFill>
+                </a:rPr>
+                <a:t>トータルが出せない</a:t>
+              </a:r>
+              <a:endParaRPr kumimoji="1" lang="ja-JP" altLang="en-US" sz="3600">
+                <a:solidFill>
+                  <a:srgbClr val="C00000"/>
+                </a:solidFill>
+              </a:endParaRPr>
+            </a:p>
+          </p:txBody>
+        </p:sp>
         <p:sp>
           <p:nvSpPr>
-            <p:cNvPr id="14" name="角丸四角形 13">
+            <p:cNvPr id="12" name="角丸四角形 11">
               <a:extLst>
                 <a:ext uri="{FF2B5EF4-FFF2-40B4-BE49-F238E27FC236}">
-                  <a16:creationId xmlns:a16="http://schemas.microsoft.com/office/drawing/2014/main" id="{B4DE186E-C972-F843-BB22-69A2A4C544AD}"/>
+                  <a16:creationId xmlns:a16="http://schemas.microsoft.com/office/drawing/2014/main" id="{E5D955D8-8365-AF4E-922C-D5D902DC8267}"/>
                 </a:ext>
               </a:extLst>
             </p:cNvPr>
@@ -9296,8 +10346,8 @@
           </p:nvSpPr>
           <p:spPr>
             <a:xfrm>
-              <a:off x="3434576" y="2668859"/>
-              <a:ext cx="713678" cy="639336"/>
+              <a:off x="1181003" y="3662179"/>
+              <a:ext cx="949906" cy="773597"/>
             </a:xfrm>
             <a:prstGeom prst="roundRect">
               <a:avLst/>
@@ -9336,22 +10386,23 @@
         </p:sp>
         <p:cxnSp>
           <p:nvCxnSpPr>
-            <p:cNvPr id="17" name="直線矢印コネクタ 16">
+            <p:cNvPr id="13" name="直線矢印コネクタ 12">
               <a:extLst>
                 <a:ext uri="{FF2B5EF4-FFF2-40B4-BE49-F238E27FC236}">
-                  <a16:creationId xmlns:a16="http://schemas.microsoft.com/office/drawing/2014/main" id="{2B89F25E-80FB-974F-80B5-EEFA48CB2CBC}"/>
+                  <a16:creationId xmlns:a16="http://schemas.microsoft.com/office/drawing/2014/main" id="{87745238-978C-BC4E-8FC6-DDAF1CE1CEB3}"/>
                 </a:ext>
               </a:extLst>
             </p:cNvPr>
             <p:cNvCxnSpPr>
               <a:cxnSpLocks/>
+              <a:stCxn id="11" idx="1"/>
             </p:cNvCxnSpPr>
             <p:nvPr/>
           </p:nvCxnSpPr>
           <p:spPr>
-            <a:xfrm flipH="1">
-              <a:off x="4148254" y="2979538"/>
-              <a:ext cx="541020" cy="1"/>
+            <a:xfrm flipH="1" flipV="1">
+              <a:off x="2130909" y="4039988"/>
+              <a:ext cx="2503071" cy="8989"/>
             </a:xfrm>
             <a:prstGeom prst="straightConnector1">
               <a:avLst/>
@@ -9378,393 +10429,6 @@
             </a:fontRef>
           </p:style>
         </p:cxnSp>
-        <p:sp>
-          <p:nvSpPr>
-            <p:cNvPr id="18" name="テキスト ボックス 17">
-              <a:extLst>
-                <a:ext uri="{FF2B5EF4-FFF2-40B4-BE49-F238E27FC236}">
-                  <a16:creationId xmlns:a16="http://schemas.microsoft.com/office/drawing/2014/main" id="{728D62CE-7AD9-8343-A992-05F31A0E0A58}"/>
-                </a:ext>
-              </a:extLst>
-            </p:cNvPr>
-            <p:cNvSpPr txBox="1"/>
-            <p:nvPr/>
-          </p:nvSpPr>
-          <p:spPr>
-            <a:xfrm>
-              <a:off x="4861932" y="2111364"/>
-              <a:ext cx="5218770" cy="1754326"/>
-            </a:xfrm>
-            <a:prstGeom prst="rect">
-              <a:avLst/>
-            </a:prstGeom>
-            <a:noFill/>
-          </p:spPr>
-          <p:txBody>
-            <a:bodyPr wrap="square" rtlCol="0">
-              <a:spAutoFit/>
-            </a:bodyPr>
-            <a:lstStyle/>
-            <a:p>
-              <a:r>
-                <a:rPr lang="ja-JP" altLang="en-US" sz="3600">
-                  <a:solidFill>
-                    <a:srgbClr val="C00000"/>
-                  </a:solidFill>
-                </a:rPr>
-                <a:t>この投球が終わるまで、前のフレームのボーナスは確定しない</a:t>
-              </a:r>
-              <a:endParaRPr kumimoji="1" lang="ja-JP" altLang="en-US" sz="3600">
-                <a:solidFill>
-                  <a:srgbClr val="C00000"/>
-                </a:solidFill>
-              </a:endParaRPr>
-            </a:p>
-          </p:txBody>
-        </p:sp>
-      </p:grpSp>
-    </p:spTree>
-    <p:extLst>
-      <p:ext uri="{BB962C8B-B14F-4D97-AF65-F5344CB8AC3E}">
-        <p14:creationId xmlns:p14="http://schemas.microsoft.com/office/powerpoint/2010/main" val="1140187505"/>
-      </p:ext>
-    </p:extLst>
-  </p:cSld>
-  <p:clrMapOvr>
-    <a:masterClrMapping/>
-  </p:clrMapOvr>
-</p:sld>
-</file>
-
-<file path=ppt/slides/slide9.xml><?xml version="1.0" encoding="utf-8"?>
-<p:sld xmlns:a="http://schemas.openxmlformats.org/drawingml/2006/main" xmlns:r="http://schemas.openxmlformats.org/officeDocument/2006/relationships" xmlns:p="http://schemas.openxmlformats.org/presentationml/2006/main">
-  <p:cSld>
-    <p:spTree>
-      <p:nvGrpSpPr>
-        <p:cNvPr id="1" name=""/>
-        <p:cNvGrpSpPr/>
-        <p:nvPr/>
-      </p:nvGrpSpPr>
-      <p:grpSpPr>
-        <a:xfrm>
-          <a:off x="0" y="0"/>
-          <a:ext cx="0" cy="0"/>
-          <a:chOff x="0" y="0"/>
-          <a:chExt cx="0" cy="0"/>
-        </a:xfrm>
-      </p:grpSpPr>
-      <p:sp>
-        <p:nvSpPr>
-          <p:cNvPr id="9" name="テキスト ボックス 8">
-            <a:extLst>
-              <a:ext uri="{FF2B5EF4-FFF2-40B4-BE49-F238E27FC236}">
-                <a16:creationId xmlns:a16="http://schemas.microsoft.com/office/drawing/2014/main" id="{79BC3667-D168-494B-B5E7-2607E1080F8C}"/>
-              </a:ext>
-            </a:extLst>
-          </p:cNvPr>
-          <p:cNvSpPr txBox="1"/>
-          <p:nvPr/>
-        </p:nvSpPr>
-        <p:spPr>
-          <a:xfrm>
-            <a:off x="669073" y="156117"/>
-            <a:ext cx="2329484" cy="646331"/>
-          </a:xfrm>
-          <a:prstGeom prst="rect">
-            <a:avLst/>
-          </a:prstGeom>
-          <a:noFill/>
-        </p:spPr>
-        <p:txBody>
-          <a:bodyPr wrap="none" rtlCol="0">
-            <a:spAutoFit/>
-          </a:bodyPr>
-          <a:lstStyle/>
-          <a:p>
-            <a:r>
-              <a:rPr kumimoji="1" lang="en-US" altLang="ja-JP" dirty="0"/>
-              <a:t>PENDING(</a:t>
-            </a:r>
-            <a:r>
-              <a:rPr lang="en-US" altLang="ja-JP" dirty="0"/>
-              <a:t>double</a:t>
-            </a:r>
-            <a:r>
-              <a:rPr kumimoji="1" lang="en-US" altLang="ja-JP" dirty="0"/>
-              <a:t>)</a:t>
-            </a:r>
-          </a:p>
-          <a:p>
-            <a:r>
-              <a:rPr lang="en-US" altLang="ja-JP" dirty="0" err="1"/>
-              <a:t>pending_double.png</a:t>
-            </a:r>
-            <a:endParaRPr kumimoji="1" lang="en-US" altLang="ja-JP" dirty="0"/>
-          </a:p>
-        </p:txBody>
-      </p:sp>
-      <p:grpSp>
-        <p:nvGrpSpPr>
-          <p:cNvPr id="5" name="グループ化 4">
-            <a:extLst>
-              <a:ext uri="{FF2B5EF4-FFF2-40B4-BE49-F238E27FC236}">
-                <a16:creationId xmlns:a16="http://schemas.microsoft.com/office/drawing/2014/main" id="{77DB6763-F605-FC4D-8323-A0A0D001976E}"/>
-              </a:ext>
-            </a:extLst>
-          </p:cNvPr>
-          <p:cNvGrpSpPr/>
-          <p:nvPr/>
-        </p:nvGrpSpPr>
-        <p:grpSpPr>
-          <a:xfrm>
-            <a:off x="360000" y="1439999"/>
-            <a:ext cx="11520000" cy="3528000"/>
-            <a:chOff x="360000" y="1439999"/>
-            <a:chExt cx="11520000" cy="3528000"/>
-          </a:xfrm>
-        </p:grpSpPr>
-        <p:pic>
-          <p:nvPicPr>
-            <p:cNvPr id="3" name="図 2" descr="図形 が含まれている画像&#10;&#10;自動的に生成された説明">
-              <a:extLst>
-                <a:ext uri="{FF2B5EF4-FFF2-40B4-BE49-F238E27FC236}">
-                  <a16:creationId xmlns:a16="http://schemas.microsoft.com/office/drawing/2014/main" id="{863F98CC-6380-3641-8DD5-54BFDDD01782}"/>
-                </a:ext>
-              </a:extLst>
-            </p:cNvPr>
-            <p:cNvPicPr>
-              <a:picLocks noChangeAspect="1"/>
-            </p:cNvPicPr>
-            <p:nvPr/>
-          </p:nvPicPr>
-          <p:blipFill>
-            <a:blip r:embed="rId2">
-              <a:extLst>
-                <a:ext uri="{28A0092B-C50C-407E-A947-70E740481C1C}">
-                  <a14:useLocalDpi xmlns:a14="http://schemas.microsoft.com/office/drawing/2010/main" val="0"/>
-                </a:ext>
-              </a:extLst>
-            </a:blip>
-            <a:stretch>
-              <a:fillRect/>
-            </a:stretch>
-          </p:blipFill>
-          <p:spPr>
-            <a:xfrm>
-              <a:off x="736716" y="1790700"/>
-              <a:ext cx="5246158" cy="2821639"/>
-            </a:xfrm>
-            <a:prstGeom prst="rect">
-              <a:avLst/>
-            </a:prstGeom>
-          </p:spPr>
-        </p:pic>
-        <p:sp>
-          <p:nvSpPr>
-            <p:cNvPr id="8" name="正方形/長方形 7">
-              <a:extLst>
-                <a:ext uri="{FF2B5EF4-FFF2-40B4-BE49-F238E27FC236}">
-                  <a16:creationId xmlns:a16="http://schemas.microsoft.com/office/drawing/2014/main" id="{CD336A79-D244-E142-B007-E4AFCCB074CD}"/>
-                </a:ext>
-              </a:extLst>
-            </p:cNvPr>
-            <p:cNvSpPr/>
-            <p:nvPr/>
-          </p:nvSpPr>
-          <p:spPr>
-            <a:xfrm>
-              <a:off x="360000" y="1439999"/>
-              <a:ext cx="11520000" cy="3528000"/>
-            </a:xfrm>
-            <a:prstGeom prst="rect">
-              <a:avLst/>
-            </a:prstGeom>
-            <a:noFill/>
-            <a:ln>
-              <a:noFill/>
-            </a:ln>
-          </p:spPr>
-          <p:style>
-            <a:lnRef idx="2">
-              <a:schemeClr val="accent1">
-                <a:shade val="50000"/>
-              </a:schemeClr>
-            </a:lnRef>
-            <a:fillRef idx="1">
-              <a:schemeClr val="accent1"/>
-            </a:fillRef>
-            <a:effectRef idx="0">
-              <a:schemeClr val="accent1"/>
-            </a:effectRef>
-            <a:fontRef idx="minor">
-              <a:schemeClr val="lt1"/>
-            </a:fontRef>
-          </p:style>
-          <p:txBody>
-            <a:bodyPr rtlCol="0" anchor="ctr"/>
-            <a:lstStyle/>
-            <a:p>
-              <a:pPr algn="ctr"/>
-              <a:endParaRPr kumimoji="1" lang="ja-JP" altLang="en-US"/>
-            </a:p>
-          </p:txBody>
-        </p:sp>
-        <p:sp>
-          <p:nvSpPr>
-            <p:cNvPr id="14" name="角丸四角形 13">
-              <a:extLst>
-                <a:ext uri="{FF2B5EF4-FFF2-40B4-BE49-F238E27FC236}">
-                  <a16:creationId xmlns:a16="http://schemas.microsoft.com/office/drawing/2014/main" id="{B4DE186E-C972-F843-BB22-69A2A4C544AD}"/>
-                </a:ext>
-              </a:extLst>
-            </p:cNvPr>
-            <p:cNvSpPr/>
-            <p:nvPr/>
-          </p:nvSpPr>
-          <p:spPr>
-            <a:xfrm>
-              <a:off x="4289498" y="2668859"/>
-              <a:ext cx="713678" cy="639336"/>
-            </a:xfrm>
-            <a:prstGeom prst="roundRect">
-              <a:avLst/>
-            </a:prstGeom>
-            <a:noFill/>
-            <a:ln w="38100">
-              <a:solidFill>
-                <a:srgbClr val="C00000"/>
-              </a:solidFill>
-            </a:ln>
-          </p:spPr>
-          <p:style>
-            <a:lnRef idx="2">
-              <a:schemeClr val="accent1">
-                <a:shade val="50000"/>
-              </a:schemeClr>
-            </a:lnRef>
-            <a:fillRef idx="1">
-              <a:schemeClr val="accent1"/>
-            </a:fillRef>
-            <a:effectRef idx="0">
-              <a:schemeClr val="accent1"/>
-            </a:effectRef>
-            <a:fontRef idx="minor">
-              <a:schemeClr val="lt1"/>
-            </a:fontRef>
-          </p:style>
-          <p:txBody>
-            <a:bodyPr rtlCol="0" anchor="ctr"/>
-            <a:lstStyle/>
-            <a:p>
-              <a:pPr algn="ctr"/>
-              <a:endParaRPr kumimoji="1" lang="ja-JP" altLang="en-US"/>
-            </a:p>
-          </p:txBody>
-        </p:sp>
-        <p:cxnSp>
-          <p:nvCxnSpPr>
-            <p:cNvPr id="17" name="直線矢印コネクタ 16">
-              <a:extLst>
-                <a:ext uri="{FF2B5EF4-FFF2-40B4-BE49-F238E27FC236}">
-                  <a16:creationId xmlns:a16="http://schemas.microsoft.com/office/drawing/2014/main" id="{2B89F25E-80FB-974F-80B5-EEFA48CB2CBC}"/>
-                </a:ext>
-              </a:extLst>
-            </p:cNvPr>
-            <p:cNvCxnSpPr>
-              <a:cxnSpLocks/>
-              <a:stCxn id="18" idx="1"/>
-            </p:cNvCxnSpPr>
-            <p:nvPr/>
-          </p:nvCxnSpPr>
-          <p:spPr>
-            <a:xfrm flipH="1" flipV="1">
-              <a:off x="5003176" y="2979539"/>
-              <a:ext cx="1189463" cy="8988"/>
-            </a:xfrm>
-            <a:prstGeom prst="straightConnector1">
-              <a:avLst/>
-            </a:prstGeom>
-            <a:ln w="28575">
-              <a:solidFill>
-                <a:srgbClr val="C00000"/>
-              </a:solidFill>
-              <a:tailEnd type="triangle" w="lg" len="lg"/>
-            </a:ln>
-          </p:spPr>
-          <p:style>
-            <a:lnRef idx="1">
-              <a:schemeClr val="accent1"/>
-            </a:lnRef>
-            <a:fillRef idx="0">
-              <a:schemeClr val="accent1"/>
-            </a:fillRef>
-            <a:effectRef idx="0">
-              <a:schemeClr val="accent1"/>
-            </a:effectRef>
-            <a:fontRef idx="minor">
-              <a:schemeClr val="tx1"/>
-            </a:fontRef>
-          </p:style>
-        </p:cxnSp>
-        <p:sp>
-          <p:nvSpPr>
-            <p:cNvPr id="18" name="テキスト ボックス 17">
-              <a:extLst>
-                <a:ext uri="{FF2B5EF4-FFF2-40B4-BE49-F238E27FC236}">
-                  <a16:creationId xmlns:a16="http://schemas.microsoft.com/office/drawing/2014/main" id="{728D62CE-7AD9-8343-A992-05F31A0E0A58}"/>
-                </a:ext>
-              </a:extLst>
-            </p:cNvPr>
-            <p:cNvSpPr txBox="1"/>
-            <p:nvPr/>
-          </p:nvSpPr>
-          <p:spPr>
-            <a:xfrm>
-              <a:off x="6192639" y="2111364"/>
-              <a:ext cx="5218770" cy="1754326"/>
-            </a:xfrm>
-            <a:prstGeom prst="rect">
-              <a:avLst/>
-            </a:prstGeom>
-            <a:noFill/>
-          </p:spPr>
-          <p:txBody>
-            <a:bodyPr wrap="square" rtlCol="0">
-              <a:spAutoFit/>
-            </a:bodyPr>
-            <a:lstStyle/>
-            <a:p>
-              <a:r>
-                <a:rPr lang="ja-JP" altLang="en-US" sz="3600">
-                  <a:solidFill>
-                    <a:srgbClr val="C00000"/>
-                  </a:solidFill>
-                </a:rPr>
-                <a:t>この投球が終わるまで、前の前のフレームの</a:t>
-              </a:r>
-              <a:br>
-                <a:rPr lang="en-US" altLang="ja-JP" sz="3600" dirty="0">
-                  <a:solidFill>
-                    <a:srgbClr val="C00000"/>
-                  </a:solidFill>
-                </a:rPr>
-              </a:br>
-              <a:r>
-                <a:rPr lang="ja-JP" altLang="en-US" sz="3600">
-                  <a:solidFill>
-                    <a:srgbClr val="C00000"/>
-                  </a:solidFill>
-                </a:rPr>
-                <a:t>ボーナスは確定しない</a:t>
-              </a:r>
-              <a:endParaRPr kumimoji="1" lang="ja-JP" altLang="en-US" sz="3600">
-                <a:solidFill>
-                  <a:srgbClr val="C00000"/>
-                </a:solidFill>
-              </a:endParaRPr>
-            </a:p>
-          </p:txBody>
-        </p:sp>
       </p:grpSp>
     </p:spTree>
     <p:extLst>
